--- a/Documents/DavesTopMusic.pptx
+++ b/Documents/DavesTopMusic.pptx
@@ -5,14 +5,15 @@
     <p:sldMasterId id="2147483648" r:id="rId1"/>
   </p:sldMasterIdLst>
   <p:notesMasterIdLst>
-    <p:notesMasterId r:id="rId7"/>
+    <p:notesMasterId r:id="rId8"/>
   </p:notesMasterIdLst>
   <p:sldIdLst>
     <p:sldId id="256" r:id="rId2"/>
     <p:sldId id="260" r:id="rId3"/>
-    <p:sldId id="258" r:id="rId4"/>
-    <p:sldId id="259" r:id="rId5"/>
-    <p:sldId id="257" r:id="rId6"/>
+    <p:sldId id="261" r:id="rId4"/>
+    <p:sldId id="258" r:id="rId5"/>
+    <p:sldId id="259" r:id="rId6"/>
+    <p:sldId id="257" r:id="rId7"/>
   </p:sldIdLst>
   <p:sldSz cx="12192000" cy="6858000"/>
   <p:notesSz cx="6858000" cy="9144000"/>
@@ -111,6 +112,14 @@
       </a:defRPr>
     </a:lvl9pPr>
   </p:defaultTextStyle>
+  <p:extLst>
+    <p:ext uri="{EFAFB233-063F-42B5-8137-9DF3F51BA10A}">
+      <p15:sldGuideLst xmlns:p15="http://schemas.microsoft.com/office/powerpoint/2012/main"/>
+    </p:ext>
+    <p:ext uri="{2D200454-40CA-4A62-9FC3-DE9A4176ACB9}">
+      <p15:notesGuideLst xmlns:p15="http://schemas.microsoft.com/office/powerpoint/2012/main"/>
+    </p:ext>
+  </p:extLst>
 </p:presentation>
 </file>
 
@@ -700,15 +709,7 @@
           <a:bodyPr/>
           <a:lstStyle/>
           <a:p>
-            <a:r>
-              <a:rPr lang="en-GB" dirty="0" smtClean="0"/>
-              <a:t>Listening</a:t>
-            </a:r>
-            <a:r>
-              <a:rPr lang="en-GB" baseline="0" dirty="0" smtClean="0"/>
-              <a:t> to the same music at work… wanted more!</a:t>
-            </a:r>
-            <a:endParaRPr lang="en-GB" dirty="0"/>
+            <a:endParaRPr lang="en-GB"/>
           </a:p>
         </p:txBody>
       </p:sp>
@@ -730,6 +731,98 @@
             <a:fld id="{F6AE6D5B-B1C4-4F57-98D1-0105294F2AB3}" type="slidenum">
               <a:rPr lang="en-GB" smtClean="0"/>
               <a:t>3</a:t>
+            </a:fld>
+            <a:endParaRPr lang="en-GB"/>
+          </a:p>
+        </p:txBody>
+      </p:sp>
+    </p:spTree>
+    <p:extLst>
+      <p:ext uri="{BB962C8B-B14F-4D97-AF65-F5344CB8AC3E}">
+        <p14:creationId xmlns:p14="http://schemas.microsoft.com/office/powerpoint/2010/main" val="1553516343"/>
+      </p:ext>
+    </p:extLst>
+  </p:cSld>
+  <p:clrMapOvr>
+    <a:masterClrMapping/>
+  </p:clrMapOvr>
+</p:notes>
+</file>
+
+<file path=ppt/notesSlides/notesSlide4.xml><?xml version="1.0" encoding="utf-8"?>
+<p:notes xmlns:a="http://schemas.openxmlformats.org/drawingml/2006/main" xmlns:r="http://schemas.openxmlformats.org/officeDocument/2006/relationships" xmlns:p="http://schemas.openxmlformats.org/presentationml/2006/main">
+  <p:cSld>
+    <p:spTree>
+      <p:nvGrpSpPr>
+        <p:cNvPr id="1" name=""/>
+        <p:cNvGrpSpPr/>
+        <p:nvPr/>
+      </p:nvGrpSpPr>
+      <p:grpSpPr>
+        <a:xfrm>
+          <a:off x="0" y="0"/>
+          <a:ext cx="0" cy="0"/>
+          <a:chOff x="0" y="0"/>
+          <a:chExt cx="0" cy="0"/>
+        </a:xfrm>
+      </p:grpSpPr>
+      <p:sp>
+        <p:nvSpPr>
+          <p:cNvPr id="2" name="Slide Image Placeholder 1"/>
+          <p:cNvSpPr>
+            <a:spLocks noGrp="1" noRot="1" noChangeAspect="1"/>
+          </p:cNvSpPr>
+          <p:nvPr>
+            <p:ph type="sldImg"/>
+          </p:nvPr>
+        </p:nvSpPr>
+        <p:spPr/>
+      </p:sp>
+      <p:sp>
+        <p:nvSpPr>
+          <p:cNvPr id="3" name="Notes Placeholder 2"/>
+          <p:cNvSpPr>
+            <a:spLocks noGrp="1"/>
+          </p:cNvSpPr>
+          <p:nvPr>
+            <p:ph type="body" idx="1"/>
+          </p:nvPr>
+        </p:nvSpPr>
+        <p:spPr/>
+        <p:txBody>
+          <a:bodyPr/>
+          <a:lstStyle/>
+          <a:p>
+            <a:r>
+              <a:rPr lang="en-GB" dirty="0" smtClean="0"/>
+              <a:t>Listening</a:t>
+            </a:r>
+            <a:r>
+              <a:rPr lang="en-GB" baseline="0" dirty="0" smtClean="0"/>
+              <a:t> to the same music at work… wanted more!</a:t>
+            </a:r>
+            <a:endParaRPr lang="en-GB" dirty="0"/>
+          </a:p>
+        </p:txBody>
+      </p:sp>
+      <p:sp>
+        <p:nvSpPr>
+          <p:cNvPr id="4" name="Slide Number Placeholder 3"/>
+          <p:cNvSpPr>
+            <a:spLocks noGrp="1"/>
+          </p:cNvSpPr>
+          <p:nvPr>
+            <p:ph type="sldNum" sz="quarter" idx="10"/>
+          </p:nvPr>
+        </p:nvSpPr>
+        <p:spPr/>
+        <p:txBody>
+          <a:bodyPr/>
+          <a:lstStyle/>
+          <a:p>
+            <a:fld id="{F6AE6D5B-B1C4-4F57-98D1-0105294F2AB3}" type="slidenum">
+              <a:rPr lang="en-GB" smtClean="0"/>
+              <a:t>4</a:t>
             </a:fld>
             <a:endParaRPr lang="en-GB"/>
           </a:p>
@@ -751,6 +844,17 @@
 <file path=ppt/slideLayouts/slideLayout1.xml><?xml version="1.0" encoding="utf-8"?>
 <p:sldLayout xmlns:a="http://schemas.openxmlformats.org/drawingml/2006/main" xmlns:r="http://schemas.openxmlformats.org/officeDocument/2006/relationships" xmlns:p="http://schemas.openxmlformats.org/presentationml/2006/main" type="title" preserve="1">
   <p:cSld name="Title Slide">
+    <p:bg>
+      <p:bgPr>
+        <a:solidFill>
+          <a:schemeClr val="accent2">
+            <a:lumMod val="60000"/>
+            <a:lumOff val="40000"/>
+          </a:schemeClr>
+        </a:solidFill>
+        <a:effectLst/>
+      </p:bgPr>
+    </p:bg>
     <p:spTree>
       <p:nvGrpSpPr>
         <p:cNvPr id="1" name=""/>
@@ -784,16 +888,20 @@
         <p:txBody>
           <a:bodyPr anchor="b"/>
           <a:lstStyle>
-            <a:lvl1pPr algn="ctr">
-              <a:defRPr sz="6000"/>
+            <a:lvl1pPr algn="l">
+              <a:defRPr sz="6000">
+                <a:solidFill>
+                  <a:schemeClr val="bg1"/>
+                </a:solidFill>
+              </a:defRPr>
             </a:lvl1pPr>
           </a:lstStyle>
           <a:p>
             <a:r>
-              <a:rPr lang="en-US" smtClean="0"/>
+              <a:rPr lang="en-US" dirty="0" smtClean="0"/>
               <a:t>Click to edit Master title style</a:t>
             </a:r>
-            <a:endParaRPr lang="en-GB"/>
+            <a:endParaRPr lang="en-GB" dirty="0"/>
           </a:p>
         </p:txBody>
       </p:sp>
@@ -814,11 +922,17 @@
           </a:xfrm>
         </p:spPr>
         <p:txBody>
-          <a:bodyPr/>
+          <a:bodyPr>
+            <a:normAutofit/>
+          </a:bodyPr>
           <a:lstStyle>
-            <a:lvl1pPr marL="0" indent="0" algn="ctr">
-              <a:buNone/>
-              <a:defRPr sz="2400"/>
+            <a:lvl1pPr marL="0" indent="0" algn="l">
+              <a:buNone/>
+              <a:defRPr sz="1800">
+                <a:solidFill>
+                  <a:schemeClr val="tx1"/>
+                </a:solidFill>
+              </a:defRPr>
             </a:lvl1pPr>
             <a:lvl2pPr marL="457200" indent="0" algn="ctr">
               <a:buNone/>
@@ -855,10 +969,10 @@
           </a:lstStyle>
           <a:p>
             <a:r>
-              <a:rPr lang="en-US" smtClean="0"/>
+              <a:rPr lang="en-US" dirty="0" smtClean="0"/>
               <a:t>Click to edit Master subtitle style</a:t>
             </a:r>
-            <a:endParaRPr lang="en-GB"/>
+            <a:endParaRPr lang="en-GB" dirty="0"/>
           </a:p>
         </p:txBody>
       </p:sp>
@@ -931,6 +1045,266 @@
     <p:extLst>
       <p:ext uri="{BB962C8B-B14F-4D97-AF65-F5344CB8AC3E}">
         <p14:creationId xmlns:p14="http://schemas.microsoft.com/office/powerpoint/2010/main" val="1373065147"/>
+      </p:ext>
+    </p:extLst>
+  </p:cSld>
+  <p:clrMapOvr>
+    <a:overrideClrMapping bg1="lt1" tx1="dk1" bg2="lt2" tx2="dk2" accent1="accent1" accent2="accent2" accent3="accent3" accent4="accent4" accent5="accent5" accent6="accent6" hlink="hlink" folHlink="folHlink"/>
+  </p:clrMapOvr>
+  <p:timing>
+    <p:tnLst>
+      <p:par>
+        <p:cTn id="1" dur="indefinite" restart="never" nodeType="tmRoot"/>
+      </p:par>
+    </p:tnLst>
+  </p:timing>
+</p:sldLayout>
+</file>
+
+<file path=ppt/slideLayouts/slideLayout10.xml><?xml version="1.0" encoding="utf-8"?>
+<p:sldLayout xmlns:a="http://schemas.openxmlformats.org/drawingml/2006/main" xmlns:r="http://schemas.openxmlformats.org/officeDocument/2006/relationships" xmlns:p="http://schemas.openxmlformats.org/presentationml/2006/main" type="picTx" preserve="1">
+  <p:cSld name="Picture with Caption">
+    <p:spTree>
+      <p:nvGrpSpPr>
+        <p:cNvPr id="1" name=""/>
+        <p:cNvGrpSpPr/>
+        <p:nvPr/>
+      </p:nvGrpSpPr>
+      <p:grpSpPr>
+        <a:xfrm>
+          <a:off x="0" y="0"/>
+          <a:ext cx="0" cy="0"/>
+          <a:chOff x="0" y="0"/>
+          <a:chExt cx="0" cy="0"/>
+        </a:xfrm>
+      </p:grpSpPr>
+      <p:sp>
+        <p:nvSpPr>
+          <p:cNvPr id="2" name="Title 1"/>
+          <p:cNvSpPr>
+            <a:spLocks noGrp="1"/>
+          </p:cNvSpPr>
+          <p:nvPr>
+            <p:ph type="title"/>
+          </p:nvPr>
+        </p:nvSpPr>
+        <p:spPr>
+          <a:xfrm>
+            <a:off x="839788" y="457200"/>
+            <a:ext cx="3932237" cy="1600200"/>
+          </a:xfrm>
+        </p:spPr>
+        <p:txBody>
+          <a:bodyPr anchor="b"/>
+          <a:lstStyle>
+            <a:lvl1pPr>
+              <a:defRPr sz="3200"/>
+            </a:lvl1pPr>
+          </a:lstStyle>
+          <a:p>
+            <a:r>
+              <a:rPr lang="en-US" smtClean="0"/>
+              <a:t>Click to edit Master title style</a:t>
+            </a:r>
+            <a:endParaRPr lang="en-GB"/>
+          </a:p>
+        </p:txBody>
+      </p:sp>
+      <p:sp>
+        <p:nvSpPr>
+          <p:cNvPr id="3" name="Picture Placeholder 2"/>
+          <p:cNvSpPr>
+            <a:spLocks noGrp="1"/>
+          </p:cNvSpPr>
+          <p:nvPr>
+            <p:ph type="pic" idx="1"/>
+          </p:nvPr>
+        </p:nvSpPr>
+        <p:spPr>
+          <a:xfrm>
+            <a:off x="5183188" y="987425"/>
+            <a:ext cx="6172200" cy="4873625"/>
+          </a:xfrm>
+        </p:spPr>
+        <p:txBody>
+          <a:bodyPr/>
+          <a:lstStyle>
+            <a:lvl1pPr marL="0" indent="0">
+              <a:buNone/>
+              <a:defRPr sz="3200"/>
+            </a:lvl1pPr>
+            <a:lvl2pPr marL="457200" indent="0">
+              <a:buNone/>
+              <a:defRPr sz="2800"/>
+            </a:lvl2pPr>
+            <a:lvl3pPr marL="914400" indent="0">
+              <a:buNone/>
+              <a:defRPr sz="2400"/>
+            </a:lvl3pPr>
+            <a:lvl4pPr marL="1371600" indent="0">
+              <a:buNone/>
+              <a:defRPr sz="2000"/>
+            </a:lvl4pPr>
+            <a:lvl5pPr marL="1828800" indent="0">
+              <a:buNone/>
+              <a:defRPr sz="2000"/>
+            </a:lvl5pPr>
+            <a:lvl6pPr marL="2286000" indent="0">
+              <a:buNone/>
+              <a:defRPr sz="2000"/>
+            </a:lvl6pPr>
+            <a:lvl7pPr marL="2743200" indent="0">
+              <a:buNone/>
+              <a:defRPr sz="2000"/>
+            </a:lvl7pPr>
+            <a:lvl8pPr marL="3200400" indent="0">
+              <a:buNone/>
+              <a:defRPr sz="2000"/>
+            </a:lvl8pPr>
+            <a:lvl9pPr marL="3657600" indent="0">
+              <a:buNone/>
+              <a:defRPr sz="2000"/>
+            </a:lvl9pPr>
+          </a:lstStyle>
+          <a:p>
+            <a:endParaRPr lang="en-GB"/>
+          </a:p>
+        </p:txBody>
+      </p:sp>
+      <p:sp>
+        <p:nvSpPr>
+          <p:cNvPr id="4" name="Text Placeholder 3"/>
+          <p:cNvSpPr>
+            <a:spLocks noGrp="1"/>
+          </p:cNvSpPr>
+          <p:nvPr>
+            <p:ph type="body" sz="half" idx="2"/>
+          </p:nvPr>
+        </p:nvSpPr>
+        <p:spPr>
+          <a:xfrm>
+            <a:off x="839788" y="2057400"/>
+            <a:ext cx="3932237" cy="3811588"/>
+          </a:xfrm>
+        </p:spPr>
+        <p:txBody>
+          <a:bodyPr/>
+          <a:lstStyle>
+            <a:lvl1pPr marL="0" indent="0">
+              <a:buNone/>
+              <a:defRPr sz="1600"/>
+            </a:lvl1pPr>
+            <a:lvl2pPr marL="457200" indent="0">
+              <a:buNone/>
+              <a:defRPr sz="1400"/>
+            </a:lvl2pPr>
+            <a:lvl3pPr marL="914400" indent="0">
+              <a:buNone/>
+              <a:defRPr sz="1200"/>
+            </a:lvl3pPr>
+            <a:lvl4pPr marL="1371600" indent="0">
+              <a:buNone/>
+              <a:defRPr sz="1000"/>
+            </a:lvl4pPr>
+            <a:lvl5pPr marL="1828800" indent="0">
+              <a:buNone/>
+              <a:defRPr sz="1000"/>
+            </a:lvl5pPr>
+            <a:lvl6pPr marL="2286000" indent="0">
+              <a:buNone/>
+              <a:defRPr sz="1000"/>
+            </a:lvl6pPr>
+            <a:lvl7pPr marL="2743200" indent="0">
+              <a:buNone/>
+              <a:defRPr sz="1000"/>
+            </a:lvl7pPr>
+            <a:lvl8pPr marL="3200400" indent="0">
+              <a:buNone/>
+              <a:defRPr sz="1000"/>
+            </a:lvl8pPr>
+            <a:lvl9pPr marL="3657600" indent="0">
+              <a:buNone/>
+              <a:defRPr sz="1000"/>
+            </a:lvl9pPr>
+          </a:lstStyle>
+          <a:p>
+            <a:pPr lvl="0"/>
+            <a:r>
+              <a:rPr lang="en-US" smtClean="0"/>
+              <a:t>Click to edit Master text styles</a:t>
+            </a:r>
+          </a:p>
+        </p:txBody>
+      </p:sp>
+      <p:sp>
+        <p:nvSpPr>
+          <p:cNvPr id="5" name="Date Placeholder 4"/>
+          <p:cNvSpPr>
+            <a:spLocks noGrp="1"/>
+          </p:cNvSpPr>
+          <p:nvPr>
+            <p:ph type="dt" sz="half" idx="10"/>
+          </p:nvPr>
+        </p:nvSpPr>
+        <p:spPr/>
+        <p:txBody>
+          <a:bodyPr/>
+          <a:lstStyle/>
+          <a:p>
+            <a:fld id="{04FDAF21-1349-46D7-892C-118DDD78669D}" type="datetimeFigureOut">
+              <a:rPr lang="en-GB" smtClean="0"/>
+              <a:t>14/04/2015</a:t>
+            </a:fld>
+            <a:endParaRPr lang="en-GB"/>
+          </a:p>
+        </p:txBody>
+      </p:sp>
+      <p:sp>
+        <p:nvSpPr>
+          <p:cNvPr id="6" name="Footer Placeholder 5"/>
+          <p:cNvSpPr>
+            <a:spLocks noGrp="1"/>
+          </p:cNvSpPr>
+          <p:nvPr>
+            <p:ph type="ftr" sz="quarter" idx="11"/>
+          </p:nvPr>
+        </p:nvSpPr>
+        <p:spPr/>
+        <p:txBody>
+          <a:bodyPr/>
+          <a:lstStyle/>
+          <a:p>
+            <a:endParaRPr lang="en-GB"/>
+          </a:p>
+        </p:txBody>
+      </p:sp>
+      <p:sp>
+        <p:nvSpPr>
+          <p:cNvPr id="7" name="Slide Number Placeholder 6"/>
+          <p:cNvSpPr>
+            <a:spLocks noGrp="1"/>
+          </p:cNvSpPr>
+          <p:nvPr>
+            <p:ph type="sldNum" sz="quarter" idx="12"/>
+          </p:nvPr>
+        </p:nvSpPr>
+        <p:spPr/>
+        <p:txBody>
+          <a:bodyPr/>
+          <a:lstStyle/>
+          <a:p>
+            <a:fld id="{4642BA3F-BF25-41DF-BC7A-E3F302D62EC8}" type="slidenum">
+              <a:rPr lang="en-GB" smtClean="0"/>
+              <a:t>‹#›</a:t>
+            </a:fld>
+            <a:endParaRPr lang="en-GB"/>
+          </a:p>
+        </p:txBody>
+      </p:sp>
+    </p:spTree>
+    <p:extLst>
+      <p:ext uri="{BB962C8B-B14F-4D97-AF65-F5344CB8AC3E}">
+        <p14:creationId xmlns:p14="http://schemas.microsoft.com/office/powerpoint/2010/main" val="46526788"/>
       </p:ext>
     </p:extLst>
   </p:cSld>
@@ -940,7 +1314,7 @@
 </p:sldLayout>
 </file>
 
-<file path=ppt/slideLayouts/slideLayout10.xml><?xml version="1.0" encoding="utf-8"?>
+<file path=ppt/slideLayouts/slideLayout11.xml><?xml version="1.0" encoding="utf-8"?>
 <p:sldLayout xmlns:a="http://schemas.openxmlformats.org/drawingml/2006/main" xmlns:r="http://schemas.openxmlformats.org/officeDocument/2006/relationships" xmlns:p="http://schemas.openxmlformats.org/presentationml/2006/main" type="vertTx" preserve="1">
   <p:cSld name="Title and Vertical Text">
     <p:spTree>
@@ -1110,7 +1484,7 @@
 </p:sldLayout>
 </file>
 
-<file path=ppt/slideLayouts/slideLayout11.xml><?xml version="1.0" encoding="utf-8"?>
+<file path=ppt/slideLayouts/slideLayout12.xml><?xml version="1.0" encoding="utf-8"?>
 <p:sldLayout xmlns:a="http://schemas.openxmlformats.org/drawingml/2006/main" xmlns:r="http://schemas.openxmlformats.org/officeDocument/2006/relationships" xmlns:p="http://schemas.openxmlformats.org/presentationml/2006/main" type="vertTitleAndTx" preserve="1">
   <p:cSld name="Vertical Title and Text">
     <p:spTree>
@@ -1293,6 +1667,14 @@
 <file path=ppt/slideLayouts/slideLayout2.xml><?xml version="1.0" encoding="utf-8"?>
 <p:sldLayout xmlns:a="http://schemas.openxmlformats.org/drawingml/2006/main" xmlns:r="http://schemas.openxmlformats.org/officeDocument/2006/relationships" xmlns:p="http://schemas.openxmlformats.org/presentationml/2006/main" type="obj" preserve="1">
   <p:cSld name="Title and Content">
+    <p:bg>
+      <p:bgPr>
+        <a:solidFill>
+          <a:schemeClr val="bg2"/>
+        </a:solidFill>
+        <a:effectLst/>
+      </p:bgPr>
+    </p:bg>
     <p:spTree>
       <p:nvGrpSpPr>
         <p:cNvPr id="1" name=""/>
@@ -1317,16 +1699,32 @@
             <p:ph type="title"/>
           </p:nvPr>
         </p:nvSpPr>
-        <p:spPr/>
-        <p:txBody>
-          <a:bodyPr/>
-          <a:lstStyle/>
-          <a:p>
-            <a:r>
-              <a:rPr lang="en-US" smtClean="0"/>
+        <p:spPr>
+          <a:xfrm>
+            <a:off x="838200" y="365125"/>
+            <a:ext cx="10515600" cy="1460500"/>
+          </a:xfrm>
+          <a:solidFill>
+            <a:schemeClr val="bg2"/>
+          </a:solidFill>
+        </p:spPr>
+        <p:txBody>
+          <a:bodyPr/>
+          <a:lstStyle>
+            <a:lvl1pPr>
+              <a:defRPr>
+                <a:solidFill>
+                  <a:srgbClr val="FF3300"/>
+                </a:solidFill>
+              </a:defRPr>
+            </a:lvl1pPr>
+          </a:lstStyle>
+          <a:p>
+            <a:r>
+              <a:rPr lang="en-US" dirty="0" smtClean="0"/>
               <a:t>Click to edit Master title style</a:t>
             </a:r>
-            <a:endParaRPr lang="en-GB"/>
+            <a:endParaRPr lang="en-GB" dirty="0"/>
           </a:p>
         </p:txBody>
       </p:sp>
@@ -1340,45 +1738,107 @@
             <p:ph idx="1"/>
           </p:nvPr>
         </p:nvSpPr>
-        <p:spPr/>
-        <p:txBody>
-          <a:bodyPr/>
-          <a:lstStyle/>
+        <p:spPr>
+          <a:solidFill>
+            <a:schemeClr val="bg2"/>
+          </a:solidFill>
+        </p:spPr>
+        <p:txBody>
+          <a:bodyPr>
+            <a:normAutofit/>
+          </a:bodyPr>
+          <a:lstStyle>
+            <a:lvl1pPr>
+              <a:defRPr sz="1600">
+                <a:solidFill>
+                  <a:schemeClr val="tx1">
+                    <a:lumMod val="65000"/>
+                    <a:lumOff val="35000"/>
+                  </a:schemeClr>
+                </a:solidFill>
+                <a:latin typeface="Montserrat" panose="00000500000000000000" pitchFamily="50" charset="0"/>
+              </a:defRPr>
+            </a:lvl1pPr>
+            <a:lvl2pPr>
+              <a:defRPr sz="1600">
+                <a:solidFill>
+                  <a:schemeClr val="tx1">
+                    <a:lumMod val="65000"/>
+                    <a:lumOff val="35000"/>
+                  </a:schemeClr>
+                </a:solidFill>
+                <a:latin typeface="Montserrat" panose="00000500000000000000" pitchFamily="50" charset="0"/>
+              </a:defRPr>
+            </a:lvl2pPr>
+            <a:lvl3pPr>
+              <a:defRPr sz="1600">
+                <a:solidFill>
+                  <a:schemeClr val="tx1">
+                    <a:lumMod val="65000"/>
+                    <a:lumOff val="35000"/>
+                  </a:schemeClr>
+                </a:solidFill>
+                <a:latin typeface="Montserrat" panose="00000500000000000000" pitchFamily="50" charset="0"/>
+              </a:defRPr>
+            </a:lvl3pPr>
+            <a:lvl4pPr>
+              <a:defRPr sz="1600">
+                <a:solidFill>
+                  <a:schemeClr val="tx1">
+                    <a:lumMod val="65000"/>
+                    <a:lumOff val="35000"/>
+                  </a:schemeClr>
+                </a:solidFill>
+                <a:latin typeface="Montserrat" panose="00000500000000000000" pitchFamily="50" charset="0"/>
+              </a:defRPr>
+            </a:lvl4pPr>
+            <a:lvl5pPr>
+              <a:defRPr sz="1600">
+                <a:solidFill>
+                  <a:schemeClr val="tx1">
+                    <a:lumMod val="65000"/>
+                    <a:lumOff val="35000"/>
+                  </a:schemeClr>
+                </a:solidFill>
+                <a:latin typeface="Montserrat" panose="00000500000000000000" pitchFamily="50" charset="0"/>
+              </a:defRPr>
+            </a:lvl5pPr>
+          </a:lstStyle>
           <a:p>
             <a:pPr lvl="0"/>
             <a:r>
-              <a:rPr lang="en-US" smtClean="0"/>
+              <a:rPr lang="en-US" dirty="0" smtClean="0"/>
               <a:t>Click to edit Master text styles</a:t>
             </a:r>
           </a:p>
           <a:p>
             <a:pPr lvl="1"/>
             <a:r>
-              <a:rPr lang="en-US" smtClean="0"/>
+              <a:rPr lang="en-US" dirty="0" smtClean="0"/>
               <a:t>Second level</a:t>
             </a:r>
           </a:p>
           <a:p>
             <a:pPr lvl="2"/>
             <a:r>
-              <a:rPr lang="en-US" smtClean="0"/>
+              <a:rPr lang="en-US" dirty="0" smtClean="0"/>
               <a:t>Third level</a:t>
             </a:r>
           </a:p>
           <a:p>
             <a:pPr lvl="3"/>
             <a:r>
-              <a:rPr lang="en-US" smtClean="0"/>
+              <a:rPr lang="en-US" dirty="0" smtClean="0"/>
               <a:t>Fourth level</a:t>
             </a:r>
           </a:p>
           <a:p>
             <a:pPr lvl="4"/>
             <a:r>
-              <a:rPr lang="en-US" smtClean="0"/>
+              <a:rPr lang="en-US" dirty="0" smtClean="0"/>
               <a:t>Fifth level</a:t>
             </a:r>
-            <a:endParaRPr lang="en-GB"/>
+            <a:endParaRPr lang="en-GB" dirty="0"/>
           </a:p>
         </p:txBody>
       </p:sp>
@@ -1457,10 +1917,274 @@
   <p:clrMapOvr>
     <a:masterClrMapping/>
   </p:clrMapOvr>
+  <p:timing>
+    <p:tnLst>
+      <p:par>
+        <p:cTn id="1" dur="indefinite" restart="never" nodeType="tmRoot"/>
+      </p:par>
+    </p:tnLst>
+  </p:timing>
 </p:sldLayout>
 </file>
 
 <file path=ppt/slideLayouts/slideLayout3.xml><?xml version="1.0" encoding="utf-8"?>
+<p:sldLayout xmlns:a="http://schemas.openxmlformats.org/drawingml/2006/main" xmlns:r="http://schemas.openxmlformats.org/officeDocument/2006/relationships" xmlns:p="http://schemas.openxmlformats.org/presentationml/2006/main" type="obj" preserve="1">
+  <p:cSld name="1_Title and Content">
+    <p:bg>
+      <p:bgPr>
+        <a:solidFill>
+          <a:schemeClr val="bg2">
+            <a:lumMod val="75000"/>
+          </a:schemeClr>
+        </a:solidFill>
+        <a:effectLst/>
+      </p:bgPr>
+    </p:bg>
+    <p:spTree>
+      <p:nvGrpSpPr>
+        <p:cNvPr id="1" name=""/>
+        <p:cNvGrpSpPr/>
+        <p:nvPr/>
+      </p:nvGrpSpPr>
+      <p:grpSpPr>
+        <a:xfrm>
+          <a:off x="0" y="0"/>
+          <a:ext cx="0" cy="0"/>
+          <a:chOff x="0" y="0"/>
+          <a:chExt cx="0" cy="0"/>
+        </a:xfrm>
+      </p:grpSpPr>
+      <p:sp>
+        <p:nvSpPr>
+          <p:cNvPr id="2" name="Title 1"/>
+          <p:cNvSpPr>
+            <a:spLocks noGrp="1"/>
+          </p:cNvSpPr>
+          <p:nvPr>
+            <p:ph type="title"/>
+          </p:nvPr>
+        </p:nvSpPr>
+        <p:spPr>
+          <a:xfrm>
+            <a:off x="838200" y="365125"/>
+            <a:ext cx="10515600" cy="1460500"/>
+          </a:xfrm>
+          <a:solidFill>
+            <a:schemeClr val="bg2">
+              <a:lumMod val="75000"/>
+            </a:schemeClr>
+          </a:solidFill>
+        </p:spPr>
+        <p:txBody>
+          <a:bodyPr/>
+          <a:lstStyle>
+            <a:lvl1pPr>
+              <a:defRPr>
+                <a:solidFill>
+                  <a:schemeClr val="tx1">
+                    <a:lumMod val="75000"/>
+                    <a:lumOff val="25000"/>
+                  </a:schemeClr>
+                </a:solidFill>
+              </a:defRPr>
+            </a:lvl1pPr>
+          </a:lstStyle>
+          <a:p>
+            <a:r>
+              <a:rPr lang="en-US" dirty="0" smtClean="0"/>
+              <a:t>Click to edit Master title style</a:t>
+            </a:r>
+            <a:endParaRPr lang="en-GB" dirty="0"/>
+          </a:p>
+        </p:txBody>
+      </p:sp>
+      <p:sp>
+        <p:nvSpPr>
+          <p:cNvPr id="3" name="Content Placeholder 2"/>
+          <p:cNvSpPr>
+            <a:spLocks noGrp="1"/>
+          </p:cNvSpPr>
+          <p:nvPr>
+            <p:ph idx="1"/>
+          </p:nvPr>
+        </p:nvSpPr>
+        <p:spPr>
+          <a:solidFill>
+            <a:schemeClr val="bg2">
+              <a:lumMod val="75000"/>
+            </a:schemeClr>
+          </a:solidFill>
+        </p:spPr>
+        <p:txBody>
+          <a:bodyPr>
+            <a:normAutofit/>
+          </a:bodyPr>
+          <a:lstStyle>
+            <a:lvl1pPr>
+              <a:defRPr sz="1600">
+                <a:solidFill>
+                  <a:schemeClr val="bg1"/>
+                </a:solidFill>
+                <a:latin typeface="Montserrat" panose="00000500000000000000" pitchFamily="50" charset="0"/>
+              </a:defRPr>
+            </a:lvl1pPr>
+            <a:lvl2pPr>
+              <a:defRPr sz="1600">
+                <a:solidFill>
+                  <a:schemeClr val="bg1"/>
+                </a:solidFill>
+                <a:latin typeface="Montserrat" panose="00000500000000000000" pitchFamily="50" charset="0"/>
+              </a:defRPr>
+            </a:lvl2pPr>
+            <a:lvl3pPr>
+              <a:defRPr sz="1600">
+                <a:solidFill>
+                  <a:schemeClr val="bg1"/>
+                </a:solidFill>
+                <a:latin typeface="Montserrat" panose="00000500000000000000" pitchFamily="50" charset="0"/>
+              </a:defRPr>
+            </a:lvl3pPr>
+            <a:lvl4pPr>
+              <a:defRPr sz="1600">
+                <a:solidFill>
+                  <a:schemeClr val="bg1"/>
+                </a:solidFill>
+                <a:latin typeface="Montserrat" panose="00000500000000000000" pitchFamily="50" charset="0"/>
+              </a:defRPr>
+            </a:lvl4pPr>
+            <a:lvl5pPr>
+              <a:defRPr sz="1600">
+                <a:solidFill>
+                  <a:schemeClr val="bg1"/>
+                </a:solidFill>
+                <a:latin typeface="Montserrat" panose="00000500000000000000" pitchFamily="50" charset="0"/>
+              </a:defRPr>
+            </a:lvl5pPr>
+          </a:lstStyle>
+          <a:p>
+            <a:pPr lvl="0"/>
+            <a:r>
+              <a:rPr lang="en-US" dirty="0" smtClean="0"/>
+              <a:t>Click to edit Master text styles</a:t>
+            </a:r>
+          </a:p>
+          <a:p>
+            <a:pPr lvl="1"/>
+            <a:r>
+              <a:rPr lang="en-US" dirty="0" smtClean="0"/>
+              <a:t>Second level</a:t>
+            </a:r>
+          </a:p>
+          <a:p>
+            <a:pPr lvl="2"/>
+            <a:r>
+              <a:rPr lang="en-US" dirty="0" smtClean="0"/>
+              <a:t>Third level</a:t>
+            </a:r>
+          </a:p>
+          <a:p>
+            <a:pPr lvl="3"/>
+            <a:r>
+              <a:rPr lang="en-US" dirty="0" smtClean="0"/>
+              <a:t>Fourth level</a:t>
+            </a:r>
+          </a:p>
+          <a:p>
+            <a:pPr lvl="4"/>
+            <a:r>
+              <a:rPr lang="en-US" dirty="0" smtClean="0"/>
+              <a:t>Fifth level</a:t>
+            </a:r>
+            <a:endParaRPr lang="en-GB" dirty="0"/>
+          </a:p>
+        </p:txBody>
+      </p:sp>
+      <p:sp>
+        <p:nvSpPr>
+          <p:cNvPr id="4" name="Date Placeholder 3"/>
+          <p:cNvSpPr>
+            <a:spLocks noGrp="1"/>
+          </p:cNvSpPr>
+          <p:nvPr>
+            <p:ph type="dt" sz="half" idx="10"/>
+          </p:nvPr>
+        </p:nvSpPr>
+        <p:spPr/>
+        <p:txBody>
+          <a:bodyPr/>
+          <a:lstStyle/>
+          <a:p>
+            <a:fld id="{04FDAF21-1349-46D7-892C-118DDD78669D}" type="datetimeFigureOut">
+              <a:rPr lang="en-GB" smtClean="0"/>
+              <a:t>14/04/2015</a:t>
+            </a:fld>
+            <a:endParaRPr lang="en-GB"/>
+          </a:p>
+        </p:txBody>
+      </p:sp>
+      <p:sp>
+        <p:nvSpPr>
+          <p:cNvPr id="5" name="Footer Placeholder 4"/>
+          <p:cNvSpPr>
+            <a:spLocks noGrp="1"/>
+          </p:cNvSpPr>
+          <p:nvPr>
+            <p:ph type="ftr" sz="quarter" idx="11"/>
+          </p:nvPr>
+        </p:nvSpPr>
+        <p:spPr/>
+        <p:txBody>
+          <a:bodyPr/>
+          <a:lstStyle/>
+          <a:p>
+            <a:endParaRPr lang="en-GB"/>
+          </a:p>
+        </p:txBody>
+      </p:sp>
+      <p:sp>
+        <p:nvSpPr>
+          <p:cNvPr id="6" name="Slide Number Placeholder 5"/>
+          <p:cNvSpPr>
+            <a:spLocks noGrp="1"/>
+          </p:cNvSpPr>
+          <p:nvPr>
+            <p:ph type="sldNum" sz="quarter" idx="12"/>
+          </p:nvPr>
+        </p:nvSpPr>
+        <p:spPr/>
+        <p:txBody>
+          <a:bodyPr/>
+          <a:lstStyle/>
+          <a:p>
+            <a:fld id="{4642BA3F-BF25-41DF-BC7A-E3F302D62EC8}" type="slidenum">
+              <a:rPr lang="en-GB" smtClean="0"/>
+              <a:t>‹#›</a:t>
+            </a:fld>
+            <a:endParaRPr lang="en-GB"/>
+          </a:p>
+        </p:txBody>
+      </p:sp>
+    </p:spTree>
+    <p:extLst>
+      <p:ext uri="{BB962C8B-B14F-4D97-AF65-F5344CB8AC3E}">
+        <p14:creationId xmlns:p14="http://schemas.microsoft.com/office/powerpoint/2010/main" val="1437756531"/>
+      </p:ext>
+    </p:extLst>
+  </p:cSld>
+  <p:clrMapOvr>
+    <a:masterClrMapping/>
+  </p:clrMapOvr>
+  <p:timing>
+    <p:tnLst>
+      <p:par>
+        <p:cTn id="1" dur="indefinite" restart="never" nodeType="tmRoot"/>
+      </p:par>
+    </p:tnLst>
+  </p:timing>
+</p:sldLayout>
+</file>
+
+<file path=ppt/slideLayouts/slideLayout4.xml><?xml version="1.0" encoding="utf-8"?>
 <p:sldLayout xmlns:a="http://schemas.openxmlformats.org/drawingml/2006/main" xmlns:r="http://schemas.openxmlformats.org/officeDocument/2006/relationships" xmlns:p="http://schemas.openxmlformats.org/presentationml/2006/main" type="secHead" preserve="1">
   <p:cSld name="Section Header">
     <p:spTree>
@@ -1492,20 +2216,30 @@
             <a:off x="831850" y="1709738"/>
             <a:ext cx="10515600" cy="2852737"/>
           </a:xfrm>
+          <a:solidFill>
+            <a:schemeClr val="accent4">
+              <a:lumMod val="20000"/>
+              <a:lumOff val="80000"/>
+            </a:schemeClr>
+          </a:solidFill>
         </p:spPr>
         <p:txBody>
           <a:bodyPr anchor="b"/>
           <a:lstStyle>
             <a:lvl1pPr>
-              <a:defRPr sz="6000"/>
+              <a:defRPr sz="6000">
+                <a:solidFill>
+                  <a:schemeClr val="tx1"/>
+                </a:solidFill>
+              </a:defRPr>
             </a:lvl1pPr>
           </a:lstStyle>
           <a:p>
             <a:r>
-              <a:rPr lang="en-US" smtClean="0"/>
+              <a:rPr lang="en-US" dirty="0" smtClean="0"/>
               <a:t>Click to edit Master title style</a:t>
             </a:r>
-            <a:endParaRPr lang="en-GB"/>
+            <a:endParaRPr lang="en-GB" dirty="0"/>
           </a:p>
         </p:txBody>
       </p:sp>
@@ -1524,6 +2258,12 @@
             <a:off x="831850" y="4589463"/>
             <a:ext cx="10515600" cy="1500187"/>
           </a:xfrm>
+          <a:solidFill>
+            <a:schemeClr val="accent4">
+              <a:lumMod val="20000"/>
+              <a:lumOff val="80000"/>
+            </a:schemeClr>
+          </a:solidFill>
         </p:spPr>
         <p:txBody>
           <a:bodyPr/>
@@ -1622,7 +2362,7 @@
           <a:p>
             <a:pPr lvl="0"/>
             <a:r>
-              <a:rPr lang="en-US" smtClean="0"/>
+              <a:rPr lang="en-US" dirty="0" smtClean="0"/>
               <a:t>Click to edit Master text styles</a:t>
             </a:r>
           </a:p>
@@ -1703,10 +2443,17 @@
   <p:clrMapOvr>
     <a:masterClrMapping/>
   </p:clrMapOvr>
+  <p:timing>
+    <p:tnLst>
+      <p:par>
+        <p:cTn id="1" dur="indefinite" restart="never" nodeType="tmRoot"/>
+      </p:par>
+    </p:tnLst>
+  </p:timing>
 </p:sldLayout>
 </file>
 
-<file path=ppt/slideLayouts/slideLayout4.xml><?xml version="1.0" encoding="utf-8"?>
+<file path=ppt/slideLayouts/slideLayout5.xml><?xml version="1.0" encoding="utf-8"?>
 <p:sldLayout xmlns:a="http://schemas.openxmlformats.org/drawingml/2006/main" xmlns:r="http://schemas.openxmlformats.org/officeDocument/2006/relationships" xmlns:p="http://schemas.openxmlformats.org/presentationml/2006/main" type="twoObj" preserve="1">
   <p:cSld name="Two Content">
     <p:spTree>
@@ -1938,7 +2685,7 @@
 </p:sldLayout>
 </file>
 
-<file path=ppt/slideLayouts/slideLayout5.xml><?xml version="1.0" encoding="utf-8"?>
+<file path=ppt/slideLayouts/slideLayout6.xml><?xml version="1.0" encoding="utf-8"?>
 <p:sldLayout xmlns:a="http://schemas.openxmlformats.org/drawingml/2006/main" xmlns:r="http://schemas.openxmlformats.org/officeDocument/2006/relationships" xmlns:p="http://schemas.openxmlformats.org/presentationml/2006/main" type="twoTxTwoObj" preserve="1">
   <p:cSld name="Comparison">
     <p:spTree>
@@ -2305,7 +3052,7 @@
 </p:sldLayout>
 </file>
 
-<file path=ppt/slideLayouts/slideLayout6.xml><?xml version="1.0" encoding="utf-8"?>
+<file path=ppt/slideLayouts/slideLayout7.xml><?xml version="1.0" encoding="utf-8"?>
 <p:sldLayout xmlns:a="http://schemas.openxmlformats.org/drawingml/2006/main" xmlns:r="http://schemas.openxmlformats.org/officeDocument/2006/relationships" xmlns:p="http://schemas.openxmlformats.org/presentationml/2006/main" type="titleOnly" preserve="1">
   <p:cSld name="Title Only">
     <p:spTree>
@@ -2423,7 +3170,7 @@
 </p:sldLayout>
 </file>
 
-<file path=ppt/slideLayouts/slideLayout7.xml><?xml version="1.0" encoding="utf-8"?>
+<file path=ppt/slideLayouts/slideLayout8.xml><?xml version="1.0" encoding="utf-8"?>
 <p:sldLayout xmlns:a="http://schemas.openxmlformats.org/drawingml/2006/main" xmlns:r="http://schemas.openxmlformats.org/officeDocument/2006/relationships" xmlns:p="http://schemas.openxmlformats.org/presentationml/2006/main" type="blank" preserve="1">
   <p:cSld name="Blank">
     <p:spTree>
@@ -2518,7 +3265,7 @@
 </p:sldLayout>
 </file>
 
-<file path=ppt/slideLayouts/slideLayout8.xml><?xml version="1.0" encoding="utf-8"?>
+<file path=ppt/slideLayouts/slideLayout9.xml><?xml version="1.0" encoding="utf-8"?>
 <p:sldLayout xmlns:a="http://schemas.openxmlformats.org/drawingml/2006/main" xmlns:r="http://schemas.openxmlformats.org/officeDocument/2006/relationships" xmlns:p="http://schemas.openxmlformats.org/presentationml/2006/main" type="objTx" preserve="1">
   <p:cSld name="Content with Caption">
     <p:spTree>
@@ -2786,259 +3533,6 @@
     <p:extLst>
       <p:ext uri="{BB962C8B-B14F-4D97-AF65-F5344CB8AC3E}">
         <p14:creationId xmlns:p14="http://schemas.microsoft.com/office/powerpoint/2010/main" val="2861742589"/>
-      </p:ext>
-    </p:extLst>
-  </p:cSld>
-  <p:clrMapOvr>
-    <a:masterClrMapping/>
-  </p:clrMapOvr>
-</p:sldLayout>
-</file>
-
-<file path=ppt/slideLayouts/slideLayout9.xml><?xml version="1.0" encoding="utf-8"?>
-<p:sldLayout xmlns:a="http://schemas.openxmlformats.org/drawingml/2006/main" xmlns:r="http://schemas.openxmlformats.org/officeDocument/2006/relationships" xmlns:p="http://schemas.openxmlformats.org/presentationml/2006/main" type="picTx" preserve="1">
-  <p:cSld name="Picture with Caption">
-    <p:spTree>
-      <p:nvGrpSpPr>
-        <p:cNvPr id="1" name=""/>
-        <p:cNvGrpSpPr/>
-        <p:nvPr/>
-      </p:nvGrpSpPr>
-      <p:grpSpPr>
-        <a:xfrm>
-          <a:off x="0" y="0"/>
-          <a:ext cx="0" cy="0"/>
-          <a:chOff x="0" y="0"/>
-          <a:chExt cx="0" cy="0"/>
-        </a:xfrm>
-      </p:grpSpPr>
-      <p:sp>
-        <p:nvSpPr>
-          <p:cNvPr id="2" name="Title 1"/>
-          <p:cNvSpPr>
-            <a:spLocks noGrp="1"/>
-          </p:cNvSpPr>
-          <p:nvPr>
-            <p:ph type="title"/>
-          </p:nvPr>
-        </p:nvSpPr>
-        <p:spPr>
-          <a:xfrm>
-            <a:off x="839788" y="457200"/>
-            <a:ext cx="3932237" cy="1600200"/>
-          </a:xfrm>
-        </p:spPr>
-        <p:txBody>
-          <a:bodyPr anchor="b"/>
-          <a:lstStyle>
-            <a:lvl1pPr>
-              <a:defRPr sz="3200"/>
-            </a:lvl1pPr>
-          </a:lstStyle>
-          <a:p>
-            <a:r>
-              <a:rPr lang="en-US" smtClean="0"/>
-              <a:t>Click to edit Master title style</a:t>
-            </a:r>
-            <a:endParaRPr lang="en-GB"/>
-          </a:p>
-        </p:txBody>
-      </p:sp>
-      <p:sp>
-        <p:nvSpPr>
-          <p:cNvPr id="3" name="Picture Placeholder 2"/>
-          <p:cNvSpPr>
-            <a:spLocks noGrp="1"/>
-          </p:cNvSpPr>
-          <p:nvPr>
-            <p:ph type="pic" idx="1"/>
-          </p:nvPr>
-        </p:nvSpPr>
-        <p:spPr>
-          <a:xfrm>
-            <a:off x="5183188" y="987425"/>
-            <a:ext cx="6172200" cy="4873625"/>
-          </a:xfrm>
-        </p:spPr>
-        <p:txBody>
-          <a:bodyPr/>
-          <a:lstStyle>
-            <a:lvl1pPr marL="0" indent="0">
-              <a:buNone/>
-              <a:defRPr sz="3200"/>
-            </a:lvl1pPr>
-            <a:lvl2pPr marL="457200" indent="0">
-              <a:buNone/>
-              <a:defRPr sz="2800"/>
-            </a:lvl2pPr>
-            <a:lvl3pPr marL="914400" indent="0">
-              <a:buNone/>
-              <a:defRPr sz="2400"/>
-            </a:lvl3pPr>
-            <a:lvl4pPr marL="1371600" indent="0">
-              <a:buNone/>
-              <a:defRPr sz="2000"/>
-            </a:lvl4pPr>
-            <a:lvl5pPr marL="1828800" indent="0">
-              <a:buNone/>
-              <a:defRPr sz="2000"/>
-            </a:lvl5pPr>
-            <a:lvl6pPr marL="2286000" indent="0">
-              <a:buNone/>
-              <a:defRPr sz="2000"/>
-            </a:lvl6pPr>
-            <a:lvl7pPr marL="2743200" indent="0">
-              <a:buNone/>
-              <a:defRPr sz="2000"/>
-            </a:lvl7pPr>
-            <a:lvl8pPr marL="3200400" indent="0">
-              <a:buNone/>
-              <a:defRPr sz="2000"/>
-            </a:lvl8pPr>
-            <a:lvl9pPr marL="3657600" indent="0">
-              <a:buNone/>
-              <a:defRPr sz="2000"/>
-            </a:lvl9pPr>
-          </a:lstStyle>
-          <a:p>
-            <a:endParaRPr lang="en-GB"/>
-          </a:p>
-        </p:txBody>
-      </p:sp>
-      <p:sp>
-        <p:nvSpPr>
-          <p:cNvPr id="4" name="Text Placeholder 3"/>
-          <p:cNvSpPr>
-            <a:spLocks noGrp="1"/>
-          </p:cNvSpPr>
-          <p:nvPr>
-            <p:ph type="body" sz="half" idx="2"/>
-          </p:nvPr>
-        </p:nvSpPr>
-        <p:spPr>
-          <a:xfrm>
-            <a:off x="839788" y="2057400"/>
-            <a:ext cx="3932237" cy="3811588"/>
-          </a:xfrm>
-        </p:spPr>
-        <p:txBody>
-          <a:bodyPr/>
-          <a:lstStyle>
-            <a:lvl1pPr marL="0" indent="0">
-              <a:buNone/>
-              <a:defRPr sz="1600"/>
-            </a:lvl1pPr>
-            <a:lvl2pPr marL="457200" indent="0">
-              <a:buNone/>
-              <a:defRPr sz="1400"/>
-            </a:lvl2pPr>
-            <a:lvl3pPr marL="914400" indent="0">
-              <a:buNone/>
-              <a:defRPr sz="1200"/>
-            </a:lvl3pPr>
-            <a:lvl4pPr marL="1371600" indent="0">
-              <a:buNone/>
-              <a:defRPr sz="1000"/>
-            </a:lvl4pPr>
-            <a:lvl5pPr marL="1828800" indent="0">
-              <a:buNone/>
-              <a:defRPr sz="1000"/>
-            </a:lvl5pPr>
-            <a:lvl6pPr marL="2286000" indent="0">
-              <a:buNone/>
-              <a:defRPr sz="1000"/>
-            </a:lvl6pPr>
-            <a:lvl7pPr marL="2743200" indent="0">
-              <a:buNone/>
-              <a:defRPr sz="1000"/>
-            </a:lvl7pPr>
-            <a:lvl8pPr marL="3200400" indent="0">
-              <a:buNone/>
-              <a:defRPr sz="1000"/>
-            </a:lvl8pPr>
-            <a:lvl9pPr marL="3657600" indent="0">
-              <a:buNone/>
-              <a:defRPr sz="1000"/>
-            </a:lvl9pPr>
-          </a:lstStyle>
-          <a:p>
-            <a:pPr lvl="0"/>
-            <a:r>
-              <a:rPr lang="en-US" smtClean="0"/>
-              <a:t>Click to edit Master text styles</a:t>
-            </a:r>
-          </a:p>
-        </p:txBody>
-      </p:sp>
-      <p:sp>
-        <p:nvSpPr>
-          <p:cNvPr id="5" name="Date Placeholder 4"/>
-          <p:cNvSpPr>
-            <a:spLocks noGrp="1"/>
-          </p:cNvSpPr>
-          <p:nvPr>
-            <p:ph type="dt" sz="half" idx="10"/>
-          </p:nvPr>
-        </p:nvSpPr>
-        <p:spPr/>
-        <p:txBody>
-          <a:bodyPr/>
-          <a:lstStyle/>
-          <a:p>
-            <a:fld id="{04FDAF21-1349-46D7-892C-118DDD78669D}" type="datetimeFigureOut">
-              <a:rPr lang="en-GB" smtClean="0"/>
-              <a:t>14/04/2015</a:t>
-            </a:fld>
-            <a:endParaRPr lang="en-GB"/>
-          </a:p>
-        </p:txBody>
-      </p:sp>
-      <p:sp>
-        <p:nvSpPr>
-          <p:cNvPr id="6" name="Footer Placeholder 5"/>
-          <p:cNvSpPr>
-            <a:spLocks noGrp="1"/>
-          </p:cNvSpPr>
-          <p:nvPr>
-            <p:ph type="ftr" sz="quarter" idx="11"/>
-          </p:nvPr>
-        </p:nvSpPr>
-        <p:spPr/>
-        <p:txBody>
-          <a:bodyPr/>
-          <a:lstStyle/>
-          <a:p>
-            <a:endParaRPr lang="en-GB"/>
-          </a:p>
-        </p:txBody>
-      </p:sp>
-      <p:sp>
-        <p:nvSpPr>
-          <p:cNvPr id="7" name="Slide Number Placeholder 6"/>
-          <p:cNvSpPr>
-            <a:spLocks noGrp="1"/>
-          </p:cNvSpPr>
-          <p:nvPr>
-            <p:ph type="sldNum" sz="quarter" idx="12"/>
-          </p:nvPr>
-        </p:nvSpPr>
-        <p:spPr/>
-        <p:txBody>
-          <a:bodyPr/>
-          <a:lstStyle/>
-          <a:p>
-            <a:fld id="{4642BA3F-BF25-41DF-BC7A-E3F302D62EC8}" type="slidenum">
-              <a:rPr lang="en-GB" smtClean="0"/>
-              <a:t>‹#›</a:t>
-            </a:fld>
-            <a:endParaRPr lang="en-GB"/>
-          </a:p>
-        </p:txBody>
-      </p:sp>
-    </p:spTree>
-    <p:extLst>
-      <p:ext uri="{BB962C8B-B14F-4D97-AF65-F5344CB8AC3E}">
-        <p14:creationId xmlns:p14="http://schemas.microsoft.com/office/powerpoint/2010/main" val="46526788"/>
       </p:ext>
     </p:extLst>
   </p:cSld>
@@ -3088,6 +3582,12 @@
           <a:prstGeom prst="rect">
             <a:avLst/>
           </a:prstGeom>
+          <a:solidFill>
+            <a:schemeClr val="accent2">
+              <a:lumMod val="60000"/>
+              <a:lumOff val="40000"/>
+            </a:schemeClr>
+          </a:solidFill>
         </p:spPr>
         <p:txBody>
           <a:bodyPr vert="horz" lIns="91440" tIns="45720" rIns="91440" bIns="45720" rtlCol="0" anchor="ctr">
@@ -3096,10 +3596,10 @@
           <a:lstStyle/>
           <a:p>
             <a:r>
-              <a:rPr lang="en-US" smtClean="0"/>
+              <a:rPr lang="en-US" dirty="0" smtClean="0"/>
               <a:t>Click to edit Master title style</a:t>
             </a:r>
-            <a:endParaRPr lang="en-GB"/>
+            <a:endParaRPr lang="en-GB" dirty="0"/>
           </a:p>
         </p:txBody>
       </p:sp>
@@ -3121,6 +3621,12 @@
           <a:prstGeom prst="rect">
             <a:avLst/>
           </a:prstGeom>
+          <a:solidFill>
+            <a:schemeClr val="accent2">
+              <a:lumMod val="60000"/>
+              <a:lumOff val="40000"/>
+            </a:schemeClr>
+          </a:solidFill>
         </p:spPr>
         <p:txBody>
           <a:bodyPr vert="horz" lIns="91440" tIns="45720" rIns="91440" bIns="45720" rtlCol="0">
@@ -3130,38 +3636,38 @@
           <a:p>
             <a:pPr lvl="0"/>
             <a:r>
-              <a:rPr lang="en-US" smtClean="0"/>
+              <a:rPr lang="en-US" dirty="0" smtClean="0"/>
               <a:t>Click to edit Master text styles</a:t>
             </a:r>
           </a:p>
           <a:p>
             <a:pPr lvl="1"/>
             <a:r>
-              <a:rPr lang="en-US" smtClean="0"/>
+              <a:rPr lang="en-US" dirty="0" smtClean="0"/>
               <a:t>Second level</a:t>
             </a:r>
           </a:p>
           <a:p>
             <a:pPr lvl="2"/>
             <a:r>
-              <a:rPr lang="en-US" smtClean="0"/>
+              <a:rPr lang="en-US" dirty="0" smtClean="0"/>
               <a:t>Third level</a:t>
             </a:r>
           </a:p>
           <a:p>
             <a:pPr lvl="3"/>
             <a:r>
-              <a:rPr lang="en-US" smtClean="0"/>
+              <a:rPr lang="en-US" dirty="0" smtClean="0"/>
               <a:t>Fourth level</a:t>
             </a:r>
           </a:p>
           <a:p>
             <a:pPr lvl="4"/>
             <a:r>
-              <a:rPr lang="en-US" smtClean="0"/>
+              <a:rPr lang="en-US" dirty="0" smtClean="0"/>
               <a:t>Fifth level</a:t>
             </a:r>
-            <a:endParaRPr lang="en-GB"/>
+            <a:endParaRPr lang="en-GB" dirty="0"/>
           </a:p>
         </p:txBody>
       </p:sp>
@@ -3295,16 +3801,24 @@
   <p:sldLayoutIdLst>
     <p:sldLayoutId id="2147483649" r:id="rId1"/>
     <p:sldLayoutId id="2147483650" r:id="rId2"/>
-    <p:sldLayoutId id="2147483651" r:id="rId3"/>
-    <p:sldLayoutId id="2147483652" r:id="rId4"/>
-    <p:sldLayoutId id="2147483653" r:id="rId5"/>
-    <p:sldLayoutId id="2147483654" r:id="rId6"/>
-    <p:sldLayoutId id="2147483655" r:id="rId7"/>
-    <p:sldLayoutId id="2147483656" r:id="rId8"/>
-    <p:sldLayoutId id="2147483657" r:id="rId9"/>
-    <p:sldLayoutId id="2147483658" r:id="rId10"/>
-    <p:sldLayoutId id="2147483659" r:id="rId11"/>
+    <p:sldLayoutId id="2147483660" r:id="rId3"/>
+    <p:sldLayoutId id="2147483651" r:id="rId4"/>
+    <p:sldLayoutId id="2147483652" r:id="rId5"/>
+    <p:sldLayoutId id="2147483653" r:id="rId6"/>
+    <p:sldLayoutId id="2147483654" r:id="rId7"/>
+    <p:sldLayoutId id="2147483655" r:id="rId8"/>
+    <p:sldLayoutId id="2147483656" r:id="rId9"/>
+    <p:sldLayoutId id="2147483657" r:id="rId10"/>
+    <p:sldLayoutId id="2147483658" r:id="rId11"/>
+    <p:sldLayoutId id="2147483659" r:id="rId12"/>
   </p:sldLayoutIdLst>
+  <p:timing>
+    <p:tnLst>
+      <p:par>
+        <p:cTn id="1" dur="indefinite" restart="never" nodeType="tmRoot"/>
+      </p:par>
+    </p:tnLst>
+  </p:timing>
   <p:txStyles>
     <p:titleStyle>
       <a:lvl1pPr algn="l" defTabSz="914400" rtl="0" eaLnBrk="1" latinLnBrk="0" hangingPunct="1">
@@ -3317,9 +3831,9 @@
         <a:buNone/>
         <a:defRPr sz="4400" kern="1200">
           <a:solidFill>
-            <a:schemeClr val="tx1"/>
+            <a:schemeClr val="bg1"/>
           </a:solidFill>
-          <a:latin typeface="+mj-lt"/>
+          <a:latin typeface="ChunkFive Roman" panose="00000500000000000000" pitchFamily="50" charset="0"/>
           <a:ea typeface="+mj-ea"/>
           <a:cs typeface="+mj-cs"/>
         </a:defRPr>
@@ -3337,9 +3851,9 @@
         <a:buChar char="•"/>
         <a:defRPr sz="2800" kern="1200">
           <a:solidFill>
-            <a:schemeClr val="tx1"/>
+            <a:schemeClr val="bg1"/>
           </a:solidFill>
-          <a:latin typeface="+mn-lt"/>
+          <a:latin typeface="Montserrat" panose="00000500000000000000" pitchFamily="50" charset="0"/>
           <a:ea typeface="+mn-ea"/>
           <a:cs typeface="+mn-cs"/>
         </a:defRPr>
@@ -3638,15 +4152,50 @@
             <p:ph type="subTitle" idx="1"/>
           </p:nvPr>
         </p:nvSpPr>
-        <p:spPr/>
-        <p:txBody>
-          <a:bodyPr/>
-          <a:lstStyle/>
-          <a:p>
-            <a:endParaRPr lang="en-GB"/>
-          </a:p>
-        </p:txBody>
-      </p:sp>
+        <p:spPr>
+          <a:xfrm>
+            <a:off x="1524000" y="3602038"/>
+            <a:ext cx="2867526" cy="693236"/>
+          </a:xfrm>
+        </p:spPr>
+        <p:txBody>
+          <a:bodyPr/>
+          <a:lstStyle/>
+          <a:p>
+            <a:endParaRPr lang="en-GB" dirty="0"/>
+          </a:p>
+        </p:txBody>
+      </p:sp>
+      <p:pic>
+        <p:nvPicPr>
+          <p:cNvPr id="4" name="Picture 3"/>
+          <p:cNvPicPr>
+            <a:picLocks noChangeAspect="1"/>
+          </p:cNvPicPr>
+          <p:nvPr/>
+        </p:nvPicPr>
+        <p:blipFill>
+          <a:blip r:embed="rId3">
+            <a:extLst>
+              <a:ext uri="{28A0092B-C50C-407E-A947-70E740481C1C}">
+                <a14:useLocalDpi xmlns:a14="http://schemas.microsoft.com/office/drawing/2010/main" val="0"/>
+              </a:ext>
+            </a:extLst>
+          </a:blip>
+          <a:stretch>
+            <a:fillRect/>
+          </a:stretch>
+        </p:blipFill>
+        <p:spPr>
+          <a:xfrm>
+            <a:off x="1524000" y="3602038"/>
+            <a:ext cx="2571750" cy="476250"/>
+          </a:xfrm>
+          <a:prstGeom prst="rect">
+            <a:avLst/>
+          </a:prstGeom>
+        </p:spPr>
+      </p:pic>
     </p:spTree>
     <p:extLst>
       <p:ext uri="{BB962C8B-B14F-4D97-AF65-F5344CB8AC3E}">
@@ -3769,7 +4318,7 @@
       </p:grpSpPr>
       <p:sp>
         <p:nvSpPr>
-          <p:cNvPr id="2" name="Title 1"/>
+          <p:cNvPr id="4" name="Title 3"/>
           <p:cNvSpPr>
             <a:spLocks noGrp="1"/>
           </p:cNvSpPr>
@@ -3784,7 +4333,7 @@
           <a:p>
             <a:r>
               <a:rPr lang="en-GB" dirty="0" smtClean="0"/>
-              <a:t>The Basics</a:t>
+              <a:t>Test</a:t>
             </a:r>
             <a:endParaRPr lang="en-GB" dirty="0"/>
           </a:p>
@@ -3792,7 +4341,7 @@
       </p:sp>
       <p:sp>
         <p:nvSpPr>
-          <p:cNvPr id="3" name="Content Placeholder 2"/>
+          <p:cNvPr id="5" name="Content Placeholder 4"/>
           <p:cNvSpPr>
             <a:spLocks noGrp="1"/>
           </p:cNvSpPr>
@@ -3805,6 +4354,10 @@
           <a:bodyPr/>
           <a:lstStyle/>
           <a:p>
+            <a:r>
+              <a:rPr lang="en-GB" dirty="0" err="1" smtClean="0"/>
+              <a:t>asdfasdfasdf</a:t>
+            </a:r>
             <a:endParaRPr lang="en-GB" dirty="0"/>
           </a:p>
         </p:txBody>
@@ -3812,7 +4365,7 @@
     </p:spTree>
     <p:extLst>
       <p:ext uri="{BB962C8B-B14F-4D97-AF65-F5344CB8AC3E}">
-        <p14:creationId xmlns:p14="http://schemas.microsoft.com/office/powerpoint/2010/main" val="2284720730"/>
+        <p14:creationId xmlns:p14="http://schemas.microsoft.com/office/powerpoint/2010/main" val="1772916430"/>
       </p:ext>
     </p:extLst>
   </p:cSld>
@@ -3863,6 +4416,85 @@
           <a:p>
             <a:r>
               <a:rPr lang="en-GB" dirty="0" smtClean="0"/>
+              <a:t>The Basics</a:t>
+            </a:r>
+            <a:endParaRPr lang="en-GB" dirty="0"/>
+          </a:p>
+        </p:txBody>
+      </p:sp>
+      <p:sp>
+        <p:nvSpPr>
+          <p:cNvPr id="3" name="Content Placeholder 2"/>
+          <p:cNvSpPr>
+            <a:spLocks noGrp="1"/>
+          </p:cNvSpPr>
+          <p:nvPr>
+            <p:ph idx="1"/>
+          </p:nvPr>
+        </p:nvSpPr>
+        <p:spPr/>
+        <p:txBody>
+          <a:bodyPr/>
+          <a:lstStyle/>
+          <a:p>
+            <a:endParaRPr lang="en-GB" dirty="0"/>
+          </a:p>
+        </p:txBody>
+      </p:sp>
+    </p:spTree>
+    <p:extLst>
+      <p:ext uri="{BB962C8B-B14F-4D97-AF65-F5344CB8AC3E}">
+        <p14:creationId xmlns:p14="http://schemas.microsoft.com/office/powerpoint/2010/main" val="2284720730"/>
+      </p:ext>
+    </p:extLst>
+  </p:cSld>
+  <p:clrMapOvr>
+    <a:masterClrMapping/>
+  </p:clrMapOvr>
+  <p:timing>
+    <p:tnLst>
+      <p:par>
+        <p:cTn id="1" dur="indefinite" restart="never" nodeType="tmRoot"/>
+      </p:par>
+    </p:tnLst>
+  </p:timing>
+</p:sld>
+</file>
+
+<file path=ppt/slides/slide5.xml><?xml version="1.0" encoding="utf-8"?>
+<p:sld xmlns:a="http://schemas.openxmlformats.org/drawingml/2006/main" xmlns:r="http://schemas.openxmlformats.org/officeDocument/2006/relationships" xmlns:p="http://schemas.openxmlformats.org/presentationml/2006/main">
+  <p:cSld>
+    <p:spTree>
+      <p:nvGrpSpPr>
+        <p:cNvPr id="1" name=""/>
+        <p:cNvGrpSpPr/>
+        <p:nvPr/>
+      </p:nvGrpSpPr>
+      <p:grpSpPr>
+        <a:xfrm>
+          <a:off x="0" y="0"/>
+          <a:ext cx="0" cy="0"/>
+          <a:chOff x="0" y="0"/>
+          <a:chExt cx="0" cy="0"/>
+        </a:xfrm>
+      </p:grpSpPr>
+      <p:sp>
+        <p:nvSpPr>
+          <p:cNvPr id="2" name="Title 1"/>
+          <p:cNvSpPr>
+            <a:spLocks noGrp="1"/>
+          </p:cNvSpPr>
+          <p:nvPr>
+            <p:ph type="title"/>
+          </p:nvPr>
+        </p:nvSpPr>
+        <p:spPr/>
+        <p:txBody>
+          <a:bodyPr/>
+          <a:lstStyle/>
+          <a:p>
+            <a:r>
+              <a:rPr lang="en-GB" dirty="0" smtClean="0"/>
               <a:t>Quorum</a:t>
             </a:r>
             <a:endParaRPr lang="en-GB" dirty="0"/>
@@ -3908,7 +4540,7 @@
 </p:sld>
 </file>
 
-<file path=ppt/slides/slide5.xml><?xml version="1.0" encoding="utf-8"?>
+<file path=ppt/slides/slide6.xml><?xml version="1.0" encoding="utf-8"?>
 <p:sld xmlns:a="http://schemas.openxmlformats.org/drawingml/2006/main" xmlns:r="http://schemas.openxmlformats.org/officeDocument/2006/relationships" xmlns:p="http://schemas.openxmlformats.org/presentationml/2006/main">
   <p:cSld>
     <p:spTree>

--- a/Documents/DavesTopMusic.pptx
+++ b/Documents/DavesTopMusic.pptx
@@ -5,15 +5,21 @@
     <p:sldMasterId id="2147483648" r:id="rId1"/>
   </p:sldMasterIdLst>
   <p:notesMasterIdLst>
-    <p:notesMasterId r:id="rId8"/>
+    <p:notesMasterId r:id="rId14"/>
   </p:notesMasterIdLst>
   <p:sldIdLst>
     <p:sldId id="256" r:id="rId2"/>
     <p:sldId id="260" r:id="rId3"/>
     <p:sldId id="261" r:id="rId4"/>
-    <p:sldId id="258" r:id="rId5"/>
-    <p:sldId id="259" r:id="rId6"/>
-    <p:sldId id="257" r:id="rId7"/>
+    <p:sldId id="262" r:id="rId5"/>
+    <p:sldId id="258" r:id="rId6"/>
+    <p:sldId id="259" r:id="rId7"/>
+    <p:sldId id="263" r:id="rId8"/>
+    <p:sldId id="264" r:id="rId9"/>
+    <p:sldId id="257" r:id="rId10"/>
+    <p:sldId id="265" r:id="rId11"/>
+    <p:sldId id="266" r:id="rId12"/>
+    <p:sldId id="267" r:id="rId13"/>
   </p:sldIdLst>
   <p:sldSz cx="12192000" cy="6858000"/>
   <p:notesSz cx="6858000" cy="9144000"/>
@@ -205,7 +211,7 @@
           <a:p>
             <a:fld id="{2E87DDE1-5A4D-4C5E-B27A-0A67D24EC879}" type="datetimeFigureOut">
               <a:rPr lang="en-GB" smtClean="0"/>
-              <a:t>14/04/2015</a:t>
+              <a:t>15/04/2015</a:t>
             </a:fld>
             <a:endParaRPr lang="en-GB"/>
           </a:p>
@@ -517,30 +523,6 @@
           <a:bodyPr/>
           <a:lstStyle/>
           <a:p>
-            <a:r>
-              <a:rPr lang="en-GB" dirty="0" smtClean="0"/>
-              <a:t>Who I</a:t>
-            </a:r>
-            <a:r>
-              <a:rPr lang="en-GB" baseline="0" dirty="0" smtClean="0"/>
-              <a:t> am</a:t>
-            </a:r>
-          </a:p>
-          <a:p>
-            <a:r>
-              <a:rPr lang="en-GB" baseline="0" dirty="0" smtClean="0"/>
-              <a:t>What this is about</a:t>
-            </a:r>
-          </a:p>
-          <a:p>
-            <a:r>
-              <a:rPr lang="en-GB" baseline="0" dirty="0" smtClean="0"/>
-              <a:t>Why they </a:t>
-            </a:r>
-            <a:r>
-              <a:rPr lang="en-GB" b="1" baseline="0" dirty="0" smtClean="0"/>
-              <a:t>should care</a:t>
-            </a:r>
             <a:endParaRPr lang="en-GB" b="1" dirty="0"/>
           </a:p>
         </p:txBody>
@@ -572,6 +554,174 @@
     <p:extLst>
       <p:ext uri="{BB962C8B-B14F-4D97-AF65-F5344CB8AC3E}">
         <p14:creationId xmlns:p14="http://schemas.microsoft.com/office/powerpoint/2010/main" val="3714182811"/>
+      </p:ext>
+    </p:extLst>
+  </p:cSld>
+  <p:clrMapOvr>
+    <a:masterClrMapping/>
+  </p:clrMapOvr>
+</p:notes>
+</file>
+
+<file path=ppt/notesSlides/notesSlide10.xml><?xml version="1.0" encoding="utf-8"?>
+<p:notes xmlns:a="http://schemas.openxmlformats.org/drawingml/2006/main" xmlns:r="http://schemas.openxmlformats.org/officeDocument/2006/relationships" xmlns:p="http://schemas.openxmlformats.org/presentationml/2006/main">
+  <p:cSld>
+    <p:spTree>
+      <p:nvGrpSpPr>
+        <p:cNvPr id="1" name=""/>
+        <p:cNvGrpSpPr/>
+        <p:nvPr/>
+      </p:nvGrpSpPr>
+      <p:grpSpPr>
+        <a:xfrm>
+          <a:off x="0" y="0"/>
+          <a:ext cx="0" cy="0"/>
+          <a:chOff x="0" y="0"/>
+          <a:chExt cx="0" cy="0"/>
+        </a:xfrm>
+      </p:grpSpPr>
+      <p:sp>
+        <p:nvSpPr>
+          <p:cNvPr id="2" name="Slide Image Placeholder 1"/>
+          <p:cNvSpPr>
+            <a:spLocks noGrp="1" noRot="1" noChangeAspect="1"/>
+          </p:cNvSpPr>
+          <p:nvPr>
+            <p:ph type="sldImg"/>
+          </p:nvPr>
+        </p:nvSpPr>
+        <p:spPr/>
+      </p:sp>
+      <p:sp>
+        <p:nvSpPr>
+          <p:cNvPr id="3" name="Notes Placeholder 2"/>
+          <p:cNvSpPr>
+            <a:spLocks noGrp="1"/>
+          </p:cNvSpPr>
+          <p:nvPr>
+            <p:ph type="body" idx="1"/>
+          </p:nvPr>
+        </p:nvSpPr>
+        <p:spPr/>
+        <p:txBody>
+          <a:bodyPr/>
+          <a:lstStyle/>
+          <a:p>
+            <a:endParaRPr lang="en-GB" dirty="0"/>
+          </a:p>
+        </p:txBody>
+      </p:sp>
+      <p:sp>
+        <p:nvSpPr>
+          <p:cNvPr id="4" name="Slide Number Placeholder 3"/>
+          <p:cNvSpPr>
+            <a:spLocks noGrp="1"/>
+          </p:cNvSpPr>
+          <p:nvPr>
+            <p:ph type="sldNum" sz="quarter" idx="10"/>
+          </p:nvPr>
+        </p:nvSpPr>
+        <p:spPr/>
+        <p:txBody>
+          <a:bodyPr/>
+          <a:lstStyle/>
+          <a:p>
+            <a:fld id="{F6AE6D5B-B1C4-4F57-98D1-0105294F2AB3}" type="slidenum">
+              <a:rPr lang="en-GB" smtClean="0"/>
+              <a:t>10</a:t>
+            </a:fld>
+            <a:endParaRPr lang="en-GB"/>
+          </a:p>
+        </p:txBody>
+      </p:sp>
+    </p:spTree>
+    <p:extLst>
+      <p:ext uri="{BB962C8B-B14F-4D97-AF65-F5344CB8AC3E}">
+        <p14:creationId xmlns:p14="http://schemas.microsoft.com/office/powerpoint/2010/main" val="1199013779"/>
+      </p:ext>
+    </p:extLst>
+  </p:cSld>
+  <p:clrMapOvr>
+    <a:masterClrMapping/>
+  </p:clrMapOvr>
+</p:notes>
+</file>
+
+<file path=ppt/notesSlides/notesSlide11.xml><?xml version="1.0" encoding="utf-8"?>
+<p:notes xmlns:a="http://schemas.openxmlformats.org/drawingml/2006/main" xmlns:r="http://schemas.openxmlformats.org/officeDocument/2006/relationships" xmlns:p="http://schemas.openxmlformats.org/presentationml/2006/main">
+  <p:cSld>
+    <p:spTree>
+      <p:nvGrpSpPr>
+        <p:cNvPr id="1" name=""/>
+        <p:cNvGrpSpPr/>
+        <p:nvPr/>
+      </p:nvGrpSpPr>
+      <p:grpSpPr>
+        <a:xfrm>
+          <a:off x="0" y="0"/>
+          <a:ext cx="0" cy="0"/>
+          <a:chOff x="0" y="0"/>
+          <a:chExt cx="0" cy="0"/>
+        </a:xfrm>
+      </p:grpSpPr>
+      <p:sp>
+        <p:nvSpPr>
+          <p:cNvPr id="2" name="Slide Image Placeholder 1"/>
+          <p:cNvSpPr>
+            <a:spLocks noGrp="1" noRot="1" noChangeAspect="1"/>
+          </p:cNvSpPr>
+          <p:nvPr>
+            <p:ph type="sldImg"/>
+          </p:nvPr>
+        </p:nvSpPr>
+        <p:spPr/>
+      </p:sp>
+      <p:sp>
+        <p:nvSpPr>
+          <p:cNvPr id="3" name="Notes Placeholder 2"/>
+          <p:cNvSpPr>
+            <a:spLocks noGrp="1"/>
+          </p:cNvSpPr>
+          <p:nvPr>
+            <p:ph type="body" idx="1"/>
+          </p:nvPr>
+        </p:nvSpPr>
+        <p:spPr/>
+        <p:txBody>
+          <a:bodyPr/>
+          <a:lstStyle/>
+          <a:p>
+            <a:endParaRPr lang="en-GB" dirty="0"/>
+          </a:p>
+        </p:txBody>
+      </p:sp>
+      <p:sp>
+        <p:nvSpPr>
+          <p:cNvPr id="4" name="Slide Number Placeholder 3"/>
+          <p:cNvSpPr>
+            <a:spLocks noGrp="1"/>
+          </p:cNvSpPr>
+          <p:nvPr>
+            <p:ph type="sldNum" sz="quarter" idx="10"/>
+          </p:nvPr>
+        </p:nvSpPr>
+        <p:spPr/>
+        <p:txBody>
+          <a:bodyPr/>
+          <a:lstStyle/>
+          <a:p>
+            <a:fld id="{F6AE6D5B-B1C4-4F57-98D1-0105294F2AB3}" type="slidenum">
+              <a:rPr lang="en-GB" smtClean="0"/>
+              <a:t>11</a:t>
+            </a:fld>
+            <a:endParaRPr lang="en-GB"/>
+          </a:p>
+        </p:txBody>
+      </p:sp>
+    </p:spTree>
+    <p:extLst>
+      <p:ext uri="{BB962C8B-B14F-4D97-AF65-F5344CB8AC3E}">
+        <p14:creationId xmlns:p14="http://schemas.microsoft.com/office/powerpoint/2010/main" val="3496184003"/>
       </p:ext>
     </p:extLst>
   </p:cSld>
@@ -709,7 +859,34 @@
           <a:bodyPr/>
           <a:lstStyle/>
           <a:p>
-            <a:endParaRPr lang="en-GB"/>
+            <a:r>
+              <a:rPr lang="en-GB" dirty="0" smtClean="0"/>
+              <a:t>Who I</a:t>
+            </a:r>
+            <a:r>
+              <a:rPr lang="en-GB" baseline="0" dirty="0" smtClean="0"/>
+              <a:t> am</a:t>
+            </a:r>
+          </a:p>
+          <a:p>
+            <a:r>
+              <a:rPr lang="en-GB" baseline="0" dirty="0" smtClean="0"/>
+              <a:t>What this is about</a:t>
+            </a:r>
+          </a:p>
+          <a:p>
+            <a:r>
+              <a:rPr lang="en-GB" baseline="0" dirty="0" smtClean="0"/>
+              <a:t>Why they </a:t>
+            </a:r>
+            <a:r>
+              <a:rPr lang="en-GB" b="1" baseline="0" dirty="0" smtClean="0"/>
+              <a:t>should care</a:t>
+            </a:r>
+            <a:endParaRPr lang="en-GB" b="1" dirty="0" smtClean="0"/>
+          </a:p>
+          <a:p>
+            <a:endParaRPr lang="en-GB" dirty="0"/>
           </a:p>
         </p:txBody>
       </p:sp>
@@ -795,12 +972,31 @@
           <a:p>
             <a:r>
               <a:rPr lang="en-GB" dirty="0" smtClean="0"/>
-              <a:t>Listening</a:t>
+              <a:t>Who I</a:t>
             </a:r>
             <a:r>
               <a:rPr lang="en-GB" baseline="0" dirty="0" smtClean="0"/>
-              <a:t> to the same music at work… wanted more!</a:t>
-            </a:r>
+              <a:t> am</a:t>
+            </a:r>
+          </a:p>
+          <a:p>
+            <a:r>
+              <a:rPr lang="en-GB" baseline="0" dirty="0" smtClean="0"/>
+              <a:t>What this is about</a:t>
+            </a:r>
+          </a:p>
+          <a:p>
+            <a:r>
+              <a:rPr lang="en-GB" baseline="0" dirty="0" smtClean="0"/>
+              <a:t>Why they </a:t>
+            </a:r>
+            <a:r>
+              <a:rPr lang="en-GB" b="1" baseline="0" dirty="0" smtClean="0"/>
+              <a:t>should care</a:t>
+            </a:r>
+            <a:endParaRPr lang="en-GB" b="1" dirty="0" smtClean="0"/>
+          </a:p>
+          <a:p>
             <a:endParaRPr lang="en-GB" dirty="0"/>
           </a:p>
         </p:txBody>
@@ -831,7 +1027,459 @@
     </p:spTree>
     <p:extLst>
       <p:ext uri="{BB962C8B-B14F-4D97-AF65-F5344CB8AC3E}">
+        <p14:creationId xmlns:p14="http://schemas.microsoft.com/office/powerpoint/2010/main" val="489425343"/>
+      </p:ext>
+    </p:extLst>
+  </p:cSld>
+  <p:clrMapOvr>
+    <a:masterClrMapping/>
+  </p:clrMapOvr>
+</p:notes>
+</file>
+
+<file path=ppt/notesSlides/notesSlide5.xml><?xml version="1.0" encoding="utf-8"?>
+<p:notes xmlns:a="http://schemas.openxmlformats.org/drawingml/2006/main" xmlns:r="http://schemas.openxmlformats.org/officeDocument/2006/relationships" xmlns:p="http://schemas.openxmlformats.org/presentationml/2006/main">
+  <p:cSld>
+    <p:spTree>
+      <p:nvGrpSpPr>
+        <p:cNvPr id="1" name=""/>
+        <p:cNvGrpSpPr/>
+        <p:nvPr/>
+      </p:nvGrpSpPr>
+      <p:grpSpPr>
+        <a:xfrm>
+          <a:off x="0" y="0"/>
+          <a:ext cx="0" cy="0"/>
+          <a:chOff x="0" y="0"/>
+          <a:chExt cx="0" cy="0"/>
+        </a:xfrm>
+      </p:grpSpPr>
+      <p:sp>
+        <p:nvSpPr>
+          <p:cNvPr id="2" name="Slide Image Placeholder 1"/>
+          <p:cNvSpPr>
+            <a:spLocks noGrp="1" noRot="1" noChangeAspect="1"/>
+          </p:cNvSpPr>
+          <p:nvPr>
+            <p:ph type="sldImg"/>
+          </p:nvPr>
+        </p:nvSpPr>
+        <p:spPr/>
+      </p:sp>
+      <p:sp>
+        <p:nvSpPr>
+          <p:cNvPr id="3" name="Notes Placeholder 2"/>
+          <p:cNvSpPr>
+            <a:spLocks noGrp="1"/>
+          </p:cNvSpPr>
+          <p:nvPr>
+            <p:ph type="body" idx="1"/>
+          </p:nvPr>
+        </p:nvSpPr>
+        <p:spPr/>
+        <p:txBody>
+          <a:bodyPr/>
+          <a:lstStyle/>
+          <a:p>
+            <a:pPr marL="0" marR="0" indent="0" algn="l" defTabSz="914400" rtl="0" eaLnBrk="1" fontAlgn="auto" latinLnBrk="0" hangingPunct="1">
+              <a:lnSpc>
+                <a:spcPct val="100000"/>
+              </a:lnSpc>
+              <a:spcBef>
+                <a:spcPts val="0"/>
+              </a:spcBef>
+              <a:spcAft>
+                <a:spcPts val="0"/>
+              </a:spcAft>
+              <a:buClrTx/>
+              <a:buSzTx/>
+              <a:buFontTx/>
+              <a:buNone/>
+              <a:tabLst/>
+              <a:defRPr/>
+            </a:pPr>
+            <a:r>
+              <a:rPr lang="en-GB" sz="1200" kern="1200" dirty="0" smtClean="0">
+                <a:solidFill>
+                  <a:schemeClr val="tx1"/>
+                </a:solidFill>
+                <a:effectLst/>
+                <a:latin typeface="+mn-lt"/>
+                <a:ea typeface="+mn-ea"/>
+                <a:cs typeface="+mn-cs"/>
+              </a:rPr>
+              <a:t>"While coding at work I want to listen to great songs and albums that I know" .  So I curious about Spotify and I set out to find out more.   Along the way I encountered many dragons.. Those stories I'll share today.. built website, purely for fun, to help me navigate the 38m songs in Spotify.</a:t>
+            </a:r>
+            <a:endParaRPr lang="en-GB" dirty="0" smtClean="0"/>
+          </a:p>
+          <a:p>
+            <a:endParaRPr lang="en-GB" dirty="0"/>
+          </a:p>
+        </p:txBody>
+      </p:sp>
+      <p:sp>
+        <p:nvSpPr>
+          <p:cNvPr id="4" name="Slide Number Placeholder 3"/>
+          <p:cNvSpPr>
+            <a:spLocks noGrp="1"/>
+          </p:cNvSpPr>
+          <p:nvPr>
+            <p:ph type="sldNum" sz="quarter" idx="10"/>
+          </p:nvPr>
+        </p:nvSpPr>
+        <p:spPr/>
+        <p:txBody>
+          <a:bodyPr/>
+          <a:lstStyle/>
+          <a:p>
+            <a:fld id="{F6AE6D5B-B1C4-4F57-98D1-0105294F2AB3}" type="slidenum">
+              <a:rPr lang="en-GB" smtClean="0"/>
+              <a:t>5</a:t>
+            </a:fld>
+            <a:endParaRPr lang="en-GB"/>
+          </a:p>
+        </p:txBody>
+      </p:sp>
+    </p:spTree>
+    <p:extLst>
+      <p:ext uri="{BB962C8B-B14F-4D97-AF65-F5344CB8AC3E}">
         <p14:creationId xmlns:p14="http://schemas.microsoft.com/office/powerpoint/2010/main" val="1840676550"/>
+      </p:ext>
+    </p:extLst>
+  </p:cSld>
+  <p:clrMapOvr>
+    <a:masterClrMapping/>
+  </p:clrMapOvr>
+</p:notes>
+</file>
+
+<file path=ppt/notesSlides/notesSlide6.xml><?xml version="1.0" encoding="utf-8"?>
+<p:notes xmlns:a="http://schemas.openxmlformats.org/drawingml/2006/main" xmlns:r="http://schemas.openxmlformats.org/officeDocument/2006/relationships" xmlns:p="http://schemas.openxmlformats.org/presentationml/2006/main">
+  <p:cSld>
+    <p:spTree>
+      <p:nvGrpSpPr>
+        <p:cNvPr id="1" name=""/>
+        <p:cNvGrpSpPr/>
+        <p:nvPr/>
+      </p:nvGrpSpPr>
+      <p:grpSpPr>
+        <a:xfrm>
+          <a:off x="0" y="0"/>
+          <a:ext cx="0" cy="0"/>
+          <a:chOff x="0" y="0"/>
+          <a:chExt cx="0" cy="0"/>
+        </a:xfrm>
+      </p:grpSpPr>
+      <p:sp>
+        <p:nvSpPr>
+          <p:cNvPr id="2" name="Slide Image Placeholder 1"/>
+          <p:cNvSpPr>
+            <a:spLocks noGrp="1" noRot="1" noChangeAspect="1"/>
+          </p:cNvSpPr>
+          <p:nvPr>
+            <p:ph type="sldImg"/>
+          </p:nvPr>
+        </p:nvSpPr>
+        <p:spPr/>
+      </p:sp>
+      <p:sp>
+        <p:nvSpPr>
+          <p:cNvPr id="3" name="Notes Placeholder 2"/>
+          <p:cNvSpPr>
+            <a:spLocks noGrp="1"/>
+          </p:cNvSpPr>
+          <p:nvPr>
+            <p:ph type="body" idx="1"/>
+          </p:nvPr>
+        </p:nvSpPr>
+        <p:spPr/>
+        <p:txBody>
+          <a:bodyPr/>
+          <a:lstStyle/>
+          <a:p>
+            <a:endParaRPr lang="en-GB" dirty="0"/>
+          </a:p>
+        </p:txBody>
+      </p:sp>
+      <p:sp>
+        <p:nvSpPr>
+          <p:cNvPr id="4" name="Slide Number Placeholder 3"/>
+          <p:cNvSpPr>
+            <a:spLocks noGrp="1"/>
+          </p:cNvSpPr>
+          <p:nvPr>
+            <p:ph type="sldNum" sz="quarter" idx="10"/>
+          </p:nvPr>
+        </p:nvSpPr>
+        <p:spPr/>
+        <p:txBody>
+          <a:bodyPr/>
+          <a:lstStyle/>
+          <a:p>
+            <a:fld id="{F6AE6D5B-B1C4-4F57-98D1-0105294F2AB3}" type="slidenum">
+              <a:rPr lang="en-GB" smtClean="0"/>
+              <a:t>6</a:t>
+            </a:fld>
+            <a:endParaRPr lang="en-GB"/>
+          </a:p>
+        </p:txBody>
+      </p:sp>
+    </p:spTree>
+    <p:extLst>
+      <p:ext uri="{BB962C8B-B14F-4D97-AF65-F5344CB8AC3E}">
+        <p14:creationId xmlns:p14="http://schemas.microsoft.com/office/powerpoint/2010/main" val="3814009017"/>
+      </p:ext>
+    </p:extLst>
+  </p:cSld>
+  <p:clrMapOvr>
+    <a:masterClrMapping/>
+  </p:clrMapOvr>
+</p:notes>
+</file>
+
+<file path=ppt/notesSlides/notesSlide7.xml><?xml version="1.0" encoding="utf-8"?>
+<p:notes xmlns:a="http://schemas.openxmlformats.org/drawingml/2006/main" xmlns:r="http://schemas.openxmlformats.org/officeDocument/2006/relationships" xmlns:p="http://schemas.openxmlformats.org/presentationml/2006/main">
+  <p:cSld>
+    <p:spTree>
+      <p:nvGrpSpPr>
+        <p:cNvPr id="1" name=""/>
+        <p:cNvGrpSpPr/>
+        <p:nvPr/>
+      </p:nvGrpSpPr>
+      <p:grpSpPr>
+        <a:xfrm>
+          <a:off x="0" y="0"/>
+          <a:ext cx="0" cy="0"/>
+          <a:chOff x="0" y="0"/>
+          <a:chExt cx="0" cy="0"/>
+        </a:xfrm>
+      </p:grpSpPr>
+      <p:sp>
+        <p:nvSpPr>
+          <p:cNvPr id="2" name="Slide Image Placeholder 1"/>
+          <p:cNvSpPr>
+            <a:spLocks noGrp="1" noRot="1" noChangeAspect="1"/>
+          </p:cNvSpPr>
+          <p:nvPr>
+            <p:ph type="sldImg"/>
+          </p:nvPr>
+        </p:nvSpPr>
+        <p:spPr/>
+      </p:sp>
+      <p:sp>
+        <p:nvSpPr>
+          <p:cNvPr id="3" name="Notes Placeholder 2"/>
+          <p:cNvSpPr>
+            <a:spLocks noGrp="1"/>
+          </p:cNvSpPr>
+          <p:nvPr>
+            <p:ph type="body" idx="1"/>
+          </p:nvPr>
+        </p:nvSpPr>
+        <p:spPr/>
+        <p:txBody>
+          <a:bodyPr/>
+          <a:lstStyle/>
+          <a:p>
+            <a:endParaRPr lang="en-GB" dirty="0"/>
+          </a:p>
+        </p:txBody>
+      </p:sp>
+      <p:sp>
+        <p:nvSpPr>
+          <p:cNvPr id="4" name="Slide Number Placeholder 3"/>
+          <p:cNvSpPr>
+            <a:spLocks noGrp="1"/>
+          </p:cNvSpPr>
+          <p:nvPr>
+            <p:ph type="sldNum" sz="quarter" idx="10"/>
+          </p:nvPr>
+        </p:nvSpPr>
+        <p:spPr/>
+        <p:txBody>
+          <a:bodyPr/>
+          <a:lstStyle/>
+          <a:p>
+            <a:fld id="{F6AE6D5B-B1C4-4F57-98D1-0105294F2AB3}" type="slidenum">
+              <a:rPr lang="en-GB" smtClean="0"/>
+              <a:t>7</a:t>
+            </a:fld>
+            <a:endParaRPr lang="en-GB"/>
+          </a:p>
+        </p:txBody>
+      </p:sp>
+    </p:spTree>
+    <p:extLst>
+      <p:ext uri="{BB962C8B-B14F-4D97-AF65-F5344CB8AC3E}">
+        <p14:creationId xmlns:p14="http://schemas.microsoft.com/office/powerpoint/2010/main" val="3317584047"/>
+      </p:ext>
+    </p:extLst>
+  </p:cSld>
+  <p:clrMapOvr>
+    <a:masterClrMapping/>
+  </p:clrMapOvr>
+</p:notes>
+</file>
+
+<file path=ppt/notesSlides/notesSlide8.xml><?xml version="1.0" encoding="utf-8"?>
+<p:notes xmlns:a="http://schemas.openxmlformats.org/drawingml/2006/main" xmlns:r="http://schemas.openxmlformats.org/officeDocument/2006/relationships" xmlns:p="http://schemas.openxmlformats.org/presentationml/2006/main">
+  <p:cSld>
+    <p:spTree>
+      <p:nvGrpSpPr>
+        <p:cNvPr id="1" name=""/>
+        <p:cNvGrpSpPr/>
+        <p:nvPr/>
+      </p:nvGrpSpPr>
+      <p:grpSpPr>
+        <a:xfrm>
+          <a:off x="0" y="0"/>
+          <a:ext cx="0" cy="0"/>
+          <a:chOff x="0" y="0"/>
+          <a:chExt cx="0" cy="0"/>
+        </a:xfrm>
+      </p:grpSpPr>
+      <p:sp>
+        <p:nvSpPr>
+          <p:cNvPr id="2" name="Slide Image Placeholder 1"/>
+          <p:cNvSpPr>
+            <a:spLocks noGrp="1" noRot="1" noChangeAspect="1"/>
+          </p:cNvSpPr>
+          <p:nvPr>
+            <p:ph type="sldImg"/>
+          </p:nvPr>
+        </p:nvSpPr>
+        <p:spPr/>
+      </p:sp>
+      <p:sp>
+        <p:nvSpPr>
+          <p:cNvPr id="3" name="Notes Placeholder 2"/>
+          <p:cNvSpPr>
+            <a:spLocks noGrp="1"/>
+          </p:cNvSpPr>
+          <p:nvPr>
+            <p:ph type="body" idx="1"/>
+          </p:nvPr>
+        </p:nvSpPr>
+        <p:spPr/>
+        <p:txBody>
+          <a:bodyPr/>
+          <a:lstStyle/>
+          <a:p>
+            <a:endParaRPr lang="en-GB" dirty="0"/>
+          </a:p>
+        </p:txBody>
+      </p:sp>
+      <p:sp>
+        <p:nvSpPr>
+          <p:cNvPr id="4" name="Slide Number Placeholder 3"/>
+          <p:cNvSpPr>
+            <a:spLocks noGrp="1"/>
+          </p:cNvSpPr>
+          <p:nvPr>
+            <p:ph type="sldNum" sz="quarter" idx="10"/>
+          </p:nvPr>
+        </p:nvSpPr>
+        <p:spPr/>
+        <p:txBody>
+          <a:bodyPr/>
+          <a:lstStyle/>
+          <a:p>
+            <a:fld id="{F6AE6D5B-B1C4-4F57-98D1-0105294F2AB3}" type="slidenum">
+              <a:rPr lang="en-GB" smtClean="0"/>
+              <a:t>8</a:t>
+            </a:fld>
+            <a:endParaRPr lang="en-GB"/>
+          </a:p>
+        </p:txBody>
+      </p:sp>
+    </p:spTree>
+    <p:extLst>
+      <p:ext uri="{BB962C8B-B14F-4D97-AF65-F5344CB8AC3E}">
+        <p14:creationId xmlns:p14="http://schemas.microsoft.com/office/powerpoint/2010/main" val="899699956"/>
+      </p:ext>
+    </p:extLst>
+  </p:cSld>
+  <p:clrMapOvr>
+    <a:masterClrMapping/>
+  </p:clrMapOvr>
+</p:notes>
+</file>
+
+<file path=ppt/notesSlides/notesSlide9.xml><?xml version="1.0" encoding="utf-8"?>
+<p:notes xmlns:a="http://schemas.openxmlformats.org/drawingml/2006/main" xmlns:r="http://schemas.openxmlformats.org/officeDocument/2006/relationships" xmlns:p="http://schemas.openxmlformats.org/presentationml/2006/main">
+  <p:cSld>
+    <p:spTree>
+      <p:nvGrpSpPr>
+        <p:cNvPr id="1" name=""/>
+        <p:cNvGrpSpPr/>
+        <p:nvPr/>
+      </p:nvGrpSpPr>
+      <p:grpSpPr>
+        <a:xfrm>
+          <a:off x="0" y="0"/>
+          <a:ext cx="0" cy="0"/>
+          <a:chOff x="0" y="0"/>
+          <a:chExt cx="0" cy="0"/>
+        </a:xfrm>
+      </p:grpSpPr>
+      <p:sp>
+        <p:nvSpPr>
+          <p:cNvPr id="2" name="Slide Image Placeholder 1"/>
+          <p:cNvSpPr>
+            <a:spLocks noGrp="1" noRot="1" noChangeAspect="1"/>
+          </p:cNvSpPr>
+          <p:nvPr>
+            <p:ph type="sldImg"/>
+          </p:nvPr>
+        </p:nvSpPr>
+        <p:spPr/>
+      </p:sp>
+      <p:sp>
+        <p:nvSpPr>
+          <p:cNvPr id="3" name="Notes Placeholder 2"/>
+          <p:cNvSpPr>
+            <a:spLocks noGrp="1"/>
+          </p:cNvSpPr>
+          <p:nvPr>
+            <p:ph type="body" idx="1"/>
+          </p:nvPr>
+        </p:nvSpPr>
+        <p:spPr/>
+        <p:txBody>
+          <a:bodyPr/>
+          <a:lstStyle/>
+          <a:p>
+            <a:endParaRPr lang="en-GB" dirty="0"/>
+          </a:p>
+        </p:txBody>
+      </p:sp>
+      <p:sp>
+        <p:nvSpPr>
+          <p:cNvPr id="4" name="Slide Number Placeholder 3"/>
+          <p:cNvSpPr>
+            <a:spLocks noGrp="1"/>
+          </p:cNvSpPr>
+          <p:nvPr>
+            <p:ph type="sldNum" sz="quarter" idx="10"/>
+          </p:nvPr>
+        </p:nvSpPr>
+        <p:spPr/>
+        <p:txBody>
+          <a:bodyPr/>
+          <a:lstStyle/>
+          <a:p>
+            <a:fld id="{F6AE6D5B-B1C4-4F57-98D1-0105294F2AB3}" type="slidenum">
+              <a:rPr lang="en-GB" smtClean="0"/>
+              <a:t>9</a:t>
+            </a:fld>
+            <a:endParaRPr lang="en-GB"/>
+          </a:p>
+        </p:txBody>
+      </p:sp>
+    </p:spTree>
+    <p:extLst>
+      <p:ext uri="{BB962C8B-B14F-4D97-AF65-F5344CB8AC3E}">
+        <p14:creationId xmlns:p14="http://schemas.microsoft.com/office/powerpoint/2010/main" val="562951016"/>
       </p:ext>
     </p:extLst>
   </p:cSld>
@@ -993,7 +1641,7 @@
           <a:p>
             <a:fld id="{04FDAF21-1349-46D7-892C-118DDD78669D}" type="datetimeFigureOut">
               <a:rPr lang="en-GB" smtClean="0"/>
-              <a:t>14/04/2015</a:t>
+              <a:t>15/04/2015</a:t>
             </a:fld>
             <a:endParaRPr lang="en-GB"/>
           </a:p>
@@ -1253,7 +1901,7 @@
           <a:p>
             <a:fld id="{04FDAF21-1349-46D7-892C-118DDD78669D}" type="datetimeFigureOut">
               <a:rPr lang="en-GB" smtClean="0"/>
-              <a:t>14/04/2015</a:t>
+              <a:t>15/04/2015</a:t>
             </a:fld>
             <a:endParaRPr lang="en-GB"/>
           </a:p>
@@ -1423,7 +2071,7 @@
           <a:p>
             <a:fld id="{04FDAF21-1349-46D7-892C-118DDD78669D}" type="datetimeFigureOut">
               <a:rPr lang="en-GB" smtClean="0"/>
-              <a:t>14/04/2015</a:t>
+              <a:t>15/04/2015</a:t>
             </a:fld>
             <a:endParaRPr lang="en-GB"/>
           </a:p>
@@ -1603,7 +2251,7 @@
           <a:p>
             <a:fld id="{04FDAF21-1349-46D7-892C-118DDD78669D}" type="datetimeFigureOut">
               <a:rPr lang="en-GB" smtClean="0"/>
-              <a:t>14/04/2015</a:t>
+              <a:t>15/04/2015</a:t>
             </a:fld>
             <a:endParaRPr lang="en-GB"/>
           </a:p>
@@ -1859,7 +2507,7 @@
           <a:p>
             <a:fld id="{04FDAF21-1349-46D7-892C-118DDD78669D}" type="datetimeFigureOut">
               <a:rPr lang="en-GB" smtClean="0"/>
-              <a:t>14/04/2015</a:t>
+              <a:t>15/04/2015</a:t>
             </a:fld>
             <a:endParaRPr lang="en-GB"/>
           </a:p>
@@ -2116,7 +2764,7 @@
           <a:p>
             <a:fld id="{04FDAF21-1349-46D7-892C-118DDD78669D}" type="datetimeFigureOut">
               <a:rPr lang="en-GB" smtClean="0"/>
-              <a:t>14/04/2015</a:t>
+              <a:t>15/04/2015</a:t>
             </a:fld>
             <a:endParaRPr lang="en-GB"/>
           </a:p>
@@ -2385,7 +3033,7 @@
           <a:p>
             <a:fld id="{04FDAF21-1349-46D7-892C-118DDD78669D}" type="datetimeFigureOut">
               <a:rPr lang="en-GB" smtClean="0"/>
-              <a:t>14/04/2015</a:t>
+              <a:t>15/04/2015</a:t>
             </a:fld>
             <a:endParaRPr lang="en-GB"/>
           </a:p>
@@ -2624,7 +3272,7 @@
           <a:p>
             <a:fld id="{04FDAF21-1349-46D7-892C-118DDD78669D}" type="datetimeFigureOut">
               <a:rPr lang="en-GB" smtClean="0"/>
-              <a:t>14/04/2015</a:t>
+              <a:t>15/04/2015</a:t>
             </a:fld>
             <a:endParaRPr lang="en-GB"/>
           </a:p>
@@ -2991,7 +3639,7 @@
           <a:p>
             <a:fld id="{04FDAF21-1349-46D7-892C-118DDD78669D}" type="datetimeFigureOut">
               <a:rPr lang="en-GB" smtClean="0"/>
-              <a:t>14/04/2015</a:t>
+              <a:t>15/04/2015</a:t>
             </a:fld>
             <a:endParaRPr lang="en-GB"/>
           </a:p>
@@ -3109,7 +3757,7 @@
           <a:p>
             <a:fld id="{04FDAF21-1349-46D7-892C-118DDD78669D}" type="datetimeFigureOut">
               <a:rPr lang="en-GB" smtClean="0"/>
-              <a:t>14/04/2015</a:t>
+              <a:t>15/04/2015</a:t>
             </a:fld>
             <a:endParaRPr lang="en-GB"/>
           </a:p>
@@ -3204,7 +3852,7 @@
           <a:p>
             <a:fld id="{04FDAF21-1349-46D7-892C-118DDD78669D}" type="datetimeFigureOut">
               <a:rPr lang="en-GB" smtClean="0"/>
-              <a:t>14/04/2015</a:t>
+              <a:t>15/04/2015</a:t>
             </a:fld>
             <a:endParaRPr lang="en-GB"/>
           </a:p>
@@ -3481,7 +4129,7 @@
           <a:p>
             <a:fld id="{04FDAF21-1349-46D7-892C-118DDD78669D}" type="datetimeFigureOut">
               <a:rPr lang="en-GB" smtClean="0"/>
-              <a:t>14/04/2015</a:t>
+              <a:t>15/04/2015</a:t>
             </a:fld>
             <a:endParaRPr lang="en-GB"/>
           </a:p>
@@ -3706,7 +4354,7 @@
           <a:p>
             <a:fld id="{04FDAF21-1349-46D7-892C-118DDD78669D}" type="datetimeFigureOut">
               <a:rPr lang="en-GB" smtClean="0"/>
-              <a:t>14/04/2015</a:t>
+              <a:t>15/04/2015</a:t>
             </a:fld>
             <a:endParaRPr lang="en-GB"/>
           </a:p>
@@ -4154,15 +4802,81 @@
         </p:nvSpPr>
         <p:spPr>
           <a:xfrm>
-            <a:off x="1524000" y="3602038"/>
-            <a:ext cx="2867526" cy="693236"/>
+            <a:off x="1523999" y="3602038"/>
+            <a:ext cx="6787243" cy="1084262"/>
           </a:xfrm>
         </p:spPr>
         <p:txBody>
-          <a:bodyPr/>
-          <a:lstStyle/>
-          <a:p>
-            <a:endParaRPr lang="en-GB" dirty="0"/>
+          <a:bodyPr>
+            <a:noAutofit/>
+          </a:bodyPr>
+          <a:lstStyle/>
+          <a:p>
+            <a:r>
+              <a:rPr lang="en-GB" sz="3200" dirty="0" err="1">
+                <a:solidFill>
+                  <a:schemeClr val="tx1">
+                    <a:lumMod val="75000"/>
+                    <a:lumOff val="25000"/>
+                  </a:schemeClr>
+                </a:solidFill>
+              </a:rPr>
+              <a:t>d</a:t>
+            </a:r>
+            <a:r>
+              <a:rPr lang="en-GB" sz="3200" dirty="0" err="1" smtClean="0">
+                <a:solidFill>
+                  <a:schemeClr val="tx1">
+                    <a:lumMod val="75000"/>
+                    <a:lumOff val="25000"/>
+                  </a:schemeClr>
+                </a:solidFill>
+              </a:rPr>
+              <a:t>avemateer</a:t>
+            </a:r>
+            <a:r>
+              <a:rPr lang="en-GB" sz="3200" dirty="0" smtClean="0">
+                <a:solidFill>
+                  <a:schemeClr val="tx1">
+                    <a:lumMod val="75000"/>
+                    <a:lumOff val="25000"/>
+                  </a:schemeClr>
+                </a:solidFill>
+              </a:rPr>
+              <a:t> at gmail.com</a:t>
+            </a:r>
+          </a:p>
+          <a:p>
+            <a:r>
+              <a:rPr lang="en-GB" sz="3200" dirty="0" smtClean="0">
+                <a:solidFill>
+                  <a:schemeClr val="tx1">
+                    <a:lumMod val="75000"/>
+                    <a:lumOff val="25000"/>
+                  </a:schemeClr>
+                </a:solidFill>
+              </a:rPr>
+              <a:t>github.com/</a:t>
+            </a:r>
+            <a:r>
+              <a:rPr lang="en-GB" sz="3200" dirty="0" err="1" smtClean="0">
+                <a:solidFill>
+                  <a:schemeClr val="tx1">
+                    <a:lumMod val="75000"/>
+                    <a:lumOff val="25000"/>
+                  </a:schemeClr>
+                </a:solidFill>
+              </a:rPr>
+              <a:t>djhmateer</a:t>
+            </a:r>
+            <a:endParaRPr lang="en-GB" sz="3200" dirty="0">
+              <a:solidFill>
+                <a:schemeClr val="tx1">
+                  <a:lumMod val="75000"/>
+                  <a:lumOff val="25000"/>
+                </a:schemeClr>
+              </a:solidFill>
+            </a:endParaRPr>
           </a:p>
         </p:txBody>
       </p:sp>
@@ -4188,7 +4902,7 @@
         </p:blipFill>
         <p:spPr>
           <a:xfrm>
-            <a:off x="1524000" y="3602038"/>
+            <a:off x="1524000" y="4893534"/>
             <a:ext cx="2571750" cy="476250"/>
           </a:xfrm>
           <a:prstGeom prst="rect">
@@ -4216,6 +4930,510 @@
 </p:sld>
 </file>
 
+<file path=ppt/slides/slide10.xml><?xml version="1.0" encoding="utf-8"?>
+<p:sld xmlns:a="http://schemas.openxmlformats.org/drawingml/2006/main" xmlns:r="http://schemas.openxmlformats.org/officeDocument/2006/relationships" xmlns:p="http://schemas.openxmlformats.org/presentationml/2006/main">
+  <p:cSld>
+    <p:spTree>
+      <p:nvGrpSpPr>
+        <p:cNvPr id="1" name=""/>
+        <p:cNvGrpSpPr/>
+        <p:nvPr/>
+      </p:nvGrpSpPr>
+      <p:grpSpPr>
+        <a:xfrm>
+          <a:off x="0" y="0"/>
+          <a:ext cx="0" cy="0"/>
+          <a:chOff x="0" y="0"/>
+          <a:chExt cx="0" cy="0"/>
+        </a:xfrm>
+      </p:grpSpPr>
+      <p:sp>
+        <p:nvSpPr>
+          <p:cNvPr id="3" name="Content Placeholder 2"/>
+          <p:cNvSpPr>
+            <a:spLocks noGrp="1"/>
+          </p:cNvSpPr>
+          <p:nvPr>
+            <p:ph idx="1"/>
+          </p:nvPr>
+        </p:nvSpPr>
+        <p:spPr>
+          <a:xfrm>
+            <a:off x="838200" y="2090057"/>
+            <a:ext cx="10515600" cy="3146380"/>
+          </a:xfrm>
+        </p:spPr>
+        <p:txBody>
+          <a:bodyPr>
+            <a:normAutofit/>
+          </a:bodyPr>
+          <a:lstStyle/>
+          <a:p>
+            <a:pPr marL="0" indent="0">
+              <a:buNone/>
+            </a:pPr>
+            <a:r>
+              <a:rPr lang="en-GB" sz="4400" dirty="0"/>
+              <a:t>iframe </a:t>
+            </a:r>
+            <a:r>
+              <a:rPr lang="en-GB" sz="4400" dirty="0" err="1"/>
+              <a:t>src</a:t>
+            </a:r>
+            <a:r>
+              <a:rPr lang="en-GB" sz="4400" dirty="0"/>
+              <a:t>="</a:t>
+            </a:r>
+            <a:r>
+              <a:rPr lang="en-GB" sz="4400" u="sng" dirty="0">
+                <a:hlinkClick r:id="rId3"/>
+              </a:rPr>
+              <a:t>https://embed.spotify.com/?</a:t>
+            </a:r>
+            <a:r>
+              <a:rPr lang="en-GB" sz="4400" u="sng" dirty="0" err="1" smtClean="0">
+                <a:hlinkClick r:id="rId3"/>
+              </a:rPr>
+              <a:t>uri</a:t>
+            </a:r>
+            <a:r>
+              <a:rPr lang="en-GB" sz="4400" u="sng" dirty="0" smtClean="0">
+                <a:hlinkClick r:id="rId3"/>
+              </a:rPr>
+              <a:t>=spotify:user:hoxsd:playlist:0Z7jXtAId643ujM1UPshcte“</a:t>
+            </a:r>
+            <a:endParaRPr lang="en-GB" sz="4400" u="sng" dirty="0" smtClean="0"/>
+          </a:p>
+          <a:p>
+            <a:pPr marL="0" indent="0">
+              <a:buNone/>
+            </a:pPr>
+            <a:endParaRPr lang="en-GB" sz="4400" u="sng" dirty="0"/>
+          </a:p>
+        </p:txBody>
+      </p:sp>
+      <p:sp>
+        <p:nvSpPr>
+          <p:cNvPr id="4" name="Title 3"/>
+          <p:cNvSpPr>
+            <a:spLocks noGrp="1"/>
+          </p:cNvSpPr>
+          <p:nvPr>
+            <p:ph type="title"/>
+          </p:nvPr>
+        </p:nvSpPr>
+        <p:spPr>
+          <a:xfrm>
+            <a:off x="838200" y="365125"/>
+            <a:ext cx="4389424" cy="1460500"/>
+          </a:xfrm>
+        </p:spPr>
+        <p:txBody>
+          <a:bodyPr>
+            <a:normAutofit fontScale="90000"/>
+          </a:bodyPr>
+          <a:lstStyle/>
+          <a:p>
+            <a:r>
+              <a:rPr lang="en-GB" dirty="0" smtClean="0"/>
+              <a:t>Embed Album /</a:t>
+            </a:r>
+            <a:br>
+              <a:rPr lang="en-GB" dirty="0" smtClean="0"/>
+            </a:br>
+            <a:r>
+              <a:rPr lang="en-GB" dirty="0" smtClean="0"/>
+              <a:t>Playlist</a:t>
+            </a:r>
+            <a:endParaRPr lang="en-GB" dirty="0"/>
+          </a:p>
+        </p:txBody>
+      </p:sp>
+      <p:pic>
+        <p:nvPicPr>
+          <p:cNvPr id="5122" name="Picture 2" descr="image"/>
+          <p:cNvPicPr>
+            <a:picLocks noChangeAspect="1" noChangeArrowheads="1"/>
+          </p:cNvPicPr>
+          <p:nvPr/>
+        </p:nvPicPr>
+        <p:blipFill>
+          <a:blip r:embed="rId4">
+            <a:extLst>
+              <a:ext uri="{28A0092B-C50C-407E-A947-70E740481C1C}">
+                <a14:useLocalDpi xmlns:a14="http://schemas.microsoft.com/office/drawing/2010/main" val="0"/>
+              </a:ext>
+            </a:extLst>
+          </a:blip>
+          <a:srcRect/>
+          <a:stretch>
+            <a:fillRect/>
+          </a:stretch>
+        </p:blipFill>
+        <p:spPr bwMode="auto">
+          <a:xfrm>
+            <a:off x="6818811" y="0"/>
+            <a:ext cx="5373189" cy="6828430"/>
+          </a:xfrm>
+          <a:prstGeom prst="rect">
+            <a:avLst/>
+          </a:prstGeom>
+          <a:noFill/>
+          <a:extLst>
+            <a:ext uri="{909E8E84-426E-40DD-AFC4-6F175D3DCCD1}">
+              <a14:hiddenFill xmlns:a14="http://schemas.microsoft.com/office/drawing/2010/main">
+                <a:solidFill>
+                  <a:srgbClr val="FFFFFF"/>
+                </a:solidFill>
+              </a14:hiddenFill>
+            </a:ext>
+          </a:extLst>
+        </p:spPr>
+      </p:pic>
+    </p:spTree>
+    <p:extLst>
+      <p:ext uri="{BB962C8B-B14F-4D97-AF65-F5344CB8AC3E}">
+        <p14:creationId xmlns:p14="http://schemas.microsoft.com/office/powerpoint/2010/main" val="1881090013"/>
+      </p:ext>
+    </p:extLst>
+  </p:cSld>
+  <p:clrMapOvr>
+    <a:masterClrMapping/>
+  </p:clrMapOvr>
+  <p:timing>
+    <p:tnLst>
+      <p:par>
+        <p:cTn id="1" dur="indefinite" restart="never" nodeType="tmRoot"/>
+      </p:par>
+    </p:tnLst>
+  </p:timing>
+</p:sld>
+</file>
+
+<file path=ppt/slides/slide11.xml><?xml version="1.0" encoding="utf-8"?>
+<p:sld xmlns:a="http://schemas.openxmlformats.org/drawingml/2006/main" xmlns:r="http://schemas.openxmlformats.org/officeDocument/2006/relationships" xmlns:p="http://schemas.openxmlformats.org/presentationml/2006/main">
+  <p:cSld>
+    <p:spTree>
+      <p:nvGrpSpPr>
+        <p:cNvPr id="1" name=""/>
+        <p:cNvGrpSpPr/>
+        <p:nvPr/>
+      </p:nvGrpSpPr>
+      <p:grpSpPr>
+        <a:xfrm>
+          <a:off x="0" y="0"/>
+          <a:ext cx="0" cy="0"/>
+          <a:chOff x="0" y="0"/>
+          <a:chExt cx="0" cy="0"/>
+        </a:xfrm>
+      </p:grpSpPr>
+      <p:sp>
+        <p:nvSpPr>
+          <p:cNvPr id="5" name="Title 4"/>
+          <p:cNvSpPr>
+            <a:spLocks noGrp="1"/>
+          </p:cNvSpPr>
+          <p:nvPr>
+            <p:ph type="title"/>
+          </p:nvPr>
+        </p:nvSpPr>
+        <p:spPr/>
+        <p:txBody>
+          <a:bodyPr/>
+          <a:lstStyle/>
+          <a:p>
+            <a:endParaRPr lang="en-GB"/>
+          </a:p>
+        </p:txBody>
+      </p:sp>
+      <p:pic>
+        <p:nvPicPr>
+          <p:cNvPr id="7" name="Chrome">
+            <a:hlinkClick r:id="" action="ppaction://media"/>
+          </p:cNvPr>
+          <p:cNvPicPr>
+            <a:picLocks noGrp="1" noChangeAspect="1"/>
+          </p:cNvPicPr>
+          <p:nvPr>
+            <p:ph idx="1"/>
+            <a:videoFile r:link="rId2"/>
+            <p:extLst>
+              <p:ext uri="{DAA4B4D4-6D71-4841-9C94-3DE7FCFB9230}">
+                <p14:media xmlns:p14="http://schemas.microsoft.com/office/powerpoint/2010/main" r:embed="rId1"/>
+              </p:ext>
+            </p:extLst>
+          </p:nvPr>
+        </p:nvPicPr>
+        <p:blipFill>
+          <a:blip r:embed="rId5"/>
+          <a:stretch>
+            <a:fillRect/>
+          </a:stretch>
+        </p:blipFill>
+        <p:spPr>
+          <a:xfrm>
+            <a:off x="0" y="-1"/>
+            <a:ext cx="12192000" cy="6857845"/>
+          </a:xfrm>
+        </p:spPr>
+      </p:pic>
+    </p:spTree>
+    <p:extLst>
+      <p:ext uri="{BB962C8B-B14F-4D97-AF65-F5344CB8AC3E}">
+        <p14:creationId xmlns:p14="http://schemas.microsoft.com/office/powerpoint/2010/main" val="1389851393"/>
+      </p:ext>
+    </p:extLst>
+  </p:cSld>
+  <p:clrMapOvr>
+    <a:masterClrMapping/>
+  </p:clrMapOvr>
+  <p:timing>
+    <p:tnLst>
+      <p:par>
+        <p:cTn id="1" dur="indefinite" restart="never" nodeType="tmRoot">
+          <p:childTnLst>
+            <p:seq concurrent="1" nextAc="seek">
+              <p:cTn id="2" restart="whenNotActive" fill="hold" evtFilter="cancelBubble" nodeType="interactiveSeq">
+                <p:stCondLst>
+                  <p:cond evt="onClick" delay="0">
+                    <p:tgtEl>
+                      <p:spTgt spid="7"/>
+                    </p:tgtEl>
+                  </p:cond>
+                </p:stCondLst>
+                <p:endSync evt="end" delay="0">
+                  <p:rtn val="all"/>
+                </p:endSync>
+                <p:childTnLst>
+                  <p:par>
+                    <p:cTn id="3" fill="hold">
+                      <p:stCondLst>
+                        <p:cond delay="0"/>
+                      </p:stCondLst>
+                      <p:childTnLst>
+                        <p:par>
+                          <p:cTn id="4" fill="hold">
+                            <p:stCondLst>
+                              <p:cond delay="0"/>
+                            </p:stCondLst>
+                            <p:childTnLst>
+                              <p:par>
+                                <p:cTn id="5" presetID="2" presetClass="mediacall" presetSubtype="0" fill="hold" nodeType="clickEffect">
+                                  <p:stCondLst>
+                                    <p:cond delay="0"/>
+                                  </p:stCondLst>
+                                  <p:childTnLst>
+                                    <p:cmd type="call" cmd="togglePause">
+                                      <p:cBhvr>
+                                        <p:cTn id="6" dur="1" fill="hold"/>
+                                        <p:tgtEl>
+                                          <p:spTgt spid="7"/>
+                                        </p:tgtEl>
+                                      </p:cBhvr>
+                                    </p:cmd>
+                                  </p:childTnLst>
+                                </p:cTn>
+                              </p:par>
+                            </p:childTnLst>
+                          </p:cTn>
+                        </p:par>
+                      </p:childTnLst>
+                    </p:cTn>
+                  </p:par>
+                </p:childTnLst>
+              </p:cTn>
+              <p:nextCondLst>
+                <p:cond evt="onClick" delay="0">
+                  <p:tgtEl>
+                    <p:spTgt spid="7"/>
+                  </p:tgtEl>
+                </p:cond>
+              </p:nextCondLst>
+            </p:seq>
+            <p:video>
+              <p:cMediaNode vol="80000">
+                <p:cTn id="7" fill="hold" display="0">
+                  <p:stCondLst>
+                    <p:cond delay="indefinite"/>
+                  </p:stCondLst>
+                </p:cTn>
+                <p:tgtEl>
+                  <p:spTgt spid="7"/>
+                </p:tgtEl>
+              </p:cMediaNode>
+            </p:video>
+          </p:childTnLst>
+        </p:cTn>
+      </p:par>
+    </p:tnLst>
+  </p:timing>
+</p:sld>
+</file>
+
+<file path=ppt/slides/slide12.xml><?xml version="1.0" encoding="utf-8"?>
+<p:sld xmlns:a="http://schemas.openxmlformats.org/drawingml/2006/main" xmlns:r="http://schemas.openxmlformats.org/officeDocument/2006/relationships" xmlns:p="http://schemas.openxmlformats.org/presentationml/2006/main">
+  <p:cSld>
+    <p:spTree>
+      <p:nvGrpSpPr>
+        <p:cNvPr id="1" name=""/>
+        <p:cNvGrpSpPr/>
+        <p:nvPr/>
+      </p:nvGrpSpPr>
+      <p:grpSpPr>
+        <a:xfrm>
+          <a:off x="0" y="0"/>
+          <a:ext cx="0" cy="0"/>
+          <a:chOff x="0" y="0"/>
+          <a:chExt cx="0" cy="0"/>
+        </a:xfrm>
+      </p:grpSpPr>
+      <p:sp>
+        <p:nvSpPr>
+          <p:cNvPr id="2" name="Title 1"/>
+          <p:cNvSpPr>
+            <a:spLocks noGrp="1"/>
+          </p:cNvSpPr>
+          <p:nvPr>
+            <p:ph type="title"/>
+          </p:nvPr>
+        </p:nvSpPr>
+        <p:spPr/>
+        <p:txBody>
+          <a:bodyPr/>
+          <a:lstStyle/>
+          <a:p>
+            <a:r>
+              <a:rPr lang="en-GB" dirty="0" smtClean="0"/>
+              <a:t>Console App</a:t>
+            </a:r>
+            <a:endParaRPr lang="en-GB" dirty="0"/>
+          </a:p>
+        </p:txBody>
+      </p:sp>
+      <p:pic>
+        <p:nvPicPr>
+          <p:cNvPr id="4" name="Console">
+            <a:hlinkClick r:id="" action="ppaction://media"/>
+          </p:cNvPr>
+          <p:cNvPicPr>
+            <a:picLocks noGrp="1" noChangeAspect="1"/>
+          </p:cNvPicPr>
+          <p:nvPr>
+            <p:ph idx="1"/>
+            <a:videoFile r:link="rId2"/>
+            <p:extLst>
+              <p:ext uri="{DAA4B4D4-6D71-4841-9C94-3DE7FCFB9230}">
+                <p14:media xmlns:p14="http://schemas.microsoft.com/office/powerpoint/2010/main" r:embed="rId1"/>
+              </p:ext>
+            </p:extLst>
+          </p:nvPr>
+        </p:nvPicPr>
+        <p:blipFill>
+          <a:blip r:embed="rId4"/>
+          <a:stretch>
+            <a:fillRect/>
+          </a:stretch>
+        </p:blipFill>
+        <p:spPr>
+          <a:xfrm>
+            <a:off x="0" y="-1"/>
+            <a:ext cx="12192000" cy="6857845"/>
+          </a:xfrm>
+        </p:spPr>
+      </p:pic>
+    </p:spTree>
+    <p:extLst>
+      <p:ext uri="{BB962C8B-B14F-4D97-AF65-F5344CB8AC3E}">
+        <p14:creationId xmlns:p14="http://schemas.microsoft.com/office/powerpoint/2010/main" val="4285267994"/>
+      </p:ext>
+    </p:extLst>
+  </p:cSld>
+  <p:clrMapOvr>
+    <a:masterClrMapping/>
+  </p:clrMapOvr>
+  <p:timing>
+    <p:tnLst>
+      <p:par>
+        <p:cTn id="1" dur="indefinite" restart="never" nodeType="tmRoot">
+          <p:childTnLst>
+            <p:seq concurrent="1" nextAc="seek">
+              <p:cTn id="2" restart="whenNotActive" fill="hold" evtFilter="cancelBubble" nodeType="interactiveSeq">
+                <p:stCondLst>
+                  <p:cond evt="onClick" delay="0">
+                    <p:tgtEl>
+                      <p:spTgt spid="4"/>
+                    </p:tgtEl>
+                  </p:cond>
+                </p:stCondLst>
+                <p:endSync evt="end" delay="0">
+                  <p:rtn val="all"/>
+                </p:endSync>
+                <p:childTnLst>
+                  <p:par>
+                    <p:cTn id="3" fill="hold">
+                      <p:stCondLst>
+                        <p:cond delay="0"/>
+                      </p:stCondLst>
+                      <p:childTnLst>
+                        <p:par>
+                          <p:cTn id="4" fill="hold">
+                            <p:stCondLst>
+                              <p:cond delay="0"/>
+                            </p:stCondLst>
+                            <p:childTnLst>
+                              <p:par>
+                                <p:cTn id="5" presetID="2" presetClass="mediacall" presetSubtype="0" fill="hold" nodeType="clickEffect">
+                                  <p:stCondLst>
+                                    <p:cond delay="0"/>
+                                  </p:stCondLst>
+                                  <p:childTnLst>
+                                    <p:cmd type="call" cmd="togglePause">
+                                      <p:cBhvr>
+                                        <p:cTn id="6" dur="1" fill="hold"/>
+                                        <p:tgtEl>
+                                          <p:spTgt spid="4"/>
+                                        </p:tgtEl>
+                                      </p:cBhvr>
+                                    </p:cmd>
+                                  </p:childTnLst>
+                                </p:cTn>
+                              </p:par>
+                            </p:childTnLst>
+                          </p:cTn>
+                        </p:par>
+                      </p:childTnLst>
+                    </p:cTn>
+                  </p:par>
+                </p:childTnLst>
+              </p:cTn>
+              <p:nextCondLst>
+                <p:cond evt="onClick" delay="0">
+                  <p:tgtEl>
+                    <p:spTgt spid="4"/>
+                  </p:tgtEl>
+                </p:cond>
+              </p:nextCondLst>
+            </p:seq>
+            <p:video>
+              <p:cMediaNode vol="80000">
+                <p:cTn id="7" fill="hold" display="0">
+                  <p:stCondLst>
+                    <p:cond delay="indefinite"/>
+                  </p:stCondLst>
+                </p:cTn>
+                <p:tgtEl>
+                  <p:spTgt spid="4"/>
+                </p:tgtEl>
+              </p:cMediaNode>
+            </p:video>
+          </p:childTnLst>
+        </p:cTn>
+      </p:par>
+    </p:tnLst>
+  </p:timing>
+</p:sld>
+</file>
+
 <file path=ppt/slides/slide2.xml><?xml version="1.0" encoding="utf-8"?>
 <p:sld xmlns:a="http://schemas.openxmlformats.org/drawingml/2006/main" xmlns:r="http://schemas.openxmlformats.org/officeDocument/2006/relationships" xmlns:p="http://schemas.openxmlformats.org/presentationml/2006/main">
   <p:cSld>
@@ -4250,32 +5468,137 @@
           <a:p>
             <a:r>
               <a:rPr lang="en-GB" dirty="0" smtClean="0"/>
-              <a:t>Quorum</a:t>
+              <a:t>Thanks Quorum (Dave’s employer)</a:t>
             </a:r>
             <a:endParaRPr lang="en-GB" dirty="0"/>
           </a:p>
         </p:txBody>
       </p:sp>
-      <p:sp>
-        <p:nvSpPr>
-          <p:cNvPr id="3" name="Content Placeholder 2"/>
-          <p:cNvSpPr>
-            <a:spLocks noGrp="1"/>
-          </p:cNvSpPr>
-          <p:nvPr>
-            <p:ph idx="1"/>
-          </p:nvPr>
-        </p:nvSpPr>
-        <p:spPr/>
-        <p:txBody>
-          <a:bodyPr/>
-          <a:lstStyle/>
-          <a:p>
-            <a:r>
-              <a:rPr lang="en-GB" dirty="0" smtClean="0"/>
-              <a:t>Logos here</a:t>
-            </a:r>
-            <a:endParaRPr lang="en-GB" dirty="0"/>
+      <p:pic>
+        <p:nvPicPr>
+          <p:cNvPr id="1026" name="Picture 2" descr="http://www.logotypes101.com/logos/659/F7F9770609B3542CB3D6D7F7AC4708CA/RBS_Group.png"/>
+          <p:cNvPicPr>
+            <a:picLocks noChangeAspect="1" noChangeArrowheads="1"/>
+          </p:cNvPicPr>
+          <p:nvPr/>
+        </p:nvPicPr>
+        <p:blipFill>
+          <a:blip r:embed="rId3">
+            <a:extLst>
+              <a:ext uri="{28A0092B-C50C-407E-A947-70E740481C1C}">
+                <a14:useLocalDpi xmlns:a14="http://schemas.microsoft.com/office/drawing/2010/main" val="0"/>
+              </a:ext>
+            </a:extLst>
+          </a:blip>
+          <a:srcRect/>
+          <a:stretch>
+            <a:fillRect/>
+          </a:stretch>
+        </p:blipFill>
+        <p:spPr bwMode="auto">
+          <a:xfrm>
+            <a:off x="838200" y="2449286"/>
+            <a:ext cx="1872343" cy="1872343"/>
+          </a:xfrm>
+          <a:prstGeom prst="rect">
+            <a:avLst/>
+          </a:prstGeom>
+          <a:noFill/>
+          <a:extLst>
+            <a:ext uri="{909E8E84-426E-40DD-AFC4-6F175D3DCCD1}">
+              <a14:hiddenFill xmlns:a14="http://schemas.microsoft.com/office/drawing/2010/main">
+                <a:solidFill>
+                  <a:srgbClr val="FFFFFF"/>
+                </a:solidFill>
+              </a14:hiddenFill>
+            </a:ext>
+          </a:extLst>
+        </p:spPr>
+      </p:pic>
+      <p:pic>
+        <p:nvPicPr>
+          <p:cNvPr id="1028" name="Picture 4" descr="File:Lloyds Bank official new logo.png"/>
+          <p:cNvPicPr>
+            <a:picLocks noChangeAspect="1" noChangeArrowheads="1"/>
+          </p:cNvPicPr>
+          <p:nvPr/>
+        </p:nvPicPr>
+        <p:blipFill>
+          <a:blip r:embed="rId4">
+            <a:extLst>
+              <a:ext uri="{28A0092B-C50C-407E-A947-70E740481C1C}">
+                <a14:useLocalDpi xmlns:a14="http://schemas.microsoft.com/office/drawing/2010/main" val="0"/>
+              </a:ext>
+            </a:extLst>
+          </a:blip>
+          <a:srcRect/>
+          <a:stretch>
+            <a:fillRect/>
+          </a:stretch>
+        </p:blipFill>
+        <p:spPr bwMode="auto">
+          <a:xfrm>
+            <a:off x="3062061" y="2449286"/>
+            <a:ext cx="3180139" cy="1719263"/>
+          </a:xfrm>
+          <a:prstGeom prst="rect">
+            <a:avLst/>
+          </a:prstGeom>
+          <a:noFill/>
+          <a:extLst>
+            <a:ext uri="{909E8E84-426E-40DD-AFC4-6F175D3DCCD1}">
+              <a14:hiddenFill xmlns:a14="http://schemas.microsoft.com/office/drawing/2010/main">
+                <a:solidFill>
+                  <a:srgbClr val="FFFFFF"/>
+                </a:solidFill>
+              </a14:hiddenFill>
+            </a:ext>
+          </a:extLst>
+        </p:spPr>
+      </p:pic>
+      <p:sp>
+        <p:nvSpPr>
+          <p:cNvPr id="5" name="TextBox 4"/>
+          <p:cNvSpPr txBox="1"/>
+          <p:nvPr/>
+        </p:nvSpPr>
+        <p:spPr>
+          <a:xfrm>
+            <a:off x="303164" y="5295130"/>
+            <a:ext cx="11585672" cy="707886"/>
+          </a:xfrm>
+          <a:prstGeom prst="rect">
+            <a:avLst/>
+          </a:prstGeom>
+          <a:noFill/>
+        </p:spPr>
+        <p:txBody>
+          <a:bodyPr wrap="none" rtlCol="0">
+            <a:spAutoFit/>
+          </a:bodyPr>
+          <a:lstStyle/>
+          <a:p>
+            <a:r>
+              <a:rPr lang="en-GB" sz="4000" dirty="0" smtClean="0">
+                <a:solidFill>
+                  <a:schemeClr val="tx1">
+                    <a:lumMod val="75000"/>
+                    <a:lumOff val="25000"/>
+                  </a:schemeClr>
+                </a:solidFill>
+                <a:latin typeface="Montserrat" panose="00000500000000000000" pitchFamily="50" charset="0"/>
+              </a:rPr>
+              <a:t>We do Infrastructure and Software for clients</a:t>
+            </a:r>
+            <a:endParaRPr lang="en-GB" sz="4000" dirty="0">
+              <a:solidFill>
+                <a:schemeClr val="tx1">
+                  <a:lumMod val="75000"/>
+                  <a:lumOff val="25000"/>
+                </a:schemeClr>
+              </a:solidFill>
+              <a:latin typeface="Montserrat" panose="00000500000000000000" pitchFamily="50" charset="0"/>
+            </a:endParaRPr>
           </a:p>
         </p:txBody>
       </p:sp>
@@ -4333,35 +5656,157 @@
           <a:p>
             <a:r>
               <a:rPr lang="en-GB" dirty="0" smtClean="0"/>
-              <a:t>Test</a:t>
+              <a:t>What’s in this talk for me?</a:t>
             </a:r>
             <a:endParaRPr lang="en-GB" dirty="0"/>
           </a:p>
         </p:txBody>
       </p:sp>
-      <p:sp>
-        <p:nvSpPr>
-          <p:cNvPr id="5" name="Content Placeholder 4"/>
-          <p:cNvSpPr>
-            <a:spLocks noGrp="1"/>
-          </p:cNvSpPr>
+      <p:pic>
+        <p:nvPicPr>
+          <p:cNvPr id="7" name="Content Placeholder 6"/>
+          <p:cNvPicPr>
+            <a:picLocks noGrp="1" noChangeAspect="1"/>
+          </p:cNvPicPr>
           <p:nvPr>
             <p:ph idx="1"/>
           </p:nvPr>
-        </p:nvSpPr>
-        <p:spPr/>
-        <p:txBody>
-          <a:bodyPr/>
-          <a:lstStyle/>
-          <a:p>
-            <a:r>
-              <a:rPr lang="en-GB" dirty="0" err="1" smtClean="0"/>
-              <a:t>asdfasdfasdf</a:t>
-            </a:r>
-            <a:endParaRPr lang="en-GB" dirty="0"/>
-          </a:p>
-        </p:txBody>
-      </p:sp>
+        </p:nvPicPr>
+        <p:blipFill>
+          <a:blip r:embed="rId3">
+            <a:extLst>
+              <a:ext uri="{28A0092B-C50C-407E-A947-70E740481C1C}">
+                <a14:useLocalDpi xmlns:a14="http://schemas.microsoft.com/office/drawing/2010/main" val="0"/>
+              </a:ext>
+            </a:extLst>
+          </a:blip>
+          <a:stretch>
+            <a:fillRect/>
+          </a:stretch>
+        </p:blipFill>
+        <p:spPr>
+          <a:xfrm>
+            <a:off x="838200" y="2049258"/>
+            <a:ext cx="2571750" cy="476250"/>
+          </a:xfrm>
+          <a:prstGeom prst="rect">
+            <a:avLst/>
+          </a:prstGeom>
+        </p:spPr>
+      </p:pic>
+      <p:pic>
+        <p:nvPicPr>
+          <p:cNvPr id="2050" name="Picture 2" descr="http://oauth.net/images/oauth-2-sm.png"/>
+          <p:cNvPicPr>
+            <a:picLocks noChangeAspect="1" noChangeArrowheads="1"/>
+          </p:cNvPicPr>
+          <p:nvPr/>
+        </p:nvPicPr>
+        <p:blipFill>
+          <a:blip r:embed="rId4">
+            <a:extLst>
+              <a:ext uri="{28A0092B-C50C-407E-A947-70E740481C1C}">
+                <a14:useLocalDpi xmlns:a14="http://schemas.microsoft.com/office/drawing/2010/main" val="0"/>
+              </a:ext>
+            </a:extLst>
+          </a:blip>
+          <a:srcRect/>
+          <a:stretch>
+            <a:fillRect/>
+          </a:stretch>
+        </p:blipFill>
+        <p:spPr bwMode="auto">
+          <a:xfrm>
+            <a:off x="1533525" y="3074624"/>
+            <a:ext cx="1181100" cy="1171575"/>
+          </a:xfrm>
+          <a:prstGeom prst="rect">
+            <a:avLst/>
+          </a:prstGeom>
+          <a:noFill/>
+          <a:extLst>
+            <a:ext uri="{909E8E84-426E-40DD-AFC4-6F175D3DCCD1}">
+              <a14:hiddenFill xmlns:a14="http://schemas.microsoft.com/office/drawing/2010/main">
+                <a:solidFill>
+                  <a:srgbClr val="FFFFFF"/>
+                </a:solidFill>
+              </a14:hiddenFill>
+            </a:ext>
+          </a:extLst>
+        </p:spPr>
+      </p:pic>
+      <p:pic>
+        <p:nvPicPr>
+          <p:cNvPr id="2" name="Picture 1"/>
+          <p:cNvPicPr>
+            <a:picLocks noChangeAspect="1"/>
+          </p:cNvPicPr>
+          <p:nvPr/>
+        </p:nvPicPr>
+        <p:blipFill>
+          <a:blip r:embed="rId5"/>
+          <a:stretch>
+            <a:fillRect/>
+          </a:stretch>
+        </p:blipFill>
+        <p:spPr>
+          <a:xfrm>
+            <a:off x="4773898" y="1990633"/>
+            <a:ext cx="4242815" cy="716144"/>
+          </a:xfrm>
+          <a:prstGeom prst="rect">
+            <a:avLst/>
+          </a:prstGeom>
+        </p:spPr>
+      </p:pic>
+      <p:pic>
+        <p:nvPicPr>
+          <p:cNvPr id="8" name="Picture 7"/>
+          <p:cNvPicPr>
+            <a:picLocks noChangeAspect="1"/>
+          </p:cNvPicPr>
+          <p:nvPr/>
+        </p:nvPicPr>
+        <p:blipFill>
+          <a:blip r:embed="rId6"/>
+          <a:stretch>
+            <a:fillRect/>
+          </a:stretch>
+        </p:blipFill>
+        <p:spPr>
+          <a:xfrm>
+            <a:off x="8384993" y="3660411"/>
+            <a:ext cx="2266950" cy="590550"/>
+          </a:xfrm>
+          <a:prstGeom prst="rect">
+            <a:avLst/>
+          </a:prstGeom>
+        </p:spPr>
+      </p:pic>
+      <p:pic>
+        <p:nvPicPr>
+          <p:cNvPr id="9" name="Picture 8"/>
+          <p:cNvPicPr>
+            <a:picLocks noChangeAspect="1"/>
+          </p:cNvPicPr>
+          <p:nvPr/>
+        </p:nvPicPr>
+        <p:blipFill>
+          <a:blip r:embed="rId7"/>
+          <a:stretch>
+            <a:fillRect/>
+          </a:stretch>
+        </p:blipFill>
+        <p:spPr>
+          <a:xfrm>
+            <a:off x="3409950" y="3660411"/>
+            <a:ext cx="2722244" cy="777784"/>
+          </a:xfrm>
+          <a:prstGeom prst="rect">
+            <a:avLst/>
+          </a:prstGeom>
+        </p:spPr>
+      </p:pic>
     </p:spTree>
     <p:extLst>
       <p:ext uri="{BB962C8B-B14F-4D97-AF65-F5344CB8AC3E}">
@@ -4401,7 +5846,7 @@
       </p:grpSpPr>
       <p:sp>
         <p:nvSpPr>
-          <p:cNvPr id="2" name="Title 1"/>
+          <p:cNvPr id="4" name="Title 3"/>
           <p:cNvSpPr>
             <a:spLocks noGrp="1"/>
           </p:cNvSpPr>
@@ -4416,35 +5861,59 @@
           <a:p>
             <a:r>
               <a:rPr lang="en-GB" dirty="0" smtClean="0"/>
-              <a:t>The Basics</a:t>
+              <a:t>MUSIC!</a:t>
             </a:r>
             <a:endParaRPr lang="en-GB" dirty="0"/>
           </a:p>
         </p:txBody>
       </p:sp>
-      <p:sp>
-        <p:nvSpPr>
-          <p:cNvPr id="3" name="Content Placeholder 2"/>
-          <p:cNvSpPr>
-            <a:spLocks noGrp="1"/>
-          </p:cNvSpPr>
+      <p:pic>
+        <p:nvPicPr>
+          <p:cNvPr id="3076" name="Picture 4" descr="http://i.dailymail.co.uk/i/pix/2012/08/15/article-1352463-148DBC4A000005DC-74_470x468.jpg"/>
+          <p:cNvPicPr>
+            <a:picLocks noGrp="1" noChangeAspect="1" noChangeArrowheads="1"/>
+          </p:cNvPicPr>
           <p:nvPr>
             <p:ph idx="1"/>
           </p:nvPr>
-        </p:nvSpPr>
-        <p:spPr/>
-        <p:txBody>
-          <a:bodyPr/>
-          <a:lstStyle/>
-          <a:p>
-            <a:endParaRPr lang="en-GB" dirty="0"/>
-          </a:p>
-        </p:txBody>
-      </p:sp>
+        </p:nvPicPr>
+        <p:blipFill>
+          <a:blip r:embed="rId3">
+            <a:extLst>
+              <a:ext uri="{28A0092B-C50C-407E-A947-70E740481C1C}">
+                <a14:useLocalDpi xmlns:a14="http://schemas.microsoft.com/office/drawing/2010/main" val="0"/>
+              </a:ext>
+            </a:extLst>
+          </a:blip>
+          <a:srcRect/>
+          <a:stretch>
+            <a:fillRect/>
+          </a:stretch>
+        </p:blipFill>
+        <p:spPr bwMode="auto">
+          <a:xfrm>
+            <a:off x="5277394" y="0"/>
+            <a:ext cx="6914606" cy="6885183"/>
+          </a:xfrm>
+          <a:prstGeom prst="rect">
+            <a:avLst/>
+          </a:prstGeom>
+          <a:noFill/>
+          <a:extLst>
+            <a:ext uri="{909E8E84-426E-40DD-AFC4-6F175D3DCCD1}">
+              <a14:hiddenFill xmlns:a14="http://schemas.microsoft.com/office/drawing/2010/main">
+                <a:solidFill>
+                  <a:srgbClr val="FFFFFF"/>
+                </a:solidFill>
+              </a14:hiddenFill>
+            </a:ext>
+          </a:extLst>
+        </p:spPr>
+      </p:pic>
     </p:spTree>
     <p:extLst>
       <p:ext uri="{BB962C8B-B14F-4D97-AF65-F5344CB8AC3E}">
-        <p14:creationId xmlns:p14="http://schemas.microsoft.com/office/powerpoint/2010/main" val="2284720730"/>
+        <p14:creationId xmlns:p14="http://schemas.microsoft.com/office/powerpoint/2010/main" val="1900385683"/>
       </p:ext>
     </p:extLst>
   </p:cSld>
@@ -4495,7 +5964,7 @@
           <a:p>
             <a:r>
               <a:rPr lang="en-GB" dirty="0" smtClean="0"/>
-              <a:t>Quorum</a:t>
+              <a:t>The Final Demo</a:t>
             </a:r>
             <a:endParaRPr lang="en-GB" dirty="0"/>
           </a:p>
@@ -4516,14 +5985,14 @@
           <a:bodyPr/>
           <a:lstStyle/>
           <a:p>
-            <a:endParaRPr lang="en-GB"/>
+            <a:endParaRPr lang="en-GB" dirty="0"/>
           </a:p>
         </p:txBody>
       </p:sp>
     </p:spTree>
     <p:extLst>
       <p:ext uri="{BB962C8B-B14F-4D97-AF65-F5344CB8AC3E}">
-        <p14:creationId xmlns:p14="http://schemas.microsoft.com/office/powerpoint/2010/main" val="2406421896"/>
+        <p14:creationId xmlns:p14="http://schemas.microsoft.com/office/powerpoint/2010/main" val="2284720730"/>
       </p:ext>
     </p:extLst>
   </p:cSld>
@@ -4574,7 +6043,7 @@
           <a:p>
             <a:r>
               <a:rPr lang="en-GB" dirty="0" smtClean="0"/>
-              <a:t>Prologue</a:t>
+              <a:t>What is Spotify?</a:t>
             </a:r>
             <a:endParaRPr lang="en-GB" dirty="0"/>
           </a:p>
@@ -4592,10 +6061,402 @@
         </p:nvSpPr>
         <p:spPr/>
         <p:txBody>
-          <a:bodyPr/>
-          <a:lstStyle/>
-          <a:p>
-            <a:endParaRPr lang="en-GB"/>
+          <a:bodyPr>
+            <a:normAutofit/>
+          </a:bodyPr>
+          <a:lstStyle/>
+          <a:p>
+            <a:pPr marL="0" indent="0">
+              <a:buNone/>
+            </a:pPr>
+            <a:r>
+              <a:rPr lang="en-GB" sz="5400" dirty="0" smtClean="0"/>
+              <a:t>Music streaming service</a:t>
+            </a:r>
+          </a:p>
+          <a:p>
+            <a:pPr marL="0" indent="0">
+              <a:buNone/>
+            </a:pPr>
+            <a:r>
+              <a:rPr lang="en-GB" sz="5400" dirty="0" smtClean="0"/>
+              <a:t>2008, Sweden, 60m (15m paid) Users, 38m tracks</a:t>
+            </a:r>
+            <a:endParaRPr lang="en-GB" sz="5400" dirty="0" smtClean="0"/>
+          </a:p>
+          <a:p>
+            <a:pPr marL="0" indent="0">
+              <a:buNone/>
+            </a:pPr>
+            <a:endParaRPr lang="en-GB" sz="5400" dirty="0"/>
+          </a:p>
+        </p:txBody>
+      </p:sp>
+    </p:spTree>
+    <p:extLst>
+      <p:ext uri="{BB962C8B-B14F-4D97-AF65-F5344CB8AC3E}">
+        <p14:creationId xmlns:p14="http://schemas.microsoft.com/office/powerpoint/2010/main" val="2406421896"/>
+      </p:ext>
+    </p:extLst>
+  </p:cSld>
+  <p:clrMapOvr>
+    <a:masterClrMapping/>
+  </p:clrMapOvr>
+  <p:timing>
+    <p:tnLst>
+      <p:par>
+        <p:cTn id="1" dur="indefinite" restart="never" nodeType="tmRoot"/>
+      </p:par>
+    </p:tnLst>
+  </p:timing>
+</p:sld>
+</file>
+
+<file path=ppt/slides/slide7.xml><?xml version="1.0" encoding="utf-8"?>
+<p:sld xmlns:a="http://schemas.openxmlformats.org/drawingml/2006/main" xmlns:r="http://schemas.openxmlformats.org/officeDocument/2006/relationships" xmlns:p="http://schemas.openxmlformats.org/presentationml/2006/main">
+  <p:cSld>
+    <p:spTree>
+      <p:nvGrpSpPr>
+        <p:cNvPr id="1" name=""/>
+        <p:cNvGrpSpPr/>
+        <p:nvPr/>
+      </p:nvGrpSpPr>
+      <p:grpSpPr>
+        <a:xfrm>
+          <a:off x="0" y="0"/>
+          <a:ext cx="0" cy="0"/>
+          <a:chOff x="0" y="0"/>
+          <a:chExt cx="0" cy="0"/>
+        </a:xfrm>
+      </p:grpSpPr>
+      <p:sp>
+        <p:nvSpPr>
+          <p:cNvPr id="2" name="Title 1"/>
+          <p:cNvSpPr>
+            <a:spLocks noGrp="1"/>
+          </p:cNvSpPr>
+          <p:nvPr>
+            <p:ph type="title"/>
+          </p:nvPr>
+        </p:nvSpPr>
+        <p:spPr/>
+        <p:txBody>
+          <a:bodyPr/>
+          <a:lstStyle/>
+          <a:p>
+            <a:r>
+              <a:rPr lang="en-GB" dirty="0" smtClean="0"/>
+              <a:t>What is Spotify?</a:t>
+            </a:r>
+            <a:endParaRPr lang="en-GB" dirty="0"/>
+          </a:p>
+        </p:txBody>
+      </p:sp>
+      <p:pic>
+        <p:nvPicPr>
+          <p:cNvPr id="4" name="Content Placeholder 3"/>
+          <p:cNvPicPr>
+            <a:picLocks noGrp="1" noChangeAspect="1"/>
+          </p:cNvPicPr>
+          <p:nvPr>
+            <p:ph idx="1"/>
+          </p:nvPr>
+        </p:nvPicPr>
+        <p:blipFill>
+          <a:blip r:embed="rId3"/>
+          <a:stretch>
+            <a:fillRect/>
+          </a:stretch>
+        </p:blipFill>
+        <p:spPr>
+          <a:xfrm>
+            <a:off x="877389" y="-2097"/>
+            <a:ext cx="10476411" cy="6860097"/>
+          </a:xfrm>
+          <a:prstGeom prst="rect">
+            <a:avLst/>
+          </a:prstGeom>
+        </p:spPr>
+      </p:pic>
+    </p:spTree>
+    <p:extLst>
+      <p:ext uri="{BB962C8B-B14F-4D97-AF65-F5344CB8AC3E}">
+        <p14:creationId xmlns:p14="http://schemas.microsoft.com/office/powerpoint/2010/main" val="2867505721"/>
+      </p:ext>
+    </p:extLst>
+  </p:cSld>
+  <p:clrMapOvr>
+    <a:masterClrMapping/>
+  </p:clrMapOvr>
+  <p:timing>
+    <p:tnLst>
+      <p:par>
+        <p:cTn id="1" dur="indefinite" restart="never" nodeType="tmRoot"/>
+      </p:par>
+    </p:tnLst>
+  </p:timing>
+</p:sld>
+</file>
+
+<file path=ppt/slides/slide8.xml><?xml version="1.0" encoding="utf-8"?>
+<p:sld xmlns:a="http://schemas.openxmlformats.org/drawingml/2006/main" xmlns:r="http://schemas.openxmlformats.org/officeDocument/2006/relationships" xmlns:p="http://schemas.openxmlformats.org/presentationml/2006/main">
+  <p:cSld>
+    <p:spTree>
+      <p:nvGrpSpPr>
+        <p:cNvPr id="1" name=""/>
+        <p:cNvGrpSpPr/>
+        <p:nvPr/>
+      </p:nvGrpSpPr>
+      <p:grpSpPr>
+        <a:xfrm>
+          <a:off x="0" y="0"/>
+          <a:ext cx="0" cy="0"/>
+          <a:chOff x="0" y="0"/>
+          <a:chExt cx="0" cy="0"/>
+        </a:xfrm>
+      </p:grpSpPr>
+      <p:sp>
+        <p:nvSpPr>
+          <p:cNvPr id="2" name="Title 1"/>
+          <p:cNvSpPr>
+            <a:spLocks noGrp="1"/>
+          </p:cNvSpPr>
+          <p:nvPr>
+            <p:ph type="title"/>
+          </p:nvPr>
+        </p:nvSpPr>
+        <p:spPr/>
+        <p:txBody>
+          <a:bodyPr/>
+          <a:lstStyle/>
+          <a:p>
+            <a:r>
+              <a:rPr lang="en-GB" dirty="0" smtClean="0"/>
+              <a:t>There is a Web API to do stuff</a:t>
+            </a:r>
+            <a:endParaRPr lang="en-GB" dirty="0"/>
+          </a:p>
+        </p:txBody>
+      </p:sp>
+      <p:sp>
+        <p:nvSpPr>
+          <p:cNvPr id="3" name="Content Placeholder 2"/>
+          <p:cNvSpPr>
+            <a:spLocks noGrp="1"/>
+          </p:cNvSpPr>
+          <p:nvPr>
+            <p:ph idx="1"/>
+          </p:nvPr>
+        </p:nvSpPr>
+        <p:spPr/>
+        <p:txBody>
+          <a:bodyPr>
+            <a:normAutofit/>
+          </a:bodyPr>
+          <a:lstStyle/>
+          <a:p>
+            <a:pPr marL="0" indent="0">
+              <a:buNone/>
+            </a:pPr>
+            <a:r>
+              <a:rPr lang="en-GB" sz="4800" dirty="0" smtClean="0"/>
+              <a:t>Explore Spotify catalogue</a:t>
+            </a:r>
+          </a:p>
+          <a:p>
+            <a:pPr marL="0" indent="0">
+              <a:buNone/>
+            </a:pPr>
+            <a:endParaRPr lang="en-GB" sz="4800" dirty="0" smtClean="0"/>
+          </a:p>
+          <a:p>
+            <a:pPr marL="0" indent="0">
+              <a:buNone/>
+            </a:pPr>
+            <a:r>
+              <a:rPr lang="en-GB" sz="4800" dirty="0" smtClean="0"/>
+              <a:t>Create and add tracks to playlists</a:t>
+            </a:r>
+            <a:endParaRPr lang="en-GB" sz="4800" dirty="0"/>
+          </a:p>
+        </p:txBody>
+      </p:sp>
+    </p:spTree>
+    <p:extLst>
+      <p:ext uri="{BB962C8B-B14F-4D97-AF65-F5344CB8AC3E}">
+        <p14:creationId xmlns:p14="http://schemas.microsoft.com/office/powerpoint/2010/main" val="1063986736"/>
+      </p:ext>
+    </p:extLst>
+  </p:cSld>
+  <p:clrMapOvr>
+    <a:masterClrMapping/>
+  </p:clrMapOvr>
+  <p:timing>
+    <p:tnLst>
+      <p:par>
+        <p:cTn id="1" dur="indefinite" restart="never" nodeType="tmRoot"/>
+      </p:par>
+    </p:tnLst>
+  </p:timing>
+</p:sld>
+</file>
+
+<file path=ppt/slides/slide9.xml><?xml version="1.0" encoding="utf-8"?>
+<p:sld xmlns:a="http://schemas.openxmlformats.org/drawingml/2006/main" xmlns:r="http://schemas.openxmlformats.org/officeDocument/2006/relationships" xmlns:p="http://schemas.openxmlformats.org/presentationml/2006/main">
+  <p:cSld>
+    <p:spTree>
+      <p:nvGrpSpPr>
+        <p:cNvPr id="1" name=""/>
+        <p:cNvGrpSpPr/>
+        <p:nvPr/>
+      </p:nvGrpSpPr>
+      <p:grpSpPr>
+        <a:xfrm>
+          <a:off x="0" y="0"/>
+          <a:ext cx="0" cy="0"/>
+          <a:chOff x="0" y="0"/>
+          <a:chExt cx="0" cy="0"/>
+        </a:xfrm>
+      </p:grpSpPr>
+      <p:sp>
+        <p:nvSpPr>
+          <p:cNvPr id="3" name="Content Placeholder 2"/>
+          <p:cNvSpPr>
+            <a:spLocks noGrp="1"/>
+          </p:cNvSpPr>
+          <p:nvPr>
+            <p:ph idx="1"/>
+          </p:nvPr>
+        </p:nvSpPr>
+        <p:spPr>
+          <a:xfrm>
+            <a:off x="838200" y="3030583"/>
+            <a:ext cx="10515600" cy="3146380"/>
+          </a:xfrm>
+        </p:spPr>
+        <p:txBody>
+          <a:bodyPr>
+            <a:normAutofit/>
+          </a:bodyPr>
+          <a:lstStyle/>
+          <a:p>
+            <a:pPr marL="0" indent="0">
+              <a:buNone/>
+            </a:pPr>
+            <a:r>
+              <a:rPr lang="en-GB" sz="6000" dirty="0"/>
+              <a:t> </a:t>
+            </a:r>
+            <a:r>
+              <a:rPr lang="en-GB" sz="4800" dirty="0"/>
+              <a:t>iframe </a:t>
+            </a:r>
+            <a:r>
+              <a:rPr lang="en-GB" sz="4800" dirty="0" err="1"/>
+              <a:t>src</a:t>
+            </a:r>
+            <a:r>
+              <a:rPr lang="en-GB" sz="4800" dirty="0"/>
+              <a:t>="</a:t>
+            </a:r>
+            <a:r>
+              <a:rPr lang="en-GB" sz="4800" u="sng" dirty="0">
+                <a:hlinkClick r:id="rId3"/>
+              </a:rPr>
+              <a:t>https://embed.spotify.com/?</a:t>
+            </a:r>
+            <a:r>
+              <a:rPr lang="en-GB" sz="4800" u="sng" dirty="0" err="1">
+                <a:hlinkClick r:id="rId3"/>
+              </a:rPr>
+              <a:t>uri</a:t>
+            </a:r>
+            <a:r>
+              <a:rPr lang="en-GB" sz="4800" u="sng" dirty="0">
+                <a:hlinkClick r:id="rId3"/>
+              </a:rPr>
+              <a:t>=spotify:track:0mDHS1Q7HGtpgjYAyG2Svn</a:t>
+            </a:r>
+            <a:r>
+              <a:rPr lang="en-GB" sz="4800" u="sng" dirty="0" smtClean="0">
+                <a:hlinkClick r:id="rId3"/>
+              </a:rPr>
+              <a:t>"</a:t>
+            </a:r>
+            <a:r>
+              <a:rPr lang="en-GB" sz="4800" dirty="0" smtClean="0"/>
+              <a:t>&gt;</a:t>
+            </a:r>
+            <a:endParaRPr lang="en-GB" sz="4800" dirty="0"/>
+          </a:p>
+        </p:txBody>
+      </p:sp>
+      <p:pic>
+        <p:nvPicPr>
+          <p:cNvPr id="4098" name="Picture 2" descr="image"/>
+          <p:cNvPicPr>
+            <a:picLocks noChangeAspect="1" noChangeArrowheads="1"/>
+          </p:cNvPicPr>
+          <p:nvPr/>
+        </p:nvPicPr>
+        <p:blipFill>
+          <a:blip r:embed="rId4">
+            <a:extLst>
+              <a:ext uri="{28A0092B-C50C-407E-A947-70E740481C1C}">
+                <a14:useLocalDpi xmlns:a14="http://schemas.microsoft.com/office/drawing/2010/main" val="0"/>
+              </a:ext>
+            </a:extLst>
+          </a:blip>
+          <a:srcRect/>
+          <a:stretch>
+            <a:fillRect/>
+          </a:stretch>
+        </p:blipFill>
+        <p:spPr bwMode="auto">
+          <a:xfrm>
+            <a:off x="6096000" y="0"/>
+            <a:ext cx="6126176" cy="2435406"/>
+          </a:xfrm>
+          <a:prstGeom prst="rect">
+            <a:avLst/>
+          </a:prstGeom>
+          <a:noFill/>
+          <a:extLst>
+            <a:ext uri="{909E8E84-426E-40DD-AFC4-6F175D3DCCD1}">
+              <a14:hiddenFill xmlns:a14="http://schemas.microsoft.com/office/drawing/2010/main">
+                <a:solidFill>
+                  <a:srgbClr val="FFFFFF"/>
+                </a:solidFill>
+              </a14:hiddenFill>
+            </a:ext>
+          </a:extLst>
+        </p:spPr>
+      </p:pic>
+      <p:sp>
+        <p:nvSpPr>
+          <p:cNvPr id="4" name="Title 3"/>
+          <p:cNvSpPr>
+            <a:spLocks noGrp="1"/>
+          </p:cNvSpPr>
+          <p:nvPr>
+            <p:ph type="title"/>
+          </p:nvPr>
+        </p:nvSpPr>
+        <p:spPr>
+          <a:xfrm>
+            <a:off x="838200" y="365125"/>
+            <a:ext cx="4389424" cy="1460500"/>
+          </a:xfrm>
+        </p:spPr>
+        <p:txBody>
+          <a:bodyPr/>
+          <a:lstStyle/>
+          <a:p>
+            <a:r>
+              <a:rPr lang="en-GB" dirty="0" smtClean="0"/>
+              <a:t>Embed</a:t>
+            </a:r>
+            <a:endParaRPr lang="en-GB" dirty="0"/>
           </a:p>
         </p:txBody>
       </p:sp>

--- a/Documents/DavesTopMusic.pptx
+++ b/Documents/DavesTopMusic.pptx
@@ -5,7 +5,7 @@
     <p:sldMasterId id="2147483648" r:id="rId1"/>
   </p:sldMasterIdLst>
   <p:notesMasterIdLst>
-    <p:notesMasterId r:id="rId14"/>
+    <p:notesMasterId r:id="rId34"/>
   </p:notesMasterIdLst>
   <p:sldIdLst>
     <p:sldId id="256" r:id="rId2"/>
@@ -15,11 +15,31 @@
     <p:sldId id="258" r:id="rId6"/>
     <p:sldId id="259" r:id="rId7"/>
     <p:sldId id="263" r:id="rId8"/>
-    <p:sldId id="264" r:id="rId9"/>
-    <p:sldId id="257" r:id="rId10"/>
-    <p:sldId id="265" r:id="rId11"/>
-    <p:sldId id="266" r:id="rId12"/>
-    <p:sldId id="267" r:id="rId13"/>
+    <p:sldId id="257" r:id="rId9"/>
+    <p:sldId id="265" r:id="rId10"/>
+    <p:sldId id="264" r:id="rId11"/>
+    <p:sldId id="268" r:id="rId12"/>
+    <p:sldId id="266" r:id="rId13"/>
+    <p:sldId id="269" r:id="rId14"/>
+    <p:sldId id="267" r:id="rId15"/>
+    <p:sldId id="270" r:id="rId16"/>
+    <p:sldId id="271" r:id="rId17"/>
+    <p:sldId id="272" r:id="rId18"/>
+    <p:sldId id="273" r:id="rId19"/>
+    <p:sldId id="274" r:id="rId20"/>
+    <p:sldId id="275" r:id="rId21"/>
+    <p:sldId id="276" r:id="rId22"/>
+    <p:sldId id="277" r:id="rId23"/>
+    <p:sldId id="278" r:id="rId24"/>
+    <p:sldId id="279" r:id="rId25"/>
+    <p:sldId id="280" r:id="rId26"/>
+    <p:sldId id="281" r:id="rId27"/>
+    <p:sldId id="282" r:id="rId28"/>
+    <p:sldId id="286" r:id="rId29"/>
+    <p:sldId id="287" r:id="rId30"/>
+    <p:sldId id="283" r:id="rId31"/>
+    <p:sldId id="284" r:id="rId32"/>
+    <p:sldId id="285" r:id="rId33"/>
   </p:sldIdLst>
   <p:sldSz cx="12192000" cy="6858000"/>
   <p:notesSz cx="6858000" cy="9144000"/>
@@ -637,7 +657,7 @@
     </p:spTree>
     <p:extLst>
       <p:ext uri="{BB962C8B-B14F-4D97-AF65-F5344CB8AC3E}">
-        <p14:creationId xmlns:p14="http://schemas.microsoft.com/office/powerpoint/2010/main" val="1199013779"/>
+        <p14:creationId xmlns:p14="http://schemas.microsoft.com/office/powerpoint/2010/main" val="899699956"/>
       </p:ext>
     </p:extLst>
   </p:cSld>
@@ -721,7 +741,679 @@
     </p:spTree>
     <p:extLst>
       <p:ext uri="{BB962C8B-B14F-4D97-AF65-F5344CB8AC3E}">
+        <p14:creationId xmlns:p14="http://schemas.microsoft.com/office/powerpoint/2010/main" val="1318404953"/>
+      </p:ext>
+    </p:extLst>
+  </p:cSld>
+  <p:clrMapOvr>
+    <a:masterClrMapping/>
+  </p:clrMapOvr>
+</p:notes>
+</file>
+
+<file path=ppt/notesSlides/notesSlide12.xml><?xml version="1.0" encoding="utf-8"?>
+<p:notes xmlns:a="http://schemas.openxmlformats.org/drawingml/2006/main" xmlns:r="http://schemas.openxmlformats.org/officeDocument/2006/relationships" xmlns:p="http://schemas.openxmlformats.org/presentationml/2006/main">
+  <p:cSld>
+    <p:spTree>
+      <p:nvGrpSpPr>
+        <p:cNvPr id="1" name=""/>
+        <p:cNvGrpSpPr/>
+        <p:nvPr/>
+      </p:nvGrpSpPr>
+      <p:grpSpPr>
+        <a:xfrm>
+          <a:off x="0" y="0"/>
+          <a:ext cx="0" cy="0"/>
+          <a:chOff x="0" y="0"/>
+          <a:chExt cx="0" cy="0"/>
+        </a:xfrm>
+      </p:grpSpPr>
+      <p:sp>
+        <p:nvSpPr>
+          <p:cNvPr id="2" name="Slide Image Placeholder 1"/>
+          <p:cNvSpPr>
+            <a:spLocks noGrp="1" noRot="1" noChangeAspect="1"/>
+          </p:cNvSpPr>
+          <p:nvPr>
+            <p:ph type="sldImg"/>
+          </p:nvPr>
+        </p:nvSpPr>
+        <p:spPr/>
+      </p:sp>
+      <p:sp>
+        <p:nvSpPr>
+          <p:cNvPr id="3" name="Notes Placeholder 2"/>
+          <p:cNvSpPr>
+            <a:spLocks noGrp="1"/>
+          </p:cNvSpPr>
+          <p:nvPr>
+            <p:ph type="body" idx="1"/>
+          </p:nvPr>
+        </p:nvSpPr>
+        <p:spPr/>
+        <p:txBody>
+          <a:bodyPr/>
+          <a:lstStyle/>
+          <a:p>
+            <a:endParaRPr lang="en-GB" dirty="0"/>
+          </a:p>
+        </p:txBody>
+      </p:sp>
+      <p:sp>
+        <p:nvSpPr>
+          <p:cNvPr id="4" name="Slide Number Placeholder 3"/>
+          <p:cNvSpPr>
+            <a:spLocks noGrp="1"/>
+          </p:cNvSpPr>
+          <p:nvPr>
+            <p:ph type="sldNum" sz="quarter" idx="10"/>
+          </p:nvPr>
+        </p:nvSpPr>
+        <p:spPr/>
+        <p:txBody>
+          <a:bodyPr/>
+          <a:lstStyle/>
+          <a:p>
+            <a:fld id="{F6AE6D5B-B1C4-4F57-98D1-0105294F2AB3}" type="slidenum">
+              <a:rPr lang="en-GB" smtClean="0"/>
+              <a:t>12</a:t>
+            </a:fld>
+            <a:endParaRPr lang="en-GB"/>
+          </a:p>
+        </p:txBody>
+      </p:sp>
+    </p:spTree>
+    <p:extLst>
+      <p:ext uri="{BB962C8B-B14F-4D97-AF65-F5344CB8AC3E}">
         <p14:creationId xmlns:p14="http://schemas.microsoft.com/office/powerpoint/2010/main" val="3496184003"/>
+      </p:ext>
+    </p:extLst>
+  </p:cSld>
+  <p:clrMapOvr>
+    <a:masterClrMapping/>
+  </p:clrMapOvr>
+</p:notes>
+</file>
+
+<file path=ppt/notesSlides/notesSlide13.xml><?xml version="1.0" encoding="utf-8"?>
+<p:notes xmlns:a="http://schemas.openxmlformats.org/drawingml/2006/main" xmlns:r="http://schemas.openxmlformats.org/officeDocument/2006/relationships" xmlns:p="http://schemas.openxmlformats.org/presentationml/2006/main">
+  <p:cSld>
+    <p:spTree>
+      <p:nvGrpSpPr>
+        <p:cNvPr id="1" name=""/>
+        <p:cNvGrpSpPr/>
+        <p:nvPr/>
+      </p:nvGrpSpPr>
+      <p:grpSpPr>
+        <a:xfrm>
+          <a:off x="0" y="0"/>
+          <a:ext cx="0" cy="0"/>
+          <a:chOff x="0" y="0"/>
+          <a:chExt cx="0" cy="0"/>
+        </a:xfrm>
+      </p:grpSpPr>
+      <p:sp>
+        <p:nvSpPr>
+          <p:cNvPr id="2" name="Slide Image Placeholder 1"/>
+          <p:cNvSpPr>
+            <a:spLocks noGrp="1" noRot="1" noChangeAspect="1"/>
+          </p:cNvSpPr>
+          <p:nvPr>
+            <p:ph type="sldImg"/>
+          </p:nvPr>
+        </p:nvSpPr>
+        <p:spPr/>
+      </p:sp>
+      <p:sp>
+        <p:nvSpPr>
+          <p:cNvPr id="3" name="Notes Placeholder 2"/>
+          <p:cNvSpPr>
+            <a:spLocks noGrp="1"/>
+          </p:cNvSpPr>
+          <p:nvPr>
+            <p:ph type="body" idx="1"/>
+          </p:nvPr>
+        </p:nvSpPr>
+        <p:spPr/>
+        <p:txBody>
+          <a:bodyPr/>
+          <a:lstStyle/>
+          <a:p>
+            <a:endParaRPr lang="en-GB" dirty="0"/>
+          </a:p>
+        </p:txBody>
+      </p:sp>
+      <p:sp>
+        <p:nvSpPr>
+          <p:cNvPr id="4" name="Slide Number Placeholder 3"/>
+          <p:cNvSpPr>
+            <a:spLocks noGrp="1"/>
+          </p:cNvSpPr>
+          <p:nvPr>
+            <p:ph type="sldNum" sz="quarter" idx="10"/>
+          </p:nvPr>
+        </p:nvSpPr>
+        <p:spPr/>
+        <p:txBody>
+          <a:bodyPr/>
+          <a:lstStyle/>
+          <a:p>
+            <a:fld id="{F6AE6D5B-B1C4-4F57-98D1-0105294F2AB3}" type="slidenum">
+              <a:rPr lang="en-GB" smtClean="0"/>
+              <a:t>13</a:t>
+            </a:fld>
+            <a:endParaRPr lang="en-GB"/>
+          </a:p>
+        </p:txBody>
+      </p:sp>
+    </p:spTree>
+    <p:extLst>
+      <p:ext uri="{BB962C8B-B14F-4D97-AF65-F5344CB8AC3E}">
+        <p14:creationId xmlns:p14="http://schemas.microsoft.com/office/powerpoint/2010/main" val="4033119097"/>
+      </p:ext>
+    </p:extLst>
+  </p:cSld>
+  <p:clrMapOvr>
+    <a:masterClrMapping/>
+  </p:clrMapOvr>
+</p:notes>
+</file>
+
+<file path=ppt/notesSlides/notesSlide14.xml><?xml version="1.0" encoding="utf-8"?>
+<p:notes xmlns:a="http://schemas.openxmlformats.org/drawingml/2006/main" xmlns:r="http://schemas.openxmlformats.org/officeDocument/2006/relationships" xmlns:p="http://schemas.openxmlformats.org/presentationml/2006/main">
+  <p:cSld>
+    <p:spTree>
+      <p:nvGrpSpPr>
+        <p:cNvPr id="1" name=""/>
+        <p:cNvGrpSpPr/>
+        <p:nvPr/>
+      </p:nvGrpSpPr>
+      <p:grpSpPr>
+        <a:xfrm>
+          <a:off x="0" y="0"/>
+          <a:ext cx="0" cy="0"/>
+          <a:chOff x="0" y="0"/>
+          <a:chExt cx="0" cy="0"/>
+        </a:xfrm>
+      </p:grpSpPr>
+      <p:sp>
+        <p:nvSpPr>
+          <p:cNvPr id="2" name="Slide Image Placeholder 1"/>
+          <p:cNvSpPr>
+            <a:spLocks noGrp="1" noRot="1" noChangeAspect="1"/>
+          </p:cNvSpPr>
+          <p:nvPr>
+            <p:ph type="sldImg"/>
+          </p:nvPr>
+        </p:nvSpPr>
+        <p:spPr/>
+      </p:sp>
+      <p:sp>
+        <p:nvSpPr>
+          <p:cNvPr id="3" name="Notes Placeholder 2"/>
+          <p:cNvSpPr>
+            <a:spLocks noGrp="1"/>
+          </p:cNvSpPr>
+          <p:nvPr>
+            <p:ph type="body" idx="1"/>
+          </p:nvPr>
+        </p:nvSpPr>
+        <p:spPr/>
+        <p:txBody>
+          <a:bodyPr/>
+          <a:lstStyle/>
+          <a:p>
+            <a:endParaRPr lang="en-GB" dirty="0"/>
+          </a:p>
+        </p:txBody>
+      </p:sp>
+      <p:sp>
+        <p:nvSpPr>
+          <p:cNvPr id="4" name="Slide Number Placeholder 3"/>
+          <p:cNvSpPr>
+            <a:spLocks noGrp="1"/>
+          </p:cNvSpPr>
+          <p:nvPr>
+            <p:ph type="sldNum" sz="quarter" idx="10"/>
+          </p:nvPr>
+        </p:nvSpPr>
+        <p:spPr/>
+        <p:txBody>
+          <a:bodyPr/>
+          <a:lstStyle/>
+          <a:p>
+            <a:fld id="{F6AE6D5B-B1C4-4F57-98D1-0105294F2AB3}" type="slidenum">
+              <a:rPr lang="en-GB" smtClean="0"/>
+              <a:t>15</a:t>
+            </a:fld>
+            <a:endParaRPr lang="en-GB"/>
+          </a:p>
+        </p:txBody>
+      </p:sp>
+    </p:spTree>
+    <p:extLst>
+      <p:ext uri="{BB962C8B-B14F-4D97-AF65-F5344CB8AC3E}">
+        <p14:creationId xmlns:p14="http://schemas.microsoft.com/office/powerpoint/2010/main" val="2838708749"/>
+      </p:ext>
+    </p:extLst>
+  </p:cSld>
+  <p:clrMapOvr>
+    <a:masterClrMapping/>
+  </p:clrMapOvr>
+</p:notes>
+</file>
+
+<file path=ppt/notesSlides/notesSlide15.xml><?xml version="1.0" encoding="utf-8"?>
+<p:notes xmlns:a="http://schemas.openxmlformats.org/drawingml/2006/main" xmlns:r="http://schemas.openxmlformats.org/officeDocument/2006/relationships" xmlns:p="http://schemas.openxmlformats.org/presentationml/2006/main">
+  <p:cSld>
+    <p:spTree>
+      <p:nvGrpSpPr>
+        <p:cNvPr id="1" name=""/>
+        <p:cNvGrpSpPr/>
+        <p:nvPr/>
+      </p:nvGrpSpPr>
+      <p:grpSpPr>
+        <a:xfrm>
+          <a:off x="0" y="0"/>
+          <a:ext cx="0" cy="0"/>
+          <a:chOff x="0" y="0"/>
+          <a:chExt cx="0" cy="0"/>
+        </a:xfrm>
+      </p:grpSpPr>
+      <p:sp>
+        <p:nvSpPr>
+          <p:cNvPr id="2" name="Slide Image Placeholder 1"/>
+          <p:cNvSpPr>
+            <a:spLocks noGrp="1" noRot="1" noChangeAspect="1"/>
+          </p:cNvSpPr>
+          <p:nvPr>
+            <p:ph type="sldImg"/>
+          </p:nvPr>
+        </p:nvSpPr>
+        <p:spPr/>
+      </p:sp>
+      <p:sp>
+        <p:nvSpPr>
+          <p:cNvPr id="3" name="Notes Placeholder 2"/>
+          <p:cNvSpPr>
+            <a:spLocks noGrp="1"/>
+          </p:cNvSpPr>
+          <p:nvPr>
+            <p:ph type="body" idx="1"/>
+          </p:nvPr>
+        </p:nvSpPr>
+        <p:spPr/>
+        <p:txBody>
+          <a:bodyPr/>
+          <a:lstStyle/>
+          <a:p>
+            <a:endParaRPr lang="en-GB" dirty="0"/>
+          </a:p>
+        </p:txBody>
+      </p:sp>
+      <p:sp>
+        <p:nvSpPr>
+          <p:cNvPr id="4" name="Slide Number Placeholder 3"/>
+          <p:cNvSpPr>
+            <a:spLocks noGrp="1"/>
+          </p:cNvSpPr>
+          <p:nvPr>
+            <p:ph type="sldNum" sz="quarter" idx="10"/>
+          </p:nvPr>
+        </p:nvSpPr>
+        <p:spPr/>
+        <p:txBody>
+          <a:bodyPr/>
+          <a:lstStyle/>
+          <a:p>
+            <a:fld id="{F6AE6D5B-B1C4-4F57-98D1-0105294F2AB3}" type="slidenum">
+              <a:rPr lang="en-GB" smtClean="0"/>
+              <a:t>16</a:t>
+            </a:fld>
+            <a:endParaRPr lang="en-GB"/>
+          </a:p>
+        </p:txBody>
+      </p:sp>
+    </p:spTree>
+    <p:extLst>
+      <p:ext uri="{BB962C8B-B14F-4D97-AF65-F5344CB8AC3E}">
+        <p14:creationId xmlns:p14="http://schemas.microsoft.com/office/powerpoint/2010/main" val="2062467740"/>
+      </p:ext>
+    </p:extLst>
+  </p:cSld>
+  <p:clrMapOvr>
+    <a:masterClrMapping/>
+  </p:clrMapOvr>
+</p:notes>
+</file>
+
+<file path=ppt/notesSlides/notesSlide16.xml><?xml version="1.0" encoding="utf-8"?>
+<p:notes xmlns:a="http://schemas.openxmlformats.org/drawingml/2006/main" xmlns:r="http://schemas.openxmlformats.org/officeDocument/2006/relationships" xmlns:p="http://schemas.openxmlformats.org/presentationml/2006/main">
+  <p:cSld>
+    <p:spTree>
+      <p:nvGrpSpPr>
+        <p:cNvPr id="1" name=""/>
+        <p:cNvGrpSpPr/>
+        <p:nvPr/>
+      </p:nvGrpSpPr>
+      <p:grpSpPr>
+        <a:xfrm>
+          <a:off x="0" y="0"/>
+          <a:ext cx="0" cy="0"/>
+          <a:chOff x="0" y="0"/>
+          <a:chExt cx="0" cy="0"/>
+        </a:xfrm>
+      </p:grpSpPr>
+      <p:sp>
+        <p:nvSpPr>
+          <p:cNvPr id="2" name="Slide Image Placeholder 1"/>
+          <p:cNvSpPr>
+            <a:spLocks noGrp="1" noRot="1" noChangeAspect="1"/>
+          </p:cNvSpPr>
+          <p:nvPr>
+            <p:ph type="sldImg"/>
+          </p:nvPr>
+        </p:nvSpPr>
+        <p:spPr/>
+      </p:sp>
+      <p:sp>
+        <p:nvSpPr>
+          <p:cNvPr id="3" name="Notes Placeholder 2"/>
+          <p:cNvSpPr>
+            <a:spLocks noGrp="1"/>
+          </p:cNvSpPr>
+          <p:nvPr>
+            <p:ph type="body" idx="1"/>
+          </p:nvPr>
+        </p:nvSpPr>
+        <p:spPr/>
+        <p:txBody>
+          <a:bodyPr/>
+          <a:lstStyle/>
+          <a:p>
+            <a:endParaRPr lang="en-GB" dirty="0"/>
+          </a:p>
+        </p:txBody>
+      </p:sp>
+      <p:sp>
+        <p:nvSpPr>
+          <p:cNvPr id="4" name="Slide Number Placeholder 3"/>
+          <p:cNvSpPr>
+            <a:spLocks noGrp="1"/>
+          </p:cNvSpPr>
+          <p:nvPr>
+            <p:ph type="sldNum" sz="quarter" idx="10"/>
+          </p:nvPr>
+        </p:nvSpPr>
+        <p:spPr/>
+        <p:txBody>
+          <a:bodyPr/>
+          <a:lstStyle/>
+          <a:p>
+            <a:fld id="{F6AE6D5B-B1C4-4F57-98D1-0105294F2AB3}" type="slidenum">
+              <a:rPr lang="en-GB" smtClean="0"/>
+              <a:t>17</a:t>
+            </a:fld>
+            <a:endParaRPr lang="en-GB"/>
+          </a:p>
+        </p:txBody>
+      </p:sp>
+    </p:spTree>
+    <p:extLst>
+      <p:ext uri="{BB962C8B-B14F-4D97-AF65-F5344CB8AC3E}">
+        <p14:creationId xmlns:p14="http://schemas.microsoft.com/office/powerpoint/2010/main" val="163187498"/>
+      </p:ext>
+    </p:extLst>
+  </p:cSld>
+  <p:clrMapOvr>
+    <a:masterClrMapping/>
+  </p:clrMapOvr>
+</p:notes>
+</file>
+
+<file path=ppt/notesSlides/notesSlide17.xml><?xml version="1.0" encoding="utf-8"?>
+<p:notes xmlns:a="http://schemas.openxmlformats.org/drawingml/2006/main" xmlns:r="http://schemas.openxmlformats.org/officeDocument/2006/relationships" xmlns:p="http://schemas.openxmlformats.org/presentationml/2006/main">
+  <p:cSld>
+    <p:spTree>
+      <p:nvGrpSpPr>
+        <p:cNvPr id="1" name=""/>
+        <p:cNvGrpSpPr/>
+        <p:nvPr/>
+      </p:nvGrpSpPr>
+      <p:grpSpPr>
+        <a:xfrm>
+          <a:off x="0" y="0"/>
+          <a:ext cx="0" cy="0"/>
+          <a:chOff x="0" y="0"/>
+          <a:chExt cx="0" cy="0"/>
+        </a:xfrm>
+      </p:grpSpPr>
+      <p:sp>
+        <p:nvSpPr>
+          <p:cNvPr id="2" name="Slide Image Placeholder 1"/>
+          <p:cNvSpPr>
+            <a:spLocks noGrp="1" noRot="1" noChangeAspect="1"/>
+          </p:cNvSpPr>
+          <p:nvPr>
+            <p:ph type="sldImg"/>
+          </p:nvPr>
+        </p:nvSpPr>
+        <p:spPr/>
+      </p:sp>
+      <p:sp>
+        <p:nvSpPr>
+          <p:cNvPr id="3" name="Notes Placeholder 2"/>
+          <p:cNvSpPr>
+            <a:spLocks noGrp="1"/>
+          </p:cNvSpPr>
+          <p:nvPr>
+            <p:ph type="body" idx="1"/>
+          </p:nvPr>
+        </p:nvSpPr>
+        <p:spPr/>
+        <p:txBody>
+          <a:bodyPr/>
+          <a:lstStyle/>
+          <a:p>
+            <a:endParaRPr lang="en-GB" dirty="0"/>
+          </a:p>
+        </p:txBody>
+      </p:sp>
+      <p:sp>
+        <p:nvSpPr>
+          <p:cNvPr id="4" name="Slide Number Placeholder 3"/>
+          <p:cNvSpPr>
+            <a:spLocks noGrp="1"/>
+          </p:cNvSpPr>
+          <p:nvPr>
+            <p:ph type="sldNum" sz="quarter" idx="10"/>
+          </p:nvPr>
+        </p:nvSpPr>
+        <p:spPr/>
+        <p:txBody>
+          <a:bodyPr/>
+          <a:lstStyle/>
+          <a:p>
+            <a:fld id="{F6AE6D5B-B1C4-4F57-98D1-0105294F2AB3}" type="slidenum">
+              <a:rPr lang="en-GB" smtClean="0"/>
+              <a:t>18</a:t>
+            </a:fld>
+            <a:endParaRPr lang="en-GB"/>
+          </a:p>
+        </p:txBody>
+      </p:sp>
+    </p:spTree>
+    <p:extLst>
+      <p:ext uri="{BB962C8B-B14F-4D97-AF65-F5344CB8AC3E}">
+        <p14:creationId xmlns:p14="http://schemas.microsoft.com/office/powerpoint/2010/main" val="3644521454"/>
+      </p:ext>
+    </p:extLst>
+  </p:cSld>
+  <p:clrMapOvr>
+    <a:masterClrMapping/>
+  </p:clrMapOvr>
+</p:notes>
+</file>
+
+<file path=ppt/notesSlides/notesSlide18.xml><?xml version="1.0" encoding="utf-8"?>
+<p:notes xmlns:a="http://schemas.openxmlformats.org/drawingml/2006/main" xmlns:r="http://schemas.openxmlformats.org/officeDocument/2006/relationships" xmlns:p="http://schemas.openxmlformats.org/presentationml/2006/main">
+  <p:cSld>
+    <p:spTree>
+      <p:nvGrpSpPr>
+        <p:cNvPr id="1" name=""/>
+        <p:cNvGrpSpPr/>
+        <p:nvPr/>
+      </p:nvGrpSpPr>
+      <p:grpSpPr>
+        <a:xfrm>
+          <a:off x="0" y="0"/>
+          <a:ext cx="0" cy="0"/>
+          <a:chOff x="0" y="0"/>
+          <a:chExt cx="0" cy="0"/>
+        </a:xfrm>
+      </p:grpSpPr>
+      <p:sp>
+        <p:nvSpPr>
+          <p:cNvPr id="2" name="Slide Image Placeholder 1"/>
+          <p:cNvSpPr>
+            <a:spLocks noGrp="1" noRot="1" noChangeAspect="1"/>
+          </p:cNvSpPr>
+          <p:nvPr>
+            <p:ph type="sldImg"/>
+          </p:nvPr>
+        </p:nvSpPr>
+        <p:spPr/>
+      </p:sp>
+      <p:sp>
+        <p:nvSpPr>
+          <p:cNvPr id="3" name="Notes Placeholder 2"/>
+          <p:cNvSpPr>
+            <a:spLocks noGrp="1"/>
+          </p:cNvSpPr>
+          <p:nvPr>
+            <p:ph type="body" idx="1"/>
+          </p:nvPr>
+        </p:nvSpPr>
+        <p:spPr/>
+        <p:txBody>
+          <a:bodyPr/>
+          <a:lstStyle/>
+          <a:p>
+            <a:endParaRPr lang="en-GB" dirty="0"/>
+          </a:p>
+        </p:txBody>
+      </p:sp>
+      <p:sp>
+        <p:nvSpPr>
+          <p:cNvPr id="4" name="Slide Number Placeholder 3"/>
+          <p:cNvSpPr>
+            <a:spLocks noGrp="1"/>
+          </p:cNvSpPr>
+          <p:nvPr>
+            <p:ph type="sldNum" sz="quarter" idx="10"/>
+          </p:nvPr>
+        </p:nvSpPr>
+        <p:spPr/>
+        <p:txBody>
+          <a:bodyPr/>
+          <a:lstStyle/>
+          <a:p>
+            <a:fld id="{F6AE6D5B-B1C4-4F57-98D1-0105294F2AB3}" type="slidenum">
+              <a:rPr lang="en-GB" smtClean="0"/>
+              <a:t>19</a:t>
+            </a:fld>
+            <a:endParaRPr lang="en-GB"/>
+          </a:p>
+        </p:txBody>
+      </p:sp>
+    </p:spTree>
+    <p:extLst>
+      <p:ext uri="{BB962C8B-B14F-4D97-AF65-F5344CB8AC3E}">
+        <p14:creationId xmlns:p14="http://schemas.microsoft.com/office/powerpoint/2010/main" val="54209032"/>
+      </p:ext>
+    </p:extLst>
+  </p:cSld>
+  <p:clrMapOvr>
+    <a:masterClrMapping/>
+  </p:clrMapOvr>
+</p:notes>
+</file>
+
+<file path=ppt/notesSlides/notesSlide19.xml><?xml version="1.0" encoding="utf-8"?>
+<p:notes xmlns:a="http://schemas.openxmlformats.org/drawingml/2006/main" xmlns:r="http://schemas.openxmlformats.org/officeDocument/2006/relationships" xmlns:p="http://schemas.openxmlformats.org/presentationml/2006/main">
+  <p:cSld>
+    <p:spTree>
+      <p:nvGrpSpPr>
+        <p:cNvPr id="1" name=""/>
+        <p:cNvGrpSpPr/>
+        <p:nvPr/>
+      </p:nvGrpSpPr>
+      <p:grpSpPr>
+        <a:xfrm>
+          <a:off x="0" y="0"/>
+          <a:ext cx="0" cy="0"/>
+          <a:chOff x="0" y="0"/>
+          <a:chExt cx="0" cy="0"/>
+        </a:xfrm>
+      </p:grpSpPr>
+      <p:sp>
+        <p:nvSpPr>
+          <p:cNvPr id="2" name="Slide Image Placeholder 1"/>
+          <p:cNvSpPr>
+            <a:spLocks noGrp="1" noRot="1" noChangeAspect="1"/>
+          </p:cNvSpPr>
+          <p:nvPr>
+            <p:ph type="sldImg"/>
+          </p:nvPr>
+        </p:nvSpPr>
+        <p:spPr/>
+      </p:sp>
+      <p:sp>
+        <p:nvSpPr>
+          <p:cNvPr id="3" name="Notes Placeholder 2"/>
+          <p:cNvSpPr>
+            <a:spLocks noGrp="1"/>
+          </p:cNvSpPr>
+          <p:nvPr>
+            <p:ph type="body" idx="1"/>
+          </p:nvPr>
+        </p:nvSpPr>
+        <p:spPr/>
+        <p:txBody>
+          <a:bodyPr/>
+          <a:lstStyle/>
+          <a:p>
+            <a:endParaRPr lang="en-GB" dirty="0"/>
+          </a:p>
+        </p:txBody>
+      </p:sp>
+      <p:sp>
+        <p:nvSpPr>
+          <p:cNvPr id="4" name="Slide Number Placeholder 3"/>
+          <p:cNvSpPr>
+            <a:spLocks noGrp="1"/>
+          </p:cNvSpPr>
+          <p:nvPr>
+            <p:ph type="sldNum" sz="quarter" idx="10"/>
+          </p:nvPr>
+        </p:nvSpPr>
+        <p:spPr/>
+        <p:txBody>
+          <a:bodyPr/>
+          <a:lstStyle/>
+          <a:p>
+            <a:fld id="{F6AE6D5B-B1C4-4F57-98D1-0105294F2AB3}" type="slidenum">
+              <a:rPr lang="en-GB" smtClean="0"/>
+              <a:t>20</a:t>
+            </a:fld>
+            <a:endParaRPr lang="en-GB"/>
+          </a:p>
+        </p:txBody>
+      </p:sp>
+    </p:spTree>
+    <p:extLst>
+      <p:ext uri="{BB962C8B-B14F-4D97-AF65-F5344CB8AC3E}">
+        <p14:creationId xmlns:p14="http://schemas.microsoft.com/office/powerpoint/2010/main" val="295529957"/>
       </p:ext>
     </p:extLst>
   </p:cSld>
@@ -775,6 +1467,14 @@
           <a:bodyPr/>
           <a:lstStyle/>
           <a:p>
+            <a:r>
+              <a:rPr lang="en-GB" dirty="0" smtClean="0"/>
+              <a:t>The kind of clients we</a:t>
+            </a:r>
+            <a:r>
+              <a:rPr lang="en-GB" baseline="0" dirty="0" smtClean="0"/>
+              <a:t> work with</a:t>
+            </a:r>
             <a:endParaRPr lang="en-GB" dirty="0"/>
           </a:p>
         </p:txBody>
@@ -806,6 +1506,762 @@
     <p:extLst>
       <p:ext uri="{BB962C8B-B14F-4D97-AF65-F5344CB8AC3E}">
         <p14:creationId xmlns:p14="http://schemas.microsoft.com/office/powerpoint/2010/main" val="3162309533"/>
+      </p:ext>
+    </p:extLst>
+  </p:cSld>
+  <p:clrMapOvr>
+    <a:masterClrMapping/>
+  </p:clrMapOvr>
+</p:notes>
+</file>
+
+<file path=ppt/notesSlides/notesSlide20.xml><?xml version="1.0" encoding="utf-8"?>
+<p:notes xmlns:a="http://schemas.openxmlformats.org/drawingml/2006/main" xmlns:r="http://schemas.openxmlformats.org/officeDocument/2006/relationships" xmlns:p="http://schemas.openxmlformats.org/presentationml/2006/main">
+  <p:cSld>
+    <p:spTree>
+      <p:nvGrpSpPr>
+        <p:cNvPr id="1" name=""/>
+        <p:cNvGrpSpPr/>
+        <p:nvPr/>
+      </p:nvGrpSpPr>
+      <p:grpSpPr>
+        <a:xfrm>
+          <a:off x="0" y="0"/>
+          <a:ext cx="0" cy="0"/>
+          <a:chOff x="0" y="0"/>
+          <a:chExt cx="0" cy="0"/>
+        </a:xfrm>
+      </p:grpSpPr>
+      <p:sp>
+        <p:nvSpPr>
+          <p:cNvPr id="2" name="Slide Image Placeholder 1"/>
+          <p:cNvSpPr>
+            <a:spLocks noGrp="1" noRot="1" noChangeAspect="1"/>
+          </p:cNvSpPr>
+          <p:nvPr>
+            <p:ph type="sldImg"/>
+          </p:nvPr>
+        </p:nvSpPr>
+        <p:spPr/>
+      </p:sp>
+      <p:sp>
+        <p:nvSpPr>
+          <p:cNvPr id="3" name="Notes Placeholder 2"/>
+          <p:cNvSpPr>
+            <a:spLocks noGrp="1"/>
+          </p:cNvSpPr>
+          <p:nvPr>
+            <p:ph type="body" idx="1"/>
+          </p:nvPr>
+        </p:nvSpPr>
+        <p:spPr/>
+        <p:txBody>
+          <a:bodyPr/>
+          <a:lstStyle/>
+          <a:p>
+            <a:endParaRPr lang="en-GB" dirty="0"/>
+          </a:p>
+        </p:txBody>
+      </p:sp>
+      <p:sp>
+        <p:nvSpPr>
+          <p:cNvPr id="4" name="Slide Number Placeholder 3"/>
+          <p:cNvSpPr>
+            <a:spLocks noGrp="1"/>
+          </p:cNvSpPr>
+          <p:nvPr>
+            <p:ph type="sldNum" sz="quarter" idx="10"/>
+          </p:nvPr>
+        </p:nvSpPr>
+        <p:spPr/>
+        <p:txBody>
+          <a:bodyPr/>
+          <a:lstStyle/>
+          <a:p>
+            <a:fld id="{F6AE6D5B-B1C4-4F57-98D1-0105294F2AB3}" type="slidenum">
+              <a:rPr lang="en-GB" smtClean="0"/>
+              <a:t>21</a:t>
+            </a:fld>
+            <a:endParaRPr lang="en-GB"/>
+          </a:p>
+        </p:txBody>
+      </p:sp>
+    </p:spTree>
+    <p:extLst>
+      <p:ext uri="{BB962C8B-B14F-4D97-AF65-F5344CB8AC3E}">
+        <p14:creationId xmlns:p14="http://schemas.microsoft.com/office/powerpoint/2010/main" val="2248515511"/>
+      </p:ext>
+    </p:extLst>
+  </p:cSld>
+  <p:clrMapOvr>
+    <a:masterClrMapping/>
+  </p:clrMapOvr>
+</p:notes>
+</file>
+
+<file path=ppt/notesSlides/notesSlide21.xml><?xml version="1.0" encoding="utf-8"?>
+<p:notes xmlns:a="http://schemas.openxmlformats.org/drawingml/2006/main" xmlns:r="http://schemas.openxmlformats.org/officeDocument/2006/relationships" xmlns:p="http://schemas.openxmlformats.org/presentationml/2006/main">
+  <p:cSld>
+    <p:spTree>
+      <p:nvGrpSpPr>
+        <p:cNvPr id="1" name=""/>
+        <p:cNvGrpSpPr/>
+        <p:nvPr/>
+      </p:nvGrpSpPr>
+      <p:grpSpPr>
+        <a:xfrm>
+          <a:off x="0" y="0"/>
+          <a:ext cx="0" cy="0"/>
+          <a:chOff x="0" y="0"/>
+          <a:chExt cx="0" cy="0"/>
+        </a:xfrm>
+      </p:grpSpPr>
+      <p:sp>
+        <p:nvSpPr>
+          <p:cNvPr id="2" name="Slide Image Placeholder 1"/>
+          <p:cNvSpPr>
+            <a:spLocks noGrp="1" noRot="1" noChangeAspect="1"/>
+          </p:cNvSpPr>
+          <p:nvPr>
+            <p:ph type="sldImg"/>
+          </p:nvPr>
+        </p:nvSpPr>
+        <p:spPr/>
+      </p:sp>
+      <p:sp>
+        <p:nvSpPr>
+          <p:cNvPr id="3" name="Notes Placeholder 2"/>
+          <p:cNvSpPr>
+            <a:spLocks noGrp="1"/>
+          </p:cNvSpPr>
+          <p:nvPr>
+            <p:ph type="body" idx="1"/>
+          </p:nvPr>
+        </p:nvSpPr>
+        <p:spPr/>
+        <p:txBody>
+          <a:bodyPr/>
+          <a:lstStyle/>
+          <a:p>
+            <a:endParaRPr lang="en-GB" dirty="0"/>
+          </a:p>
+        </p:txBody>
+      </p:sp>
+      <p:sp>
+        <p:nvSpPr>
+          <p:cNvPr id="4" name="Slide Number Placeholder 3"/>
+          <p:cNvSpPr>
+            <a:spLocks noGrp="1"/>
+          </p:cNvSpPr>
+          <p:nvPr>
+            <p:ph type="sldNum" sz="quarter" idx="10"/>
+          </p:nvPr>
+        </p:nvSpPr>
+        <p:spPr/>
+        <p:txBody>
+          <a:bodyPr/>
+          <a:lstStyle/>
+          <a:p>
+            <a:fld id="{F6AE6D5B-B1C4-4F57-98D1-0105294F2AB3}" type="slidenum">
+              <a:rPr lang="en-GB" smtClean="0"/>
+              <a:t>22</a:t>
+            </a:fld>
+            <a:endParaRPr lang="en-GB"/>
+          </a:p>
+        </p:txBody>
+      </p:sp>
+    </p:spTree>
+    <p:extLst>
+      <p:ext uri="{BB962C8B-B14F-4D97-AF65-F5344CB8AC3E}">
+        <p14:creationId xmlns:p14="http://schemas.microsoft.com/office/powerpoint/2010/main" val="2392808875"/>
+      </p:ext>
+    </p:extLst>
+  </p:cSld>
+  <p:clrMapOvr>
+    <a:masterClrMapping/>
+  </p:clrMapOvr>
+</p:notes>
+</file>
+
+<file path=ppt/notesSlides/notesSlide22.xml><?xml version="1.0" encoding="utf-8"?>
+<p:notes xmlns:a="http://schemas.openxmlformats.org/drawingml/2006/main" xmlns:r="http://schemas.openxmlformats.org/officeDocument/2006/relationships" xmlns:p="http://schemas.openxmlformats.org/presentationml/2006/main">
+  <p:cSld>
+    <p:spTree>
+      <p:nvGrpSpPr>
+        <p:cNvPr id="1" name=""/>
+        <p:cNvGrpSpPr/>
+        <p:nvPr/>
+      </p:nvGrpSpPr>
+      <p:grpSpPr>
+        <a:xfrm>
+          <a:off x="0" y="0"/>
+          <a:ext cx="0" cy="0"/>
+          <a:chOff x="0" y="0"/>
+          <a:chExt cx="0" cy="0"/>
+        </a:xfrm>
+      </p:grpSpPr>
+      <p:sp>
+        <p:nvSpPr>
+          <p:cNvPr id="2" name="Slide Image Placeholder 1"/>
+          <p:cNvSpPr>
+            <a:spLocks noGrp="1" noRot="1" noChangeAspect="1"/>
+          </p:cNvSpPr>
+          <p:nvPr>
+            <p:ph type="sldImg"/>
+          </p:nvPr>
+        </p:nvSpPr>
+        <p:spPr/>
+      </p:sp>
+      <p:sp>
+        <p:nvSpPr>
+          <p:cNvPr id="3" name="Notes Placeholder 2"/>
+          <p:cNvSpPr>
+            <a:spLocks noGrp="1"/>
+          </p:cNvSpPr>
+          <p:nvPr>
+            <p:ph type="body" idx="1"/>
+          </p:nvPr>
+        </p:nvSpPr>
+        <p:spPr/>
+        <p:txBody>
+          <a:bodyPr/>
+          <a:lstStyle/>
+          <a:p>
+            <a:endParaRPr lang="en-GB" dirty="0"/>
+          </a:p>
+        </p:txBody>
+      </p:sp>
+      <p:sp>
+        <p:nvSpPr>
+          <p:cNvPr id="4" name="Slide Number Placeholder 3"/>
+          <p:cNvSpPr>
+            <a:spLocks noGrp="1"/>
+          </p:cNvSpPr>
+          <p:nvPr>
+            <p:ph type="sldNum" sz="quarter" idx="10"/>
+          </p:nvPr>
+        </p:nvSpPr>
+        <p:spPr/>
+        <p:txBody>
+          <a:bodyPr/>
+          <a:lstStyle/>
+          <a:p>
+            <a:fld id="{F6AE6D5B-B1C4-4F57-98D1-0105294F2AB3}" type="slidenum">
+              <a:rPr lang="en-GB" smtClean="0"/>
+              <a:t>23</a:t>
+            </a:fld>
+            <a:endParaRPr lang="en-GB"/>
+          </a:p>
+        </p:txBody>
+      </p:sp>
+    </p:spTree>
+    <p:extLst>
+      <p:ext uri="{BB962C8B-B14F-4D97-AF65-F5344CB8AC3E}">
+        <p14:creationId xmlns:p14="http://schemas.microsoft.com/office/powerpoint/2010/main" val="2323414473"/>
+      </p:ext>
+    </p:extLst>
+  </p:cSld>
+  <p:clrMapOvr>
+    <a:masterClrMapping/>
+  </p:clrMapOvr>
+</p:notes>
+</file>
+
+<file path=ppt/notesSlides/notesSlide23.xml><?xml version="1.0" encoding="utf-8"?>
+<p:notes xmlns:a="http://schemas.openxmlformats.org/drawingml/2006/main" xmlns:r="http://schemas.openxmlformats.org/officeDocument/2006/relationships" xmlns:p="http://schemas.openxmlformats.org/presentationml/2006/main">
+  <p:cSld>
+    <p:spTree>
+      <p:nvGrpSpPr>
+        <p:cNvPr id="1" name=""/>
+        <p:cNvGrpSpPr/>
+        <p:nvPr/>
+      </p:nvGrpSpPr>
+      <p:grpSpPr>
+        <a:xfrm>
+          <a:off x="0" y="0"/>
+          <a:ext cx="0" cy="0"/>
+          <a:chOff x="0" y="0"/>
+          <a:chExt cx="0" cy="0"/>
+        </a:xfrm>
+      </p:grpSpPr>
+      <p:sp>
+        <p:nvSpPr>
+          <p:cNvPr id="2" name="Slide Image Placeholder 1"/>
+          <p:cNvSpPr>
+            <a:spLocks noGrp="1" noRot="1" noChangeAspect="1"/>
+          </p:cNvSpPr>
+          <p:nvPr>
+            <p:ph type="sldImg"/>
+          </p:nvPr>
+        </p:nvSpPr>
+        <p:spPr/>
+      </p:sp>
+      <p:sp>
+        <p:nvSpPr>
+          <p:cNvPr id="3" name="Notes Placeholder 2"/>
+          <p:cNvSpPr>
+            <a:spLocks noGrp="1"/>
+          </p:cNvSpPr>
+          <p:nvPr>
+            <p:ph type="body" idx="1"/>
+          </p:nvPr>
+        </p:nvSpPr>
+        <p:spPr/>
+        <p:txBody>
+          <a:bodyPr/>
+          <a:lstStyle/>
+          <a:p>
+            <a:endParaRPr lang="en-GB" dirty="0"/>
+          </a:p>
+        </p:txBody>
+      </p:sp>
+      <p:sp>
+        <p:nvSpPr>
+          <p:cNvPr id="4" name="Slide Number Placeholder 3"/>
+          <p:cNvSpPr>
+            <a:spLocks noGrp="1"/>
+          </p:cNvSpPr>
+          <p:nvPr>
+            <p:ph type="sldNum" sz="quarter" idx="10"/>
+          </p:nvPr>
+        </p:nvSpPr>
+        <p:spPr/>
+        <p:txBody>
+          <a:bodyPr/>
+          <a:lstStyle/>
+          <a:p>
+            <a:fld id="{F6AE6D5B-B1C4-4F57-98D1-0105294F2AB3}" type="slidenum">
+              <a:rPr lang="en-GB" smtClean="0"/>
+              <a:t>24</a:t>
+            </a:fld>
+            <a:endParaRPr lang="en-GB"/>
+          </a:p>
+        </p:txBody>
+      </p:sp>
+    </p:spTree>
+    <p:extLst>
+      <p:ext uri="{BB962C8B-B14F-4D97-AF65-F5344CB8AC3E}">
+        <p14:creationId xmlns:p14="http://schemas.microsoft.com/office/powerpoint/2010/main" val="1003684404"/>
+      </p:ext>
+    </p:extLst>
+  </p:cSld>
+  <p:clrMapOvr>
+    <a:masterClrMapping/>
+  </p:clrMapOvr>
+</p:notes>
+</file>
+
+<file path=ppt/notesSlides/notesSlide24.xml><?xml version="1.0" encoding="utf-8"?>
+<p:notes xmlns:a="http://schemas.openxmlformats.org/drawingml/2006/main" xmlns:r="http://schemas.openxmlformats.org/officeDocument/2006/relationships" xmlns:p="http://schemas.openxmlformats.org/presentationml/2006/main">
+  <p:cSld>
+    <p:spTree>
+      <p:nvGrpSpPr>
+        <p:cNvPr id="1" name=""/>
+        <p:cNvGrpSpPr/>
+        <p:nvPr/>
+      </p:nvGrpSpPr>
+      <p:grpSpPr>
+        <a:xfrm>
+          <a:off x="0" y="0"/>
+          <a:ext cx="0" cy="0"/>
+          <a:chOff x="0" y="0"/>
+          <a:chExt cx="0" cy="0"/>
+        </a:xfrm>
+      </p:grpSpPr>
+      <p:sp>
+        <p:nvSpPr>
+          <p:cNvPr id="2" name="Slide Image Placeholder 1"/>
+          <p:cNvSpPr>
+            <a:spLocks noGrp="1" noRot="1" noChangeAspect="1"/>
+          </p:cNvSpPr>
+          <p:nvPr>
+            <p:ph type="sldImg"/>
+          </p:nvPr>
+        </p:nvSpPr>
+        <p:spPr/>
+      </p:sp>
+      <p:sp>
+        <p:nvSpPr>
+          <p:cNvPr id="3" name="Notes Placeholder 2"/>
+          <p:cNvSpPr>
+            <a:spLocks noGrp="1"/>
+          </p:cNvSpPr>
+          <p:nvPr>
+            <p:ph type="body" idx="1"/>
+          </p:nvPr>
+        </p:nvSpPr>
+        <p:spPr/>
+        <p:txBody>
+          <a:bodyPr/>
+          <a:lstStyle/>
+          <a:p>
+            <a:endParaRPr lang="en-GB" dirty="0"/>
+          </a:p>
+        </p:txBody>
+      </p:sp>
+      <p:sp>
+        <p:nvSpPr>
+          <p:cNvPr id="4" name="Slide Number Placeholder 3"/>
+          <p:cNvSpPr>
+            <a:spLocks noGrp="1"/>
+          </p:cNvSpPr>
+          <p:nvPr>
+            <p:ph type="sldNum" sz="quarter" idx="10"/>
+          </p:nvPr>
+        </p:nvSpPr>
+        <p:spPr/>
+        <p:txBody>
+          <a:bodyPr/>
+          <a:lstStyle/>
+          <a:p>
+            <a:fld id="{F6AE6D5B-B1C4-4F57-98D1-0105294F2AB3}" type="slidenum">
+              <a:rPr lang="en-GB" smtClean="0"/>
+              <a:t>25</a:t>
+            </a:fld>
+            <a:endParaRPr lang="en-GB"/>
+          </a:p>
+        </p:txBody>
+      </p:sp>
+    </p:spTree>
+    <p:extLst>
+      <p:ext uri="{BB962C8B-B14F-4D97-AF65-F5344CB8AC3E}">
+        <p14:creationId xmlns:p14="http://schemas.microsoft.com/office/powerpoint/2010/main" val="50023784"/>
+      </p:ext>
+    </p:extLst>
+  </p:cSld>
+  <p:clrMapOvr>
+    <a:masterClrMapping/>
+  </p:clrMapOvr>
+</p:notes>
+</file>
+
+<file path=ppt/notesSlides/notesSlide25.xml><?xml version="1.0" encoding="utf-8"?>
+<p:notes xmlns:a="http://schemas.openxmlformats.org/drawingml/2006/main" xmlns:r="http://schemas.openxmlformats.org/officeDocument/2006/relationships" xmlns:p="http://schemas.openxmlformats.org/presentationml/2006/main">
+  <p:cSld>
+    <p:spTree>
+      <p:nvGrpSpPr>
+        <p:cNvPr id="1" name=""/>
+        <p:cNvGrpSpPr/>
+        <p:nvPr/>
+      </p:nvGrpSpPr>
+      <p:grpSpPr>
+        <a:xfrm>
+          <a:off x="0" y="0"/>
+          <a:ext cx="0" cy="0"/>
+          <a:chOff x="0" y="0"/>
+          <a:chExt cx="0" cy="0"/>
+        </a:xfrm>
+      </p:grpSpPr>
+      <p:sp>
+        <p:nvSpPr>
+          <p:cNvPr id="2" name="Slide Image Placeholder 1"/>
+          <p:cNvSpPr>
+            <a:spLocks noGrp="1" noRot="1" noChangeAspect="1"/>
+          </p:cNvSpPr>
+          <p:nvPr>
+            <p:ph type="sldImg"/>
+          </p:nvPr>
+        </p:nvSpPr>
+        <p:spPr/>
+      </p:sp>
+      <p:sp>
+        <p:nvSpPr>
+          <p:cNvPr id="3" name="Notes Placeholder 2"/>
+          <p:cNvSpPr>
+            <a:spLocks noGrp="1"/>
+          </p:cNvSpPr>
+          <p:nvPr>
+            <p:ph type="body" idx="1"/>
+          </p:nvPr>
+        </p:nvSpPr>
+        <p:spPr/>
+        <p:txBody>
+          <a:bodyPr/>
+          <a:lstStyle/>
+          <a:p>
+            <a:endParaRPr lang="en-GB" dirty="0"/>
+          </a:p>
+        </p:txBody>
+      </p:sp>
+      <p:sp>
+        <p:nvSpPr>
+          <p:cNvPr id="4" name="Slide Number Placeholder 3"/>
+          <p:cNvSpPr>
+            <a:spLocks noGrp="1"/>
+          </p:cNvSpPr>
+          <p:nvPr>
+            <p:ph type="sldNum" sz="quarter" idx="10"/>
+          </p:nvPr>
+        </p:nvSpPr>
+        <p:spPr/>
+        <p:txBody>
+          <a:bodyPr/>
+          <a:lstStyle/>
+          <a:p>
+            <a:fld id="{F6AE6D5B-B1C4-4F57-98D1-0105294F2AB3}" type="slidenum">
+              <a:rPr lang="en-GB" smtClean="0"/>
+              <a:t>26</a:t>
+            </a:fld>
+            <a:endParaRPr lang="en-GB"/>
+          </a:p>
+        </p:txBody>
+      </p:sp>
+    </p:spTree>
+    <p:extLst>
+      <p:ext uri="{BB962C8B-B14F-4D97-AF65-F5344CB8AC3E}">
+        <p14:creationId xmlns:p14="http://schemas.microsoft.com/office/powerpoint/2010/main" val="4124501856"/>
+      </p:ext>
+    </p:extLst>
+  </p:cSld>
+  <p:clrMapOvr>
+    <a:masterClrMapping/>
+  </p:clrMapOvr>
+</p:notes>
+</file>
+
+<file path=ppt/notesSlides/notesSlide26.xml><?xml version="1.0" encoding="utf-8"?>
+<p:notes xmlns:a="http://schemas.openxmlformats.org/drawingml/2006/main" xmlns:r="http://schemas.openxmlformats.org/officeDocument/2006/relationships" xmlns:p="http://schemas.openxmlformats.org/presentationml/2006/main">
+  <p:cSld>
+    <p:spTree>
+      <p:nvGrpSpPr>
+        <p:cNvPr id="1" name=""/>
+        <p:cNvGrpSpPr/>
+        <p:nvPr/>
+      </p:nvGrpSpPr>
+      <p:grpSpPr>
+        <a:xfrm>
+          <a:off x="0" y="0"/>
+          <a:ext cx="0" cy="0"/>
+          <a:chOff x="0" y="0"/>
+          <a:chExt cx="0" cy="0"/>
+        </a:xfrm>
+      </p:grpSpPr>
+      <p:sp>
+        <p:nvSpPr>
+          <p:cNvPr id="2" name="Slide Image Placeholder 1"/>
+          <p:cNvSpPr>
+            <a:spLocks noGrp="1" noRot="1" noChangeAspect="1"/>
+          </p:cNvSpPr>
+          <p:nvPr>
+            <p:ph type="sldImg"/>
+          </p:nvPr>
+        </p:nvSpPr>
+        <p:spPr/>
+      </p:sp>
+      <p:sp>
+        <p:nvSpPr>
+          <p:cNvPr id="3" name="Notes Placeholder 2"/>
+          <p:cNvSpPr>
+            <a:spLocks noGrp="1"/>
+          </p:cNvSpPr>
+          <p:nvPr>
+            <p:ph type="body" idx="1"/>
+          </p:nvPr>
+        </p:nvSpPr>
+        <p:spPr/>
+        <p:txBody>
+          <a:bodyPr/>
+          <a:lstStyle/>
+          <a:p>
+            <a:endParaRPr lang="en-GB" dirty="0"/>
+          </a:p>
+        </p:txBody>
+      </p:sp>
+      <p:sp>
+        <p:nvSpPr>
+          <p:cNvPr id="4" name="Slide Number Placeholder 3"/>
+          <p:cNvSpPr>
+            <a:spLocks noGrp="1"/>
+          </p:cNvSpPr>
+          <p:nvPr>
+            <p:ph type="sldNum" sz="quarter" idx="10"/>
+          </p:nvPr>
+        </p:nvSpPr>
+        <p:spPr/>
+        <p:txBody>
+          <a:bodyPr/>
+          <a:lstStyle/>
+          <a:p>
+            <a:fld id="{F6AE6D5B-B1C4-4F57-98D1-0105294F2AB3}" type="slidenum">
+              <a:rPr lang="en-GB" smtClean="0"/>
+              <a:t>27</a:t>
+            </a:fld>
+            <a:endParaRPr lang="en-GB"/>
+          </a:p>
+        </p:txBody>
+      </p:sp>
+    </p:spTree>
+    <p:extLst>
+      <p:ext uri="{BB962C8B-B14F-4D97-AF65-F5344CB8AC3E}">
+        <p14:creationId xmlns:p14="http://schemas.microsoft.com/office/powerpoint/2010/main" val="344288708"/>
+      </p:ext>
+    </p:extLst>
+  </p:cSld>
+  <p:clrMapOvr>
+    <a:masterClrMapping/>
+  </p:clrMapOvr>
+</p:notes>
+</file>
+
+<file path=ppt/notesSlides/notesSlide27.xml><?xml version="1.0" encoding="utf-8"?>
+<p:notes xmlns:a="http://schemas.openxmlformats.org/drawingml/2006/main" xmlns:r="http://schemas.openxmlformats.org/officeDocument/2006/relationships" xmlns:p="http://schemas.openxmlformats.org/presentationml/2006/main">
+  <p:cSld>
+    <p:spTree>
+      <p:nvGrpSpPr>
+        <p:cNvPr id="1" name=""/>
+        <p:cNvGrpSpPr/>
+        <p:nvPr/>
+      </p:nvGrpSpPr>
+      <p:grpSpPr>
+        <a:xfrm>
+          <a:off x="0" y="0"/>
+          <a:ext cx="0" cy="0"/>
+          <a:chOff x="0" y="0"/>
+          <a:chExt cx="0" cy="0"/>
+        </a:xfrm>
+      </p:grpSpPr>
+      <p:sp>
+        <p:nvSpPr>
+          <p:cNvPr id="2" name="Slide Image Placeholder 1"/>
+          <p:cNvSpPr>
+            <a:spLocks noGrp="1" noRot="1" noChangeAspect="1"/>
+          </p:cNvSpPr>
+          <p:nvPr>
+            <p:ph type="sldImg"/>
+          </p:nvPr>
+        </p:nvSpPr>
+        <p:spPr/>
+      </p:sp>
+      <p:sp>
+        <p:nvSpPr>
+          <p:cNvPr id="3" name="Notes Placeholder 2"/>
+          <p:cNvSpPr>
+            <a:spLocks noGrp="1"/>
+          </p:cNvSpPr>
+          <p:nvPr>
+            <p:ph type="body" idx="1"/>
+          </p:nvPr>
+        </p:nvSpPr>
+        <p:spPr/>
+        <p:txBody>
+          <a:bodyPr/>
+          <a:lstStyle/>
+          <a:p>
+            <a:endParaRPr lang="en-GB" dirty="0"/>
+          </a:p>
+        </p:txBody>
+      </p:sp>
+      <p:sp>
+        <p:nvSpPr>
+          <p:cNvPr id="4" name="Slide Number Placeholder 3"/>
+          <p:cNvSpPr>
+            <a:spLocks noGrp="1"/>
+          </p:cNvSpPr>
+          <p:nvPr>
+            <p:ph type="sldNum" sz="quarter" idx="10"/>
+          </p:nvPr>
+        </p:nvSpPr>
+        <p:spPr/>
+        <p:txBody>
+          <a:bodyPr/>
+          <a:lstStyle/>
+          <a:p>
+            <a:fld id="{F6AE6D5B-B1C4-4F57-98D1-0105294F2AB3}" type="slidenum">
+              <a:rPr lang="en-GB" smtClean="0"/>
+              <a:t>29</a:t>
+            </a:fld>
+            <a:endParaRPr lang="en-GB"/>
+          </a:p>
+        </p:txBody>
+      </p:sp>
+    </p:spTree>
+    <p:extLst>
+      <p:ext uri="{BB962C8B-B14F-4D97-AF65-F5344CB8AC3E}">
+        <p14:creationId xmlns:p14="http://schemas.microsoft.com/office/powerpoint/2010/main" val="2453389434"/>
+      </p:ext>
+    </p:extLst>
+  </p:cSld>
+  <p:clrMapOvr>
+    <a:masterClrMapping/>
+  </p:clrMapOvr>
+</p:notes>
+</file>
+
+<file path=ppt/notesSlides/notesSlide28.xml><?xml version="1.0" encoding="utf-8"?>
+<p:notes xmlns:a="http://schemas.openxmlformats.org/drawingml/2006/main" xmlns:r="http://schemas.openxmlformats.org/officeDocument/2006/relationships" xmlns:p="http://schemas.openxmlformats.org/presentationml/2006/main">
+  <p:cSld>
+    <p:spTree>
+      <p:nvGrpSpPr>
+        <p:cNvPr id="1" name=""/>
+        <p:cNvGrpSpPr/>
+        <p:nvPr/>
+      </p:nvGrpSpPr>
+      <p:grpSpPr>
+        <a:xfrm>
+          <a:off x="0" y="0"/>
+          <a:ext cx="0" cy="0"/>
+          <a:chOff x="0" y="0"/>
+          <a:chExt cx="0" cy="0"/>
+        </a:xfrm>
+      </p:grpSpPr>
+      <p:sp>
+        <p:nvSpPr>
+          <p:cNvPr id="2" name="Slide Image Placeholder 1"/>
+          <p:cNvSpPr>
+            <a:spLocks noGrp="1" noRot="1" noChangeAspect="1"/>
+          </p:cNvSpPr>
+          <p:nvPr>
+            <p:ph type="sldImg"/>
+          </p:nvPr>
+        </p:nvSpPr>
+        <p:spPr/>
+      </p:sp>
+      <p:sp>
+        <p:nvSpPr>
+          <p:cNvPr id="3" name="Notes Placeholder 2"/>
+          <p:cNvSpPr>
+            <a:spLocks noGrp="1"/>
+          </p:cNvSpPr>
+          <p:nvPr>
+            <p:ph type="body" idx="1"/>
+          </p:nvPr>
+        </p:nvSpPr>
+        <p:spPr/>
+        <p:txBody>
+          <a:bodyPr/>
+          <a:lstStyle/>
+          <a:p>
+            <a:endParaRPr lang="en-GB" dirty="0"/>
+          </a:p>
+        </p:txBody>
+      </p:sp>
+      <p:sp>
+        <p:nvSpPr>
+          <p:cNvPr id="4" name="Slide Number Placeholder 3"/>
+          <p:cNvSpPr>
+            <a:spLocks noGrp="1"/>
+          </p:cNvSpPr>
+          <p:nvPr>
+            <p:ph type="sldNum" sz="quarter" idx="10"/>
+          </p:nvPr>
+        </p:nvSpPr>
+        <p:spPr/>
+        <p:txBody>
+          <a:bodyPr/>
+          <a:lstStyle/>
+          <a:p>
+            <a:fld id="{F6AE6D5B-B1C4-4F57-98D1-0105294F2AB3}" type="slidenum">
+              <a:rPr lang="en-GB" smtClean="0"/>
+              <a:t>31</a:t>
+            </a:fld>
+            <a:endParaRPr lang="en-GB"/>
+          </a:p>
+        </p:txBody>
+      </p:sp>
+    </p:spTree>
+    <p:extLst>
+      <p:ext uri="{BB962C8B-B14F-4D97-AF65-F5344CB8AC3E}">
+        <p14:creationId xmlns:p14="http://schemas.microsoft.com/office/powerpoint/2010/main" val="1442948594"/>
       </p:ext>
     </p:extLst>
   </p:cSld>
@@ -1395,7 +2851,7 @@
     </p:spTree>
     <p:extLst>
       <p:ext uri="{BB962C8B-B14F-4D97-AF65-F5344CB8AC3E}">
-        <p14:creationId xmlns:p14="http://schemas.microsoft.com/office/powerpoint/2010/main" val="899699956"/>
+        <p14:creationId xmlns:p14="http://schemas.microsoft.com/office/powerpoint/2010/main" val="562951016"/>
       </p:ext>
     </p:extLst>
   </p:cSld>
@@ -1479,7 +2935,7 @@
     </p:spTree>
     <p:extLst>
       <p:ext uri="{BB962C8B-B14F-4D97-AF65-F5344CB8AC3E}">
-        <p14:creationId xmlns:p14="http://schemas.microsoft.com/office/powerpoint/2010/main" val="562951016"/>
+        <p14:creationId xmlns:p14="http://schemas.microsoft.com/office/powerpoint/2010/main" val="1199013779"/>
       </p:ext>
     </p:extLst>
   </p:cSld>
@@ -4949,6 +6405,29 @@
       </p:grpSpPr>
       <p:sp>
         <p:nvSpPr>
+          <p:cNvPr id="2" name="Title 1"/>
+          <p:cNvSpPr>
+            <a:spLocks noGrp="1"/>
+          </p:cNvSpPr>
+          <p:nvPr>
+            <p:ph type="title"/>
+          </p:nvPr>
+        </p:nvSpPr>
+        <p:spPr/>
+        <p:txBody>
+          <a:bodyPr/>
+          <a:lstStyle/>
+          <a:p>
+            <a:r>
+              <a:rPr lang="en-GB" dirty="0" smtClean="0"/>
+              <a:t>There is a Web API to do stuff</a:t>
+            </a:r>
+            <a:endParaRPr lang="en-GB" dirty="0"/>
+          </a:p>
+        </p:txBody>
+      </p:sp>
+      <p:sp>
+        <p:nvSpPr>
           <p:cNvPr id="3" name="Content Placeholder 2"/>
           <p:cNvSpPr>
             <a:spLocks noGrp="1"/>
@@ -4957,12 +6436,7 @@
             <p:ph idx="1"/>
           </p:nvPr>
         </p:nvSpPr>
-        <p:spPr>
-          <a:xfrm>
-            <a:off x="838200" y="2090057"/>
-            <a:ext cx="10515600" cy="3146380"/>
-          </a:xfrm>
-        </p:spPr>
+        <p:spPr/>
         <p:txBody>
           <a:bodyPr>
             <a:normAutofit/>
@@ -4973,127 +6447,32 @@
               <a:buNone/>
             </a:pPr>
             <a:r>
-              <a:rPr lang="en-GB" sz="4400" dirty="0"/>
-              <a:t>iframe </a:t>
-            </a:r>
-            <a:r>
-              <a:rPr lang="en-GB" sz="4400" dirty="0" err="1"/>
-              <a:t>src</a:t>
-            </a:r>
-            <a:r>
-              <a:rPr lang="en-GB" sz="4400" dirty="0"/>
-              <a:t>="</a:t>
-            </a:r>
-            <a:r>
-              <a:rPr lang="en-GB" sz="4400" u="sng" dirty="0">
-                <a:hlinkClick r:id="rId3"/>
-              </a:rPr>
-              <a:t>https://embed.spotify.com/?</a:t>
-            </a:r>
-            <a:r>
-              <a:rPr lang="en-GB" sz="4400" u="sng" dirty="0" err="1" smtClean="0">
-                <a:hlinkClick r:id="rId3"/>
-              </a:rPr>
-              <a:t>uri</a:t>
-            </a:r>
-            <a:r>
-              <a:rPr lang="en-GB" sz="4400" u="sng" dirty="0" smtClean="0">
-                <a:hlinkClick r:id="rId3"/>
-              </a:rPr>
-              <a:t>=spotify:user:hoxsd:playlist:0Z7jXtAId643ujM1UPshcte“</a:t>
-            </a:r>
-            <a:endParaRPr lang="en-GB" sz="4400" u="sng" dirty="0" smtClean="0"/>
+              <a:rPr lang="en-GB" sz="4800" dirty="0" smtClean="0"/>
+              <a:t>Explore Spotify catalogue</a:t>
+            </a:r>
           </a:p>
           <a:p>
             <a:pPr marL="0" indent="0">
               <a:buNone/>
             </a:pPr>
-            <a:endParaRPr lang="en-GB" sz="4400" u="sng" dirty="0"/>
-          </a:p>
-        </p:txBody>
-      </p:sp>
-      <p:sp>
-        <p:nvSpPr>
-          <p:cNvPr id="4" name="Title 3"/>
-          <p:cNvSpPr>
-            <a:spLocks noGrp="1"/>
-          </p:cNvSpPr>
-          <p:nvPr>
-            <p:ph type="title"/>
-          </p:nvPr>
-        </p:nvSpPr>
-        <p:spPr>
-          <a:xfrm>
-            <a:off x="838200" y="365125"/>
-            <a:ext cx="4389424" cy="1460500"/>
-          </a:xfrm>
-        </p:spPr>
-        <p:txBody>
-          <a:bodyPr>
-            <a:normAutofit fontScale="90000"/>
-          </a:bodyPr>
-          <a:lstStyle/>
-          <a:p>
-            <a:r>
-              <a:rPr lang="en-GB" dirty="0" smtClean="0"/>
-              <a:t>Embed Album /</a:t>
-            </a:r>
-            <a:br>
-              <a:rPr lang="en-GB" dirty="0" smtClean="0"/>
-            </a:br>
-            <a:r>
-              <a:rPr lang="en-GB" dirty="0" smtClean="0"/>
-              <a:t>Playlist</a:t>
-            </a:r>
-            <a:endParaRPr lang="en-GB" dirty="0"/>
-          </a:p>
-        </p:txBody>
-      </p:sp>
-      <p:pic>
-        <p:nvPicPr>
-          <p:cNvPr id="5122" name="Picture 2" descr="image"/>
-          <p:cNvPicPr>
-            <a:picLocks noChangeAspect="1" noChangeArrowheads="1"/>
-          </p:cNvPicPr>
-          <p:nvPr/>
-        </p:nvPicPr>
-        <p:blipFill>
-          <a:blip r:embed="rId4">
-            <a:extLst>
-              <a:ext uri="{28A0092B-C50C-407E-A947-70E740481C1C}">
-                <a14:useLocalDpi xmlns:a14="http://schemas.microsoft.com/office/drawing/2010/main" val="0"/>
-              </a:ext>
-            </a:extLst>
-          </a:blip>
-          <a:srcRect/>
-          <a:stretch>
-            <a:fillRect/>
-          </a:stretch>
-        </p:blipFill>
-        <p:spPr bwMode="auto">
-          <a:xfrm>
-            <a:off x="6818811" y="0"/>
-            <a:ext cx="5373189" cy="6828430"/>
-          </a:xfrm>
-          <a:prstGeom prst="rect">
-            <a:avLst/>
-          </a:prstGeom>
-          <a:noFill/>
-          <a:extLst>
-            <a:ext uri="{909E8E84-426E-40DD-AFC4-6F175D3DCCD1}">
-              <a14:hiddenFill xmlns:a14="http://schemas.microsoft.com/office/drawing/2010/main">
-                <a:solidFill>
-                  <a:srgbClr val="FFFFFF"/>
-                </a:solidFill>
-              </a14:hiddenFill>
-            </a:ext>
-          </a:extLst>
-        </p:spPr>
-      </p:pic>
+            <a:endParaRPr lang="en-GB" sz="4800" dirty="0" smtClean="0"/>
+          </a:p>
+          <a:p>
+            <a:pPr marL="0" indent="0">
+              <a:buNone/>
+            </a:pPr>
+            <a:r>
+              <a:rPr lang="en-GB" sz="4800" dirty="0" smtClean="0"/>
+              <a:t>Create and add tracks to playlists</a:t>
+            </a:r>
+            <a:endParaRPr lang="en-GB" sz="4800" dirty="0"/>
+          </a:p>
+        </p:txBody>
+      </p:sp>
     </p:spTree>
     <p:extLst>
       <p:ext uri="{BB962C8B-B14F-4D97-AF65-F5344CB8AC3E}">
-        <p14:creationId xmlns:p14="http://schemas.microsoft.com/office/powerpoint/2010/main" val="1881090013"/>
+        <p14:creationId xmlns:p14="http://schemas.microsoft.com/office/powerpoint/2010/main" val="1063986736"/>
       </p:ext>
     </p:extLst>
   </p:cSld>
@@ -5111,6 +6490,78 @@
 </file>
 
 <file path=ppt/slides/slide11.xml><?xml version="1.0" encoding="utf-8"?>
+<p:sld xmlns:a="http://schemas.openxmlformats.org/drawingml/2006/main" xmlns:r="http://schemas.openxmlformats.org/officeDocument/2006/relationships" xmlns:p="http://schemas.openxmlformats.org/presentationml/2006/main">
+  <p:cSld>
+    <p:spTree>
+      <p:nvGrpSpPr>
+        <p:cNvPr id="1" name=""/>
+        <p:cNvGrpSpPr/>
+        <p:nvPr/>
+      </p:nvGrpSpPr>
+      <p:grpSpPr>
+        <a:xfrm>
+          <a:off x="0" y="0"/>
+          <a:ext cx="0" cy="0"/>
+          <a:chOff x="0" y="0"/>
+          <a:chExt cx="0" cy="0"/>
+        </a:xfrm>
+      </p:grpSpPr>
+      <p:sp>
+        <p:nvSpPr>
+          <p:cNvPr id="4" name="Title 3"/>
+          <p:cNvSpPr>
+            <a:spLocks noGrp="1"/>
+          </p:cNvSpPr>
+          <p:nvPr>
+            <p:ph type="ctrTitle"/>
+          </p:nvPr>
+        </p:nvSpPr>
+        <p:spPr/>
+        <p:txBody>
+          <a:bodyPr/>
+          <a:lstStyle/>
+          <a:p>
+            <a:r>
+              <a:rPr lang="en-GB" dirty="0" smtClean="0"/>
+              <a:t>Query API via Chrome</a:t>
+            </a:r>
+            <a:endParaRPr lang="en-GB" dirty="0"/>
+          </a:p>
+        </p:txBody>
+      </p:sp>
+      <p:sp>
+        <p:nvSpPr>
+          <p:cNvPr id="5" name="Subtitle 4"/>
+          <p:cNvSpPr>
+            <a:spLocks noGrp="1"/>
+          </p:cNvSpPr>
+          <p:nvPr>
+            <p:ph type="subTitle" idx="1"/>
+          </p:nvPr>
+        </p:nvSpPr>
+        <p:spPr/>
+        <p:txBody>
+          <a:bodyPr/>
+          <a:lstStyle/>
+          <a:p>
+            <a:endParaRPr lang="en-GB"/>
+          </a:p>
+        </p:txBody>
+      </p:sp>
+    </p:spTree>
+    <p:extLst>
+      <p:ext uri="{BB962C8B-B14F-4D97-AF65-F5344CB8AC3E}">
+        <p14:creationId xmlns:p14="http://schemas.microsoft.com/office/powerpoint/2010/main" val="3706812562"/>
+      </p:ext>
+    </p:extLst>
+  </p:cSld>
+  <p:clrMapOvr>
+    <a:masterClrMapping/>
+  </p:clrMapOvr>
+</p:sld>
+</file>
+
+<file path=ppt/slides/slide12.xml><?xml version="1.0" encoding="utf-8"?>
 <p:sld xmlns:a="http://schemas.openxmlformats.org/drawingml/2006/main" xmlns:r="http://schemas.openxmlformats.org/officeDocument/2006/relationships" xmlns:p="http://schemas.openxmlformats.org/presentationml/2006/main">
   <p:cSld>
     <p:spTree>
@@ -5270,7 +6721,79 @@
 </p:sld>
 </file>
 
-<file path=ppt/slides/slide12.xml><?xml version="1.0" encoding="utf-8"?>
+<file path=ppt/slides/slide13.xml><?xml version="1.0" encoding="utf-8"?>
+<p:sld xmlns:a="http://schemas.openxmlformats.org/drawingml/2006/main" xmlns:r="http://schemas.openxmlformats.org/officeDocument/2006/relationships" xmlns:p="http://schemas.openxmlformats.org/presentationml/2006/main">
+  <p:cSld>
+    <p:spTree>
+      <p:nvGrpSpPr>
+        <p:cNvPr id="1" name=""/>
+        <p:cNvGrpSpPr/>
+        <p:nvPr/>
+      </p:nvGrpSpPr>
+      <p:grpSpPr>
+        <a:xfrm>
+          <a:off x="0" y="0"/>
+          <a:ext cx="0" cy="0"/>
+          <a:chOff x="0" y="0"/>
+          <a:chExt cx="0" cy="0"/>
+        </a:xfrm>
+      </p:grpSpPr>
+      <p:sp>
+        <p:nvSpPr>
+          <p:cNvPr id="4" name="Title 3"/>
+          <p:cNvSpPr>
+            <a:spLocks noGrp="1"/>
+          </p:cNvSpPr>
+          <p:nvPr>
+            <p:ph type="ctrTitle"/>
+          </p:nvPr>
+        </p:nvSpPr>
+        <p:spPr/>
+        <p:txBody>
+          <a:bodyPr/>
+          <a:lstStyle/>
+          <a:p>
+            <a:r>
+              <a:rPr lang="en-GB" dirty="0" smtClean="0"/>
+              <a:t>Query API via Console App</a:t>
+            </a:r>
+            <a:endParaRPr lang="en-GB" dirty="0"/>
+          </a:p>
+        </p:txBody>
+      </p:sp>
+      <p:sp>
+        <p:nvSpPr>
+          <p:cNvPr id="5" name="Subtitle 4"/>
+          <p:cNvSpPr>
+            <a:spLocks noGrp="1"/>
+          </p:cNvSpPr>
+          <p:nvPr>
+            <p:ph type="subTitle" idx="1"/>
+          </p:nvPr>
+        </p:nvSpPr>
+        <p:spPr/>
+        <p:txBody>
+          <a:bodyPr/>
+          <a:lstStyle/>
+          <a:p>
+            <a:endParaRPr lang="en-GB"/>
+          </a:p>
+        </p:txBody>
+      </p:sp>
+    </p:spTree>
+    <p:extLst>
+      <p:ext uri="{BB962C8B-B14F-4D97-AF65-F5344CB8AC3E}">
+        <p14:creationId xmlns:p14="http://schemas.microsoft.com/office/powerpoint/2010/main" val="2204406229"/>
+      </p:ext>
+    </p:extLst>
+  </p:cSld>
+  <p:clrMapOvr>
+    <a:masterClrMapping/>
+  </p:clrMapOvr>
+</p:sld>
+</file>
+
+<file path=ppt/slides/slide14.xml><?xml version="1.0" encoding="utf-8"?>
 <p:sld xmlns:a="http://schemas.openxmlformats.org/drawingml/2006/main" xmlns:r="http://schemas.openxmlformats.org/officeDocument/2006/relationships" xmlns:p="http://schemas.openxmlformats.org/presentationml/2006/main">
   <p:cSld>
     <p:spTree>
@@ -5434,7 +6957,7 @@
 </p:sld>
 </file>
 
-<file path=ppt/slides/slide2.xml><?xml version="1.0" encoding="utf-8"?>
+<file path=ppt/slides/slide15.xml><?xml version="1.0" encoding="utf-8"?>
 <p:sld xmlns:a="http://schemas.openxmlformats.org/drawingml/2006/main" xmlns:r="http://schemas.openxmlformats.org/officeDocument/2006/relationships" xmlns:p="http://schemas.openxmlformats.org/presentationml/2006/main">
   <p:cSld>
     <p:spTree>
@@ -5453,6 +6976,78 @@
       </p:grpSpPr>
       <p:sp>
         <p:nvSpPr>
+          <p:cNvPr id="4" name="Title 3"/>
+          <p:cNvSpPr>
+            <a:spLocks noGrp="1"/>
+          </p:cNvSpPr>
+          <p:nvPr>
+            <p:ph type="ctrTitle"/>
+          </p:nvPr>
+        </p:nvSpPr>
+        <p:spPr/>
+        <p:txBody>
+          <a:bodyPr/>
+          <a:lstStyle/>
+          <a:p>
+            <a:r>
+              <a:rPr lang="en-GB" dirty="0" err="1" smtClean="0"/>
+              <a:t>Deserialise</a:t>
+            </a:r>
+            <a:endParaRPr lang="en-GB" dirty="0"/>
+          </a:p>
+        </p:txBody>
+      </p:sp>
+      <p:sp>
+        <p:nvSpPr>
+          <p:cNvPr id="5" name="Subtitle 4"/>
+          <p:cNvSpPr>
+            <a:spLocks noGrp="1"/>
+          </p:cNvSpPr>
+          <p:nvPr>
+            <p:ph type="subTitle" idx="1"/>
+          </p:nvPr>
+        </p:nvSpPr>
+        <p:spPr/>
+        <p:txBody>
+          <a:bodyPr/>
+          <a:lstStyle/>
+          <a:p>
+            <a:endParaRPr lang="en-GB" dirty="0"/>
+          </a:p>
+        </p:txBody>
+      </p:sp>
+    </p:spTree>
+    <p:extLst>
+      <p:ext uri="{BB962C8B-B14F-4D97-AF65-F5344CB8AC3E}">
+        <p14:creationId xmlns:p14="http://schemas.microsoft.com/office/powerpoint/2010/main" val="3609062002"/>
+      </p:ext>
+    </p:extLst>
+  </p:cSld>
+  <p:clrMapOvr>
+    <a:masterClrMapping/>
+  </p:clrMapOvr>
+</p:sld>
+</file>
+
+<file path=ppt/slides/slide16.xml><?xml version="1.0" encoding="utf-8"?>
+<p:sld xmlns:a="http://schemas.openxmlformats.org/drawingml/2006/main" xmlns:r="http://schemas.openxmlformats.org/officeDocument/2006/relationships" xmlns:p="http://schemas.openxmlformats.org/presentationml/2006/main">
+  <p:cSld>
+    <p:spTree>
+      <p:nvGrpSpPr>
+        <p:cNvPr id="1" name=""/>
+        <p:cNvGrpSpPr/>
+        <p:nvPr/>
+      </p:nvGrpSpPr>
+      <p:grpSpPr>
+        <a:xfrm>
+          <a:off x="0" y="0"/>
+          <a:ext cx="0" cy="0"/>
+          <a:chOff x="0" y="0"/>
+          <a:chExt cx="0" cy="0"/>
+        </a:xfrm>
+      </p:grpSpPr>
+      <p:sp>
+        <p:nvSpPr>
           <p:cNvPr id="2" name="Title 1"/>
           <p:cNvSpPr>
             <a:spLocks noGrp="1"/>
@@ -5462,6 +7057,559 @@
           </p:nvPr>
         </p:nvSpPr>
         <p:spPr/>
+        <p:txBody>
+          <a:bodyPr/>
+          <a:lstStyle/>
+          <a:p>
+            <a:r>
+              <a:rPr lang="en-GB" dirty="0" smtClean="0"/>
+              <a:t>Console App</a:t>
+            </a:r>
+            <a:endParaRPr lang="en-GB" dirty="0"/>
+          </a:p>
+        </p:txBody>
+      </p:sp>
+      <p:pic>
+        <p:nvPicPr>
+          <p:cNvPr id="4" name="Console">
+            <a:hlinkClick r:id="" action="ppaction://media"/>
+          </p:cNvPr>
+          <p:cNvPicPr>
+            <a:picLocks noGrp="1" noChangeAspect="1"/>
+          </p:cNvPicPr>
+          <p:nvPr>
+            <p:ph idx="1"/>
+            <a:videoFile r:link="rId2"/>
+            <p:extLst>
+              <p:ext uri="{DAA4B4D4-6D71-4841-9C94-3DE7FCFB9230}">
+                <p14:media xmlns:p14="http://schemas.microsoft.com/office/powerpoint/2010/main" r:embed="rId1"/>
+              </p:ext>
+            </p:extLst>
+          </p:nvPr>
+        </p:nvPicPr>
+        <p:blipFill>
+          <a:blip r:embed="rId5"/>
+          <a:stretch>
+            <a:fillRect/>
+          </a:stretch>
+        </p:blipFill>
+        <p:spPr>
+          <a:xfrm>
+            <a:off x="0" y="-1"/>
+            <a:ext cx="12192000" cy="6857845"/>
+          </a:xfrm>
+        </p:spPr>
+      </p:pic>
+    </p:spTree>
+    <p:extLst>
+      <p:ext uri="{BB962C8B-B14F-4D97-AF65-F5344CB8AC3E}">
+        <p14:creationId xmlns:p14="http://schemas.microsoft.com/office/powerpoint/2010/main" val="2748411682"/>
+      </p:ext>
+    </p:extLst>
+  </p:cSld>
+  <p:clrMapOvr>
+    <a:masterClrMapping/>
+  </p:clrMapOvr>
+  <p:timing>
+    <p:tnLst>
+      <p:par>
+        <p:cTn id="1" dur="indefinite" restart="never" nodeType="tmRoot">
+          <p:childTnLst>
+            <p:seq concurrent="1" nextAc="seek">
+              <p:cTn id="2" restart="whenNotActive" fill="hold" evtFilter="cancelBubble" nodeType="interactiveSeq">
+                <p:stCondLst>
+                  <p:cond evt="onClick" delay="0">
+                    <p:tgtEl>
+                      <p:spTgt spid="4"/>
+                    </p:tgtEl>
+                  </p:cond>
+                </p:stCondLst>
+                <p:endSync evt="end" delay="0">
+                  <p:rtn val="all"/>
+                </p:endSync>
+                <p:childTnLst>
+                  <p:par>
+                    <p:cTn id="3" fill="hold">
+                      <p:stCondLst>
+                        <p:cond delay="0"/>
+                      </p:stCondLst>
+                      <p:childTnLst>
+                        <p:par>
+                          <p:cTn id="4" fill="hold">
+                            <p:stCondLst>
+                              <p:cond delay="0"/>
+                            </p:stCondLst>
+                            <p:childTnLst>
+                              <p:par>
+                                <p:cTn id="5" presetID="2" presetClass="mediacall" presetSubtype="0" fill="hold" nodeType="clickEffect">
+                                  <p:stCondLst>
+                                    <p:cond delay="0"/>
+                                  </p:stCondLst>
+                                  <p:childTnLst>
+                                    <p:cmd type="call" cmd="togglePause">
+                                      <p:cBhvr>
+                                        <p:cTn id="6" dur="1" fill="hold"/>
+                                        <p:tgtEl>
+                                          <p:spTgt spid="4"/>
+                                        </p:tgtEl>
+                                      </p:cBhvr>
+                                    </p:cmd>
+                                  </p:childTnLst>
+                                </p:cTn>
+                              </p:par>
+                            </p:childTnLst>
+                          </p:cTn>
+                        </p:par>
+                      </p:childTnLst>
+                    </p:cTn>
+                  </p:par>
+                </p:childTnLst>
+              </p:cTn>
+              <p:nextCondLst>
+                <p:cond evt="onClick" delay="0">
+                  <p:tgtEl>
+                    <p:spTgt spid="4"/>
+                  </p:tgtEl>
+                </p:cond>
+              </p:nextCondLst>
+            </p:seq>
+            <p:video>
+              <p:cMediaNode vol="80000">
+                <p:cTn id="7" fill="hold" display="0">
+                  <p:stCondLst>
+                    <p:cond delay="indefinite"/>
+                  </p:stCondLst>
+                </p:cTn>
+                <p:tgtEl>
+                  <p:spTgt spid="4"/>
+                </p:tgtEl>
+              </p:cMediaNode>
+            </p:video>
+          </p:childTnLst>
+        </p:cTn>
+      </p:par>
+    </p:tnLst>
+  </p:timing>
+</p:sld>
+</file>
+
+<file path=ppt/slides/slide17.xml><?xml version="1.0" encoding="utf-8"?>
+<p:sld xmlns:a="http://schemas.openxmlformats.org/drawingml/2006/main" xmlns:r="http://schemas.openxmlformats.org/officeDocument/2006/relationships" xmlns:p="http://schemas.openxmlformats.org/presentationml/2006/main">
+  <p:cSld>
+    <p:spTree>
+      <p:nvGrpSpPr>
+        <p:cNvPr id="1" name=""/>
+        <p:cNvGrpSpPr/>
+        <p:nvPr/>
+      </p:nvGrpSpPr>
+      <p:grpSpPr>
+        <a:xfrm>
+          <a:off x="0" y="0"/>
+          <a:ext cx="0" cy="0"/>
+          <a:chOff x="0" y="0"/>
+          <a:chExt cx="0" cy="0"/>
+        </a:xfrm>
+      </p:grpSpPr>
+      <p:sp>
+        <p:nvSpPr>
+          <p:cNvPr id="4" name="Title 3"/>
+          <p:cNvSpPr>
+            <a:spLocks noGrp="1"/>
+          </p:cNvSpPr>
+          <p:nvPr>
+            <p:ph type="ctrTitle"/>
+          </p:nvPr>
+        </p:nvSpPr>
+        <p:spPr/>
+        <p:txBody>
+          <a:bodyPr/>
+          <a:lstStyle/>
+          <a:p>
+            <a:r>
+              <a:rPr lang="en-GB" dirty="0" smtClean="0"/>
+              <a:t>Website ASP.NET MVC5</a:t>
+            </a:r>
+            <a:endParaRPr lang="en-GB" dirty="0"/>
+          </a:p>
+        </p:txBody>
+      </p:sp>
+      <p:sp>
+        <p:nvSpPr>
+          <p:cNvPr id="5" name="Subtitle 4"/>
+          <p:cNvSpPr>
+            <a:spLocks noGrp="1"/>
+          </p:cNvSpPr>
+          <p:nvPr>
+            <p:ph type="subTitle" idx="1"/>
+          </p:nvPr>
+        </p:nvSpPr>
+        <p:spPr/>
+        <p:txBody>
+          <a:bodyPr/>
+          <a:lstStyle/>
+          <a:p>
+            <a:endParaRPr lang="en-GB" dirty="0"/>
+          </a:p>
+        </p:txBody>
+      </p:sp>
+    </p:spTree>
+    <p:extLst>
+      <p:ext uri="{BB962C8B-B14F-4D97-AF65-F5344CB8AC3E}">
+        <p14:creationId xmlns:p14="http://schemas.microsoft.com/office/powerpoint/2010/main" val="1611126621"/>
+      </p:ext>
+    </p:extLst>
+  </p:cSld>
+  <p:clrMapOvr>
+    <a:masterClrMapping/>
+  </p:clrMapOvr>
+</p:sld>
+</file>
+
+<file path=ppt/slides/slide18.xml><?xml version="1.0" encoding="utf-8"?>
+<p:sld xmlns:a="http://schemas.openxmlformats.org/drawingml/2006/main" xmlns:r="http://schemas.openxmlformats.org/officeDocument/2006/relationships" xmlns:p="http://schemas.openxmlformats.org/presentationml/2006/main">
+  <p:cSld>
+    <p:spTree>
+      <p:nvGrpSpPr>
+        <p:cNvPr id="1" name=""/>
+        <p:cNvGrpSpPr/>
+        <p:nvPr/>
+      </p:nvGrpSpPr>
+      <p:grpSpPr>
+        <a:xfrm>
+          <a:off x="0" y="0"/>
+          <a:ext cx="0" cy="0"/>
+          <a:chOff x="0" y="0"/>
+          <a:chExt cx="0" cy="0"/>
+        </a:xfrm>
+      </p:grpSpPr>
+      <p:sp>
+        <p:nvSpPr>
+          <p:cNvPr id="2" name="Title 1"/>
+          <p:cNvSpPr>
+            <a:spLocks noGrp="1"/>
+          </p:cNvSpPr>
+          <p:nvPr>
+            <p:ph type="title"/>
+          </p:nvPr>
+        </p:nvSpPr>
+        <p:spPr/>
+        <p:txBody>
+          <a:bodyPr/>
+          <a:lstStyle/>
+          <a:p>
+            <a:r>
+              <a:rPr lang="en-GB" dirty="0" smtClean="0"/>
+              <a:t>Console App</a:t>
+            </a:r>
+            <a:endParaRPr lang="en-GB" dirty="0"/>
+          </a:p>
+        </p:txBody>
+      </p:sp>
+      <p:pic>
+        <p:nvPicPr>
+          <p:cNvPr id="4" name="Console">
+            <a:hlinkClick r:id="" action="ppaction://media"/>
+          </p:cNvPr>
+          <p:cNvPicPr>
+            <a:picLocks noGrp="1" noChangeAspect="1"/>
+          </p:cNvPicPr>
+          <p:nvPr>
+            <p:ph idx="1"/>
+            <a:videoFile r:link="rId2"/>
+            <p:extLst>
+              <p:ext uri="{DAA4B4D4-6D71-4841-9C94-3DE7FCFB9230}">
+                <p14:media xmlns:p14="http://schemas.microsoft.com/office/powerpoint/2010/main" r:embed="rId1"/>
+              </p:ext>
+            </p:extLst>
+          </p:nvPr>
+        </p:nvPicPr>
+        <p:blipFill>
+          <a:blip r:embed="rId5"/>
+          <a:stretch>
+            <a:fillRect/>
+          </a:stretch>
+        </p:blipFill>
+        <p:spPr>
+          <a:xfrm>
+            <a:off x="0" y="-1"/>
+            <a:ext cx="12192000" cy="6857845"/>
+          </a:xfrm>
+        </p:spPr>
+      </p:pic>
+    </p:spTree>
+    <p:extLst>
+      <p:ext uri="{BB962C8B-B14F-4D97-AF65-F5344CB8AC3E}">
+        <p14:creationId xmlns:p14="http://schemas.microsoft.com/office/powerpoint/2010/main" val="3642335928"/>
+      </p:ext>
+    </p:extLst>
+  </p:cSld>
+  <p:clrMapOvr>
+    <a:masterClrMapping/>
+  </p:clrMapOvr>
+  <p:timing>
+    <p:tnLst>
+      <p:par>
+        <p:cTn id="1" dur="indefinite" restart="never" nodeType="tmRoot">
+          <p:childTnLst>
+            <p:seq concurrent="1" nextAc="seek">
+              <p:cTn id="2" restart="whenNotActive" fill="hold" evtFilter="cancelBubble" nodeType="interactiveSeq">
+                <p:stCondLst>
+                  <p:cond evt="onClick" delay="0">
+                    <p:tgtEl>
+                      <p:spTgt spid="4"/>
+                    </p:tgtEl>
+                  </p:cond>
+                </p:stCondLst>
+                <p:endSync evt="end" delay="0">
+                  <p:rtn val="all"/>
+                </p:endSync>
+                <p:childTnLst>
+                  <p:par>
+                    <p:cTn id="3" fill="hold">
+                      <p:stCondLst>
+                        <p:cond delay="0"/>
+                      </p:stCondLst>
+                      <p:childTnLst>
+                        <p:par>
+                          <p:cTn id="4" fill="hold">
+                            <p:stCondLst>
+                              <p:cond delay="0"/>
+                            </p:stCondLst>
+                            <p:childTnLst>
+                              <p:par>
+                                <p:cTn id="5" presetID="2" presetClass="mediacall" presetSubtype="0" fill="hold" nodeType="clickEffect">
+                                  <p:stCondLst>
+                                    <p:cond delay="0"/>
+                                  </p:stCondLst>
+                                  <p:childTnLst>
+                                    <p:cmd type="call" cmd="togglePause">
+                                      <p:cBhvr>
+                                        <p:cTn id="6" dur="1" fill="hold"/>
+                                        <p:tgtEl>
+                                          <p:spTgt spid="4"/>
+                                        </p:tgtEl>
+                                      </p:cBhvr>
+                                    </p:cmd>
+                                  </p:childTnLst>
+                                </p:cTn>
+                              </p:par>
+                            </p:childTnLst>
+                          </p:cTn>
+                        </p:par>
+                      </p:childTnLst>
+                    </p:cTn>
+                  </p:par>
+                </p:childTnLst>
+              </p:cTn>
+              <p:nextCondLst>
+                <p:cond evt="onClick" delay="0">
+                  <p:tgtEl>
+                    <p:spTgt spid="4"/>
+                  </p:tgtEl>
+                </p:cond>
+              </p:nextCondLst>
+            </p:seq>
+            <p:video>
+              <p:cMediaNode vol="80000">
+                <p:cTn id="7" fill="hold" display="0">
+                  <p:stCondLst>
+                    <p:cond delay="indefinite"/>
+                  </p:stCondLst>
+                </p:cTn>
+                <p:tgtEl>
+                  <p:spTgt spid="4"/>
+                </p:tgtEl>
+              </p:cMediaNode>
+            </p:video>
+          </p:childTnLst>
+        </p:cTn>
+      </p:par>
+    </p:tnLst>
+  </p:timing>
+</p:sld>
+</file>
+
+<file path=ppt/slides/slide19.xml><?xml version="1.0" encoding="utf-8"?>
+<p:sld xmlns:a="http://schemas.openxmlformats.org/drawingml/2006/main" xmlns:r="http://schemas.openxmlformats.org/officeDocument/2006/relationships" xmlns:p="http://schemas.openxmlformats.org/presentationml/2006/main">
+  <p:cSld>
+    <p:spTree>
+      <p:nvGrpSpPr>
+        <p:cNvPr id="1" name=""/>
+        <p:cNvGrpSpPr/>
+        <p:nvPr/>
+      </p:nvGrpSpPr>
+      <p:grpSpPr>
+        <a:xfrm>
+          <a:off x="0" y="0"/>
+          <a:ext cx="0" cy="0"/>
+          <a:chOff x="0" y="0"/>
+          <a:chExt cx="0" cy="0"/>
+        </a:xfrm>
+      </p:grpSpPr>
+      <p:sp>
+        <p:nvSpPr>
+          <p:cNvPr id="2" name="Title 1"/>
+          <p:cNvSpPr>
+            <a:spLocks noGrp="1"/>
+          </p:cNvSpPr>
+          <p:nvPr>
+            <p:ph type="title"/>
+          </p:nvPr>
+        </p:nvSpPr>
+        <p:spPr/>
+        <p:txBody>
+          <a:bodyPr/>
+          <a:lstStyle/>
+          <a:p>
+            <a:endParaRPr lang="en-GB"/>
+          </a:p>
+        </p:txBody>
+      </p:sp>
+      <p:pic>
+        <p:nvPicPr>
+          <p:cNvPr id="4" name="Content Placeholder 3"/>
+          <p:cNvPicPr>
+            <a:picLocks noGrp="1" noChangeAspect="1"/>
+          </p:cNvPicPr>
+          <p:nvPr>
+            <p:ph idx="1"/>
+          </p:nvPr>
+        </p:nvPicPr>
+        <p:blipFill>
+          <a:blip r:embed="rId3"/>
+          <a:stretch>
+            <a:fillRect/>
+          </a:stretch>
+        </p:blipFill>
+        <p:spPr>
+          <a:xfrm>
+            <a:off x="0" y="720725"/>
+            <a:ext cx="7620000" cy="5766142"/>
+          </a:xfrm>
+          <a:prstGeom prst="rect">
+            <a:avLst/>
+          </a:prstGeom>
+        </p:spPr>
+      </p:pic>
+      <p:cxnSp>
+        <p:nvCxnSpPr>
+          <p:cNvPr id="6" name="Straight Arrow Connector 5"/>
+          <p:cNvCxnSpPr/>
+          <p:nvPr/>
+        </p:nvCxnSpPr>
+        <p:spPr>
+          <a:xfrm flipH="1" flipV="1">
+            <a:off x="3581400" y="5172075"/>
+            <a:ext cx="2362200" cy="914400"/>
+          </a:xfrm>
+          <a:prstGeom prst="straightConnector1">
+            <a:avLst/>
+          </a:prstGeom>
+          <a:ln w="73025">
+            <a:tailEnd type="triangle"/>
+          </a:ln>
+        </p:spPr>
+        <p:style>
+          <a:lnRef idx="1">
+            <a:schemeClr val="accent1"/>
+          </a:lnRef>
+          <a:fillRef idx="0">
+            <a:schemeClr val="accent1"/>
+          </a:fillRef>
+          <a:effectRef idx="0">
+            <a:schemeClr val="accent1"/>
+          </a:effectRef>
+          <a:fontRef idx="minor">
+            <a:schemeClr val="tx1"/>
+          </a:fontRef>
+        </p:style>
+      </p:cxnSp>
+      <p:cxnSp>
+        <p:nvCxnSpPr>
+          <p:cNvPr id="7" name="Straight Arrow Connector 6"/>
+          <p:cNvCxnSpPr/>
+          <p:nvPr/>
+        </p:nvCxnSpPr>
+        <p:spPr>
+          <a:xfrm flipH="1" flipV="1">
+            <a:off x="6753225" y="4810125"/>
+            <a:ext cx="2362200" cy="914400"/>
+          </a:xfrm>
+          <a:prstGeom prst="straightConnector1">
+            <a:avLst/>
+          </a:prstGeom>
+          <a:ln w="73025">
+            <a:tailEnd type="triangle"/>
+          </a:ln>
+        </p:spPr>
+        <p:style>
+          <a:lnRef idx="1">
+            <a:schemeClr val="accent1"/>
+          </a:lnRef>
+          <a:fillRef idx="0">
+            <a:schemeClr val="accent1"/>
+          </a:fillRef>
+          <a:effectRef idx="0">
+            <a:schemeClr val="accent1"/>
+          </a:effectRef>
+          <a:fontRef idx="minor">
+            <a:schemeClr val="tx1"/>
+          </a:fontRef>
+        </p:style>
+      </p:cxnSp>
+    </p:spTree>
+    <p:extLst>
+      <p:ext uri="{BB962C8B-B14F-4D97-AF65-F5344CB8AC3E}">
+        <p14:creationId xmlns:p14="http://schemas.microsoft.com/office/powerpoint/2010/main" val="3556000091"/>
+      </p:ext>
+    </p:extLst>
+  </p:cSld>
+  <p:clrMapOvr>
+    <a:masterClrMapping/>
+  </p:clrMapOvr>
+</p:sld>
+</file>
+
+<file path=ppt/slides/slide2.xml><?xml version="1.0" encoding="utf-8"?>
+<p:sld xmlns:a="http://schemas.openxmlformats.org/drawingml/2006/main" xmlns:r="http://schemas.openxmlformats.org/officeDocument/2006/relationships" xmlns:p="http://schemas.openxmlformats.org/presentationml/2006/main">
+  <p:cSld>
+    <p:bg>
+      <p:bgPr>
+        <a:solidFill>
+          <a:schemeClr val="bg1"/>
+        </a:solidFill>
+        <a:effectLst/>
+      </p:bgPr>
+    </p:bg>
+    <p:spTree>
+      <p:nvGrpSpPr>
+        <p:cNvPr id="1" name=""/>
+        <p:cNvGrpSpPr/>
+        <p:nvPr/>
+      </p:nvGrpSpPr>
+      <p:grpSpPr>
+        <a:xfrm>
+          <a:off x="0" y="0"/>
+          <a:ext cx="0" cy="0"/>
+          <a:chOff x="0" y="0"/>
+          <a:chExt cx="0" cy="0"/>
+        </a:xfrm>
+      </p:grpSpPr>
+      <p:sp>
+        <p:nvSpPr>
+          <p:cNvPr id="2" name="Title 1"/>
+          <p:cNvSpPr>
+            <a:spLocks noGrp="1"/>
+          </p:cNvSpPr>
+          <p:nvPr>
+            <p:ph type="title"/>
+          </p:nvPr>
+        </p:nvSpPr>
+        <p:spPr>
+          <a:solidFill>
+            <a:schemeClr val="bg1"/>
+          </a:solidFill>
+        </p:spPr>
         <p:txBody>
           <a:bodyPr/>
           <a:lstStyle/>
@@ -5497,7 +7645,7 @@
         </p:blipFill>
         <p:spPr bwMode="auto">
           <a:xfrm>
-            <a:off x="838200" y="2449286"/>
+            <a:off x="460375" y="2325195"/>
             <a:ext cx="1872343" cy="1872343"/>
           </a:xfrm>
           <a:prstGeom prst="rect">
@@ -5538,7 +7686,7 @@
         </p:blipFill>
         <p:spPr bwMode="auto">
           <a:xfrm>
-            <a:off x="3062061" y="2449286"/>
+            <a:off x="3086670" y="1998846"/>
             <a:ext cx="3180139" cy="1719263"/>
           </a:xfrm>
           <a:prstGeom prst="rect">
@@ -5556,52 +7704,240 @@
           </a:extLst>
         </p:spPr>
       </p:pic>
-      <p:sp>
-        <p:nvSpPr>
-          <p:cNvPr id="5" name="TextBox 4"/>
-          <p:cNvSpPr txBox="1"/>
+      <p:pic>
+        <p:nvPicPr>
+          <p:cNvPr id="4" name="Picture 4" descr="https://uk.virginmoney.com/virgin/Images/virgin-money-logo-white_tcm23-26069.jpg"/>
+          <p:cNvPicPr>
+            <a:picLocks noChangeAspect="1" noChangeArrowheads="1"/>
+          </p:cNvPicPr>
           <p:nvPr/>
-        </p:nvSpPr>
-        <p:spPr>
+        </p:nvPicPr>
+        <p:blipFill>
+          <a:blip r:embed="rId5" cstate="print">
+            <a:extLst>
+              <a:ext uri="{28A0092B-C50C-407E-A947-70E740481C1C}">
+                <a14:useLocalDpi xmlns:a14="http://schemas.microsoft.com/office/drawing/2010/main" val="0"/>
+              </a:ext>
+            </a:extLst>
+          </a:blip>
+          <a:srcRect/>
+          <a:stretch>
+            <a:fillRect/>
+          </a:stretch>
+        </p:blipFill>
+        <p:spPr bwMode="auto">
           <a:xfrm>
-            <a:off x="303164" y="5295130"/>
-            <a:ext cx="11585672" cy="707886"/>
+            <a:off x="8520305" y="2115602"/>
+            <a:ext cx="2906486" cy="1341136"/>
           </a:xfrm>
           <a:prstGeom prst="rect">
             <a:avLst/>
           </a:prstGeom>
           <a:noFill/>
+          <a:extLst>
+            <a:ext uri="{909E8E84-426E-40DD-AFC4-6F175D3DCCD1}">
+              <a14:hiddenFill xmlns:a14="http://schemas.microsoft.com/office/drawing/2010/main">
+                <a:solidFill>
+                  <a:srgbClr val="FFFFFF"/>
+                </a:solidFill>
+              </a14:hiddenFill>
+            </a:ext>
+          </a:extLst>
         </p:spPr>
-        <p:txBody>
-          <a:bodyPr wrap="none" rtlCol="0">
-            <a:spAutoFit/>
+      </p:pic>
+      <p:pic>
+        <p:nvPicPr>
+          <p:cNvPr id="1030" name="Picture 6" descr="http://offerclub.co.uk/wp-content/themes/shopperpress/thumbs/tesco-bank.png"/>
+          <p:cNvPicPr>
+            <a:picLocks noChangeAspect="1" noChangeArrowheads="1"/>
+          </p:cNvPicPr>
+          <p:nvPr/>
+        </p:nvPicPr>
+        <p:blipFill>
+          <a:blip r:embed="rId6">
+            <a:extLst>
+              <a:ext uri="{28A0092B-C50C-407E-A947-70E740481C1C}">
+                <a14:useLocalDpi xmlns:a14="http://schemas.microsoft.com/office/drawing/2010/main" val="0"/>
+              </a:ext>
+            </a:extLst>
+          </a:blip>
+          <a:srcRect/>
+          <a:stretch>
+            <a:fillRect/>
+          </a:stretch>
+        </p:blipFill>
+        <p:spPr bwMode="auto">
+          <a:xfrm>
+            <a:off x="9552992" y="3755890"/>
+            <a:ext cx="1576972" cy="1576972"/>
+          </a:xfrm>
+          <a:prstGeom prst="rect">
+            <a:avLst/>
+          </a:prstGeom>
+          <a:noFill/>
+          <a:extLst>
+            <a:ext uri="{909E8E84-426E-40DD-AFC4-6F175D3DCCD1}">
+              <a14:hiddenFill xmlns:a14="http://schemas.microsoft.com/office/drawing/2010/main">
+                <a:solidFill>
+                  <a:srgbClr val="FFFFFF"/>
+                </a:solidFill>
+              </a14:hiddenFill>
+            </a:ext>
+          </a:extLst>
+        </p:spPr>
+      </p:pic>
+      <p:pic>
+        <p:nvPicPr>
+          <p:cNvPr id="1032" name="Picture 8" descr="National Australia Bank"/>
+          <p:cNvPicPr>
+            <a:picLocks noChangeAspect="1" noChangeArrowheads="1"/>
+          </p:cNvPicPr>
+          <p:nvPr/>
+        </p:nvPicPr>
+        <p:blipFill>
+          <a:blip r:embed="rId7">
+            <a:extLst>
+              <a:ext uri="{28A0092B-C50C-407E-A947-70E740481C1C}">
+                <a14:useLocalDpi xmlns:a14="http://schemas.microsoft.com/office/drawing/2010/main" val="0"/>
+              </a:ext>
+            </a:extLst>
+          </a:blip>
+          <a:srcRect/>
+          <a:stretch>
+            <a:fillRect/>
+          </a:stretch>
+        </p:blipFill>
+        <p:spPr bwMode="auto">
+          <a:xfrm>
+            <a:off x="8074463" y="4511603"/>
+            <a:ext cx="723900" cy="1057276"/>
+          </a:xfrm>
+          <a:prstGeom prst="rect">
+            <a:avLst/>
+          </a:prstGeom>
+          <a:noFill/>
+          <a:extLst>
+            <a:ext uri="{909E8E84-426E-40DD-AFC4-6F175D3DCCD1}">
+              <a14:hiddenFill xmlns:a14="http://schemas.microsoft.com/office/drawing/2010/main">
+                <a:solidFill>
+                  <a:srgbClr val="FFFFFF"/>
+                </a:solidFill>
+              </a14:hiddenFill>
+            </a:ext>
+          </a:extLst>
+        </p:spPr>
+      </p:pic>
+      <p:sp>
+        <p:nvSpPr>
+          <p:cNvPr id="6" name="AutoShape 10" descr="Airdrie Savings Bank"/>
+          <p:cNvSpPr>
+            <a:spLocks noChangeAspect="1" noChangeArrowheads="1"/>
+          </p:cNvSpPr>
+          <p:nvPr/>
+        </p:nvSpPr>
+        <p:spPr bwMode="auto">
+          <a:xfrm>
+            <a:off x="155575" y="-144463"/>
+            <a:ext cx="304800" cy="304801"/>
+          </a:xfrm>
+          <a:prstGeom prst="rect">
+            <a:avLst/>
+          </a:prstGeom>
+          <a:noFill/>
+          <a:extLst>
+            <a:ext uri="{909E8E84-426E-40DD-AFC4-6F175D3DCCD1}">
+              <a14:hiddenFill xmlns:a14="http://schemas.microsoft.com/office/drawing/2010/main">
+                <a:solidFill>
+                  <a:srgbClr val="FFFFFF"/>
+                </a:solidFill>
+              </a14:hiddenFill>
+            </a:ext>
+          </a:extLst>
+        </p:spPr>
+        <p:txBody>
+          <a:bodyPr vert="horz" wrap="square" lIns="91440" tIns="45720" rIns="91440" bIns="45720" numCol="1" anchor="t" anchorCtr="0" compatLnSpc="1">
+            <a:prstTxWarp prst="textNoShape">
+              <a:avLst/>
+            </a:prstTxWarp>
           </a:bodyPr>
           <a:lstStyle/>
           <a:p>
-            <a:r>
-              <a:rPr lang="en-GB" sz="4000" dirty="0" smtClean="0">
-                <a:solidFill>
-                  <a:schemeClr val="tx1">
-                    <a:lumMod val="75000"/>
-                    <a:lumOff val="25000"/>
-                  </a:schemeClr>
-                </a:solidFill>
-                <a:latin typeface="Montserrat" panose="00000500000000000000" pitchFamily="50" charset="0"/>
-              </a:rPr>
-              <a:t>We do Infrastructure and Software for clients</a:t>
-            </a:r>
-            <a:endParaRPr lang="en-GB" sz="4000" dirty="0">
-              <a:solidFill>
-                <a:schemeClr val="tx1">
-                  <a:lumMod val="75000"/>
-                  <a:lumOff val="25000"/>
-                </a:schemeClr>
-              </a:solidFill>
-              <a:latin typeface="Montserrat" panose="00000500000000000000" pitchFamily="50" charset="0"/>
-            </a:endParaRPr>
-          </a:p>
-        </p:txBody>
-      </p:sp>
+            <a:endParaRPr lang="en-GB"/>
+          </a:p>
+        </p:txBody>
+      </p:sp>
+      <p:pic>
+        <p:nvPicPr>
+          <p:cNvPr id="9" name="Picture 8"/>
+          <p:cNvPicPr>
+            <a:picLocks noChangeAspect="1"/>
+          </p:cNvPicPr>
+          <p:nvPr/>
+        </p:nvPicPr>
+        <p:blipFill>
+          <a:blip r:embed="rId8"/>
+          <a:stretch>
+            <a:fillRect/>
+          </a:stretch>
+        </p:blipFill>
+        <p:spPr>
+          <a:xfrm>
+            <a:off x="5251213" y="4189862"/>
+            <a:ext cx="1952625" cy="1143000"/>
+          </a:xfrm>
+          <a:prstGeom prst="rect">
+            <a:avLst/>
+          </a:prstGeom>
+        </p:spPr>
+      </p:pic>
+      <p:pic>
+        <p:nvPicPr>
+          <p:cNvPr id="10" name="Picture 9"/>
+          <p:cNvPicPr>
+            <a:picLocks noChangeAspect="1"/>
+          </p:cNvPicPr>
+          <p:nvPr/>
+        </p:nvPicPr>
+        <p:blipFill>
+          <a:blip r:embed="rId9"/>
+          <a:stretch>
+            <a:fillRect/>
+          </a:stretch>
+        </p:blipFill>
+        <p:spPr>
+          <a:xfrm>
+            <a:off x="1183417" y="4619919"/>
+            <a:ext cx="3038475" cy="885825"/>
+          </a:xfrm>
+          <a:prstGeom prst="rect">
+            <a:avLst/>
+          </a:prstGeom>
+        </p:spPr>
+      </p:pic>
+      <p:pic>
+        <p:nvPicPr>
+          <p:cNvPr id="11" name="Picture 10"/>
+          <p:cNvPicPr>
+            <a:picLocks noChangeAspect="1"/>
+          </p:cNvPicPr>
+          <p:nvPr/>
+        </p:nvPicPr>
+        <p:blipFill>
+          <a:blip r:embed="rId10"/>
+          <a:stretch>
+            <a:fillRect/>
+          </a:stretch>
+        </p:blipFill>
+        <p:spPr>
+          <a:xfrm>
+            <a:off x="6679044" y="2559932"/>
+            <a:ext cx="1266825" cy="657225"/>
+          </a:xfrm>
+          <a:prstGeom prst="rect">
+            <a:avLst/>
+          </a:prstGeom>
+        </p:spPr>
+      </p:pic>
     </p:spTree>
     <p:extLst>
       <p:ext uri="{BB962C8B-B14F-4D97-AF65-F5344CB8AC3E}">
@@ -5616,6 +7952,1213 @@
     <p:tnLst>
       <p:par>
         <p:cTn id="1" dur="indefinite" restart="never" nodeType="tmRoot"/>
+      </p:par>
+    </p:tnLst>
+  </p:timing>
+</p:sld>
+</file>
+
+<file path=ppt/slides/slide20.xml><?xml version="1.0" encoding="utf-8"?>
+<p:sld xmlns:a="http://schemas.openxmlformats.org/drawingml/2006/main" xmlns:r="http://schemas.openxmlformats.org/officeDocument/2006/relationships" xmlns:p="http://schemas.openxmlformats.org/presentationml/2006/main">
+  <p:cSld>
+    <p:spTree>
+      <p:nvGrpSpPr>
+        <p:cNvPr id="1" name=""/>
+        <p:cNvGrpSpPr/>
+        <p:nvPr/>
+      </p:nvGrpSpPr>
+      <p:grpSpPr>
+        <a:xfrm>
+          <a:off x="0" y="0"/>
+          <a:ext cx="0" cy="0"/>
+          <a:chOff x="0" y="0"/>
+          <a:chExt cx="0" cy="0"/>
+        </a:xfrm>
+      </p:grpSpPr>
+      <p:sp>
+        <p:nvSpPr>
+          <p:cNvPr id="4" name="Title 3"/>
+          <p:cNvSpPr>
+            <a:spLocks noGrp="1"/>
+          </p:cNvSpPr>
+          <p:nvPr>
+            <p:ph type="ctrTitle"/>
+          </p:nvPr>
+        </p:nvSpPr>
+        <p:spPr/>
+        <p:txBody>
+          <a:bodyPr/>
+          <a:lstStyle/>
+          <a:p>
+            <a:r>
+              <a:rPr lang="en-GB" dirty="0" smtClean="0"/>
+              <a:t>OAuth2</a:t>
+            </a:r>
+            <a:endParaRPr lang="en-GB" dirty="0"/>
+          </a:p>
+        </p:txBody>
+      </p:sp>
+      <p:sp>
+        <p:nvSpPr>
+          <p:cNvPr id="5" name="Subtitle 4"/>
+          <p:cNvSpPr>
+            <a:spLocks noGrp="1"/>
+          </p:cNvSpPr>
+          <p:nvPr>
+            <p:ph type="subTitle" idx="1"/>
+          </p:nvPr>
+        </p:nvSpPr>
+        <p:spPr/>
+        <p:txBody>
+          <a:bodyPr/>
+          <a:lstStyle/>
+          <a:p>
+            <a:endParaRPr lang="en-GB" dirty="0"/>
+          </a:p>
+        </p:txBody>
+      </p:sp>
+    </p:spTree>
+    <p:extLst>
+      <p:ext uri="{BB962C8B-B14F-4D97-AF65-F5344CB8AC3E}">
+        <p14:creationId xmlns:p14="http://schemas.microsoft.com/office/powerpoint/2010/main" val="2527053569"/>
+      </p:ext>
+    </p:extLst>
+  </p:cSld>
+  <p:clrMapOvr>
+    <a:masterClrMapping/>
+  </p:clrMapOvr>
+</p:sld>
+</file>
+
+<file path=ppt/slides/slide21.xml><?xml version="1.0" encoding="utf-8"?>
+<p:sld xmlns:a="http://schemas.openxmlformats.org/drawingml/2006/main" xmlns:r="http://schemas.openxmlformats.org/officeDocument/2006/relationships" xmlns:p="http://schemas.openxmlformats.org/presentationml/2006/main">
+  <p:cSld>
+    <p:spTree>
+      <p:nvGrpSpPr>
+        <p:cNvPr id="1" name=""/>
+        <p:cNvGrpSpPr/>
+        <p:nvPr/>
+      </p:nvGrpSpPr>
+      <p:grpSpPr>
+        <a:xfrm>
+          <a:off x="0" y="0"/>
+          <a:ext cx="0" cy="0"/>
+          <a:chOff x="0" y="0"/>
+          <a:chExt cx="0" cy="0"/>
+        </a:xfrm>
+      </p:grpSpPr>
+      <p:sp>
+        <p:nvSpPr>
+          <p:cNvPr id="2" name="Title 1"/>
+          <p:cNvSpPr>
+            <a:spLocks noGrp="1"/>
+          </p:cNvSpPr>
+          <p:nvPr>
+            <p:ph type="title"/>
+          </p:nvPr>
+        </p:nvSpPr>
+        <p:spPr/>
+        <p:txBody>
+          <a:bodyPr/>
+          <a:lstStyle/>
+          <a:p>
+            <a:endParaRPr lang="en-GB"/>
+          </a:p>
+        </p:txBody>
+      </p:sp>
+      <p:cxnSp>
+        <p:nvCxnSpPr>
+          <p:cNvPr id="6" name="Straight Arrow Connector 5"/>
+          <p:cNvCxnSpPr/>
+          <p:nvPr/>
+        </p:nvCxnSpPr>
+        <p:spPr>
+          <a:xfrm flipH="1" flipV="1">
+            <a:off x="3581400" y="5172075"/>
+            <a:ext cx="2362200" cy="914400"/>
+          </a:xfrm>
+          <a:prstGeom prst="straightConnector1">
+            <a:avLst/>
+          </a:prstGeom>
+          <a:ln w="73025">
+            <a:tailEnd type="triangle"/>
+          </a:ln>
+        </p:spPr>
+        <p:style>
+          <a:lnRef idx="1">
+            <a:schemeClr val="accent1"/>
+          </a:lnRef>
+          <a:fillRef idx="0">
+            <a:schemeClr val="accent1"/>
+          </a:fillRef>
+          <a:effectRef idx="0">
+            <a:schemeClr val="accent1"/>
+          </a:effectRef>
+          <a:fontRef idx="minor">
+            <a:schemeClr val="tx1"/>
+          </a:fontRef>
+        </p:style>
+      </p:cxnSp>
+      <p:cxnSp>
+        <p:nvCxnSpPr>
+          <p:cNvPr id="7" name="Straight Arrow Connector 6"/>
+          <p:cNvCxnSpPr/>
+          <p:nvPr/>
+        </p:nvCxnSpPr>
+        <p:spPr>
+          <a:xfrm flipH="1" flipV="1">
+            <a:off x="6753225" y="4810125"/>
+            <a:ext cx="2362200" cy="914400"/>
+          </a:xfrm>
+          <a:prstGeom prst="straightConnector1">
+            <a:avLst/>
+          </a:prstGeom>
+          <a:ln w="73025">
+            <a:tailEnd type="triangle"/>
+          </a:ln>
+        </p:spPr>
+        <p:style>
+          <a:lnRef idx="1">
+            <a:schemeClr val="accent1"/>
+          </a:lnRef>
+          <a:fillRef idx="0">
+            <a:schemeClr val="accent1"/>
+          </a:fillRef>
+          <a:effectRef idx="0">
+            <a:schemeClr val="accent1"/>
+          </a:effectRef>
+          <a:fontRef idx="minor">
+            <a:schemeClr val="tx1"/>
+          </a:fontRef>
+        </p:style>
+      </p:cxnSp>
+      <p:sp>
+        <p:nvSpPr>
+          <p:cNvPr id="3" name="Content Placeholder 2"/>
+          <p:cNvSpPr>
+            <a:spLocks noGrp="1"/>
+          </p:cNvSpPr>
+          <p:nvPr>
+            <p:ph idx="1"/>
+          </p:nvPr>
+        </p:nvSpPr>
+        <p:spPr/>
+        <p:txBody>
+          <a:bodyPr/>
+          <a:lstStyle/>
+          <a:p>
+            <a:endParaRPr lang="en-GB" dirty="0"/>
+          </a:p>
+        </p:txBody>
+      </p:sp>
+      <p:pic>
+        <p:nvPicPr>
+          <p:cNvPr id="1026" name="Picture 2" descr="https://developer.spotify.com/wp-content/uploads/2014/04/Authorization-Code-Flow-Diagram.png"/>
+          <p:cNvPicPr>
+            <a:picLocks noChangeAspect="1" noChangeArrowheads="1"/>
+          </p:cNvPicPr>
+          <p:nvPr/>
+        </p:nvPicPr>
+        <p:blipFill>
+          <a:blip r:embed="rId3">
+            <a:extLst>
+              <a:ext uri="{28A0092B-C50C-407E-A947-70E740481C1C}">
+                <a14:useLocalDpi xmlns:a14="http://schemas.microsoft.com/office/drawing/2010/main" val="0"/>
+              </a:ext>
+            </a:extLst>
+          </a:blip>
+          <a:srcRect/>
+          <a:stretch>
+            <a:fillRect/>
+          </a:stretch>
+        </p:blipFill>
+        <p:spPr bwMode="auto">
+          <a:xfrm>
+            <a:off x="88900" y="0"/>
+            <a:ext cx="6667498" cy="6858000"/>
+          </a:xfrm>
+          <a:prstGeom prst="rect">
+            <a:avLst/>
+          </a:prstGeom>
+          <a:noFill/>
+          <a:extLst>
+            <a:ext uri="{909E8E84-426E-40DD-AFC4-6F175D3DCCD1}">
+              <a14:hiddenFill xmlns:a14="http://schemas.microsoft.com/office/drawing/2010/main">
+                <a:solidFill>
+                  <a:srgbClr val="FFFFFF"/>
+                </a:solidFill>
+              </a14:hiddenFill>
+            </a:ext>
+          </a:extLst>
+        </p:spPr>
+      </p:pic>
+    </p:spTree>
+    <p:extLst>
+      <p:ext uri="{BB962C8B-B14F-4D97-AF65-F5344CB8AC3E}">
+        <p14:creationId xmlns:p14="http://schemas.microsoft.com/office/powerpoint/2010/main" val="3442994762"/>
+      </p:ext>
+    </p:extLst>
+  </p:cSld>
+  <p:clrMapOvr>
+    <a:masterClrMapping/>
+  </p:clrMapOvr>
+</p:sld>
+</file>
+
+<file path=ppt/slides/slide22.xml><?xml version="1.0" encoding="utf-8"?>
+<p:sld xmlns:a="http://schemas.openxmlformats.org/drawingml/2006/main" xmlns:r="http://schemas.openxmlformats.org/officeDocument/2006/relationships" xmlns:p="http://schemas.openxmlformats.org/presentationml/2006/main">
+  <p:cSld>
+    <p:spTree>
+      <p:nvGrpSpPr>
+        <p:cNvPr id="1" name=""/>
+        <p:cNvGrpSpPr/>
+        <p:nvPr/>
+      </p:nvGrpSpPr>
+      <p:grpSpPr>
+        <a:xfrm>
+          <a:off x="0" y="0"/>
+          <a:ext cx="0" cy="0"/>
+          <a:chOff x="0" y="0"/>
+          <a:chExt cx="0" cy="0"/>
+        </a:xfrm>
+      </p:grpSpPr>
+      <p:sp>
+        <p:nvSpPr>
+          <p:cNvPr id="2" name="Title 1"/>
+          <p:cNvSpPr>
+            <a:spLocks noGrp="1"/>
+          </p:cNvSpPr>
+          <p:nvPr>
+            <p:ph type="title"/>
+          </p:nvPr>
+        </p:nvSpPr>
+        <p:spPr/>
+        <p:txBody>
+          <a:bodyPr/>
+          <a:lstStyle/>
+          <a:p>
+            <a:r>
+              <a:rPr lang="en-GB" dirty="0" smtClean="0"/>
+              <a:t>Dapper – a Micro Object Relational Mapper</a:t>
+            </a:r>
+            <a:endParaRPr lang="en-GB" dirty="0"/>
+          </a:p>
+        </p:txBody>
+      </p:sp>
+      <p:sp>
+        <p:nvSpPr>
+          <p:cNvPr id="3" name="Content Placeholder 2"/>
+          <p:cNvSpPr>
+            <a:spLocks noGrp="1"/>
+          </p:cNvSpPr>
+          <p:nvPr>
+            <p:ph idx="1"/>
+          </p:nvPr>
+        </p:nvSpPr>
+        <p:spPr/>
+        <p:txBody>
+          <a:bodyPr/>
+          <a:lstStyle/>
+          <a:p>
+            <a:endParaRPr lang="en-GB" dirty="0"/>
+          </a:p>
+        </p:txBody>
+      </p:sp>
+    </p:spTree>
+    <p:extLst>
+      <p:ext uri="{BB962C8B-B14F-4D97-AF65-F5344CB8AC3E}">
+        <p14:creationId xmlns:p14="http://schemas.microsoft.com/office/powerpoint/2010/main" val="1077186998"/>
+      </p:ext>
+    </p:extLst>
+  </p:cSld>
+  <p:clrMapOvr>
+    <a:masterClrMapping/>
+  </p:clrMapOvr>
+</p:sld>
+</file>
+
+<file path=ppt/slides/slide23.xml><?xml version="1.0" encoding="utf-8"?>
+<p:sld xmlns:a="http://schemas.openxmlformats.org/drawingml/2006/main" xmlns:r="http://schemas.openxmlformats.org/officeDocument/2006/relationships" xmlns:p="http://schemas.openxmlformats.org/presentationml/2006/main">
+  <p:cSld>
+    <p:spTree>
+      <p:nvGrpSpPr>
+        <p:cNvPr id="1" name=""/>
+        <p:cNvGrpSpPr/>
+        <p:nvPr/>
+      </p:nvGrpSpPr>
+      <p:grpSpPr>
+        <a:xfrm>
+          <a:off x="0" y="0"/>
+          <a:ext cx="0" cy="0"/>
+          <a:chOff x="0" y="0"/>
+          <a:chExt cx="0" cy="0"/>
+        </a:xfrm>
+      </p:grpSpPr>
+      <p:sp>
+        <p:nvSpPr>
+          <p:cNvPr id="2" name="Title 1"/>
+          <p:cNvSpPr>
+            <a:spLocks noGrp="1"/>
+          </p:cNvSpPr>
+          <p:nvPr>
+            <p:ph type="title"/>
+          </p:nvPr>
+        </p:nvSpPr>
+        <p:spPr/>
+        <p:txBody>
+          <a:bodyPr/>
+          <a:lstStyle/>
+          <a:p>
+            <a:r>
+              <a:rPr lang="en-GB" dirty="0" smtClean="0"/>
+              <a:t>Console App</a:t>
+            </a:r>
+            <a:endParaRPr lang="en-GB" dirty="0"/>
+          </a:p>
+        </p:txBody>
+      </p:sp>
+      <p:pic>
+        <p:nvPicPr>
+          <p:cNvPr id="4" name="Console">
+            <a:hlinkClick r:id="" action="ppaction://media"/>
+          </p:cNvPr>
+          <p:cNvPicPr>
+            <a:picLocks noGrp="1" noChangeAspect="1"/>
+          </p:cNvPicPr>
+          <p:nvPr>
+            <p:ph idx="1"/>
+            <a:videoFile r:link="rId2"/>
+            <p:extLst>
+              <p:ext uri="{DAA4B4D4-6D71-4841-9C94-3DE7FCFB9230}">
+                <p14:media xmlns:p14="http://schemas.microsoft.com/office/powerpoint/2010/main" r:embed="rId1"/>
+              </p:ext>
+            </p:extLst>
+          </p:nvPr>
+        </p:nvPicPr>
+        <p:blipFill>
+          <a:blip r:embed="rId5"/>
+          <a:stretch>
+            <a:fillRect/>
+          </a:stretch>
+        </p:blipFill>
+        <p:spPr>
+          <a:xfrm>
+            <a:off x="0" y="-1"/>
+            <a:ext cx="12192000" cy="6857845"/>
+          </a:xfrm>
+        </p:spPr>
+      </p:pic>
+    </p:spTree>
+    <p:extLst>
+      <p:ext uri="{BB962C8B-B14F-4D97-AF65-F5344CB8AC3E}">
+        <p14:creationId xmlns:p14="http://schemas.microsoft.com/office/powerpoint/2010/main" val="3438601896"/>
+      </p:ext>
+    </p:extLst>
+  </p:cSld>
+  <p:clrMapOvr>
+    <a:masterClrMapping/>
+  </p:clrMapOvr>
+  <p:timing>
+    <p:tnLst>
+      <p:par>
+        <p:cTn id="1" dur="indefinite" restart="never" nodeType="tmRoot">
+          <p:childTnLst>
+            <p:seq concurrent="1" nextAc="seek">
+              <p:cTn id="2" restart="whenNotActive" fill="hold" evtFilter="cancelBubble" nodeType="interactiveSeq">
+                <p:stCondLst>
+                  <p:cond evt="onClick" delay="0">
+                    <p:tgtEl>
+                      <p:spTgt spid="4"/>
+                    </p:tgtEl>
+                  </p:cond>
+                </p:stCondLst>
+                <p:endSync evt="end" delay="0">
+                  <p:rtn val="all"/>
+                </p:endSync>
+                <p:childTnLst>
+                  <p:par>
+                    <p:cTn id="3" fill="hold">
+                      <p:stCondLst>
+                        <p:cond delay="0"/>
+                      </p:stCondLst>
+                      <p:childTnLst>
+                        <p:par>
+                          <p:cTn id="4" fill="hold">
+                            <p:stCondLst>
+                              <p:cond delay="0"/>
+                            </p:stCondLst>
+                            <p:childTnLst>
+                              <p:par>
+                                <p:cTn id="5" presetID="2" presetClass="mediacall" presetSubtype="0" fill="hold" nodeType="clickEffect">
+                                  <p:stCondLst>
+                                    <p:cond delay="0"/>
+                                  </p:stCondLst>
+                                  <p:childTnLst>
+                                    <p:cmd type="call" cmd="togglePause">
+                                      <p:cBhvr>
+                                        <p:cTn id="6" dur="1" fill="hold"/>
+                                        <p:tgtEl>
+                                          <p:spTgt spid="4"/>
+                                        </p:tgtEl>
+                                      </p:cBhvr>
+                                    </p:cmd>
+                                  </p:childTnLst>
+                                </p:cTn>
+                              </p:par>
+                            </p:childTnLst>
+                          </p:cTn>
+                        </p:par>
+                      </p:childTnLst>
+                    </p:cTn>
+                  </p:par>
+                </p:childTnLst>
+              </p:cTn>
+              <p:nextCondLst>
+                <p:cond evt="onClick" delay="0">
+                  <p:tgtEl>
+                    <p:spTgt spid="4"/>
+                  </p:tgtEl>
+                </p:cond>
+              </p:nextCondLst>
+            </p:seq>
+            <p:video>
+              <p:cMediaNode vol="80000">
+                <p:cTn id="7" fill="hold" display="0">
+                  <p:stCondLst>
+                    <p:cond delay="indefinite"/>
+                  </p:stCondLst>
+                </p:cTn>
+                <p:tgtEl>
+                  <p:spTgt spid="4"/>
+                </p:tgtEl>
+              </p:cMediaNode>
+            </p:video>
+          </p:childTnLst>
+        </p:cTn>
+      </p:par>
+    </p:tnLst>
+  </p:timing>
+</p:sld>
+</file>
+
+<file path=ppt/slides/slide24.xml><?xml version="1.0" encoding="utf-8"?>
+<p:sld xmlns:a="http://schemas.openxmlformats.org/drawingml/2006/main" xmlns:r="http://schemas.openxmlformats.org/officeDocument/2006/relationships" xmlns:p="http://schemas.openxmlformats.org/presentationml/2006/main">
+  <p:cSld>
+    <p:spTree>
+      <p:nvGrpSpPr>
+        <p:cNvPr id="1" name=""/>
+        <p:cNvGrpSpPr/>
+        <p:nvPr/>
+      </p:nvGrpSpPr>
+      <p:grpSpPr>
+        <a:xfrm>
+          <a:off x="0" y="0"/>
+          <a:ext cx="0" cy="0"/>
+          <a:chOff x="0" y="0"/>
+          <a:chExt cx="0" cy="0"/>
+        </a:xfrm>
+      </p:grpSpPr>
+      <p:sp>
+        <p:nvSpPr>
+          <p:cNvPr id="2" name="Title 1"/>
+          <p:cNvSpPr>
+            <a:spLocks noGrp="1"/>
+          </p:cNvSpPr>
+          <p:nvPr>
+            <p:ph type="title"/>
+          </p:nvPr>
+        </p:nvSpPr>
+        <p:spPr/>
+        <p:txBody>
+          <a:bodyPr/>
+          <a:lstStyle/>
+          <a:p>
+            <a:r>
+              <a:rPr lang="en-GB" dirty="0" err="1" smtClean="0"/>
+              <a:t>MiniProfiler</a:t>
+            </a:r>
+            <a:endParaRPr lang="en-GB" dirty="0"/>
+          </a:p>
+        </p:txBody>
+      </p:sp>
+      <p:sp>
+        <p:nvSpPr>
+          <p:cNvPr id="3" name="Content Placeholder 2"/>
+          <p:cNvSpPr>
+            <a:spLocks noGrp="1"/>
+          </p:cNvSpPr>
+          <p:nvPr>
+            <p:ph idx="1"/>
+          </p:nvPr>
+        </p:nvSpPr>
+        <p:spPr/>
+        <p:txBody>
+          <a:bodyPr/>
+          <a:lstStyle/>
+          <a:p>
+            <a:endParaRPr lang="en-GB"/>
+          </a:p>
+        </p:txBody>
+      </p:sp>
+    </p:spTree>
+    <p:extLst>
+      <p:ext uri="{BB962C8B-B14F-4D97-AF65-F5344CB8AC3E}">
+        <p14:creationId xmlns:p14="http://schemas.microsoft.com/office/powerpoint/2010/main" val="914599108"/>
+      </p:ext>
+    </p:extLst>
+  </p:cSld>
+  <p:clrMapOvr>
+    <a:masterClrMapping/>
+  </p:clrMapOvr>
+</p:sld>
+</file>
+
+<file path=ppt/slides/slide25.xml><?xml version="1.0" encoding="utf-8"?>
+<p:sld xmlns:a="http://schemas.openxmlformats.org/drawingml/2006/main" xmlns:r="http://schemas.openxmlformats.org/officeDocument/2006/relationships" xmlns:p="http://schemas.openxmlformats.org/presentationml/2006/main">
+  <p:cSld>
+    <p:spTree>
+      <p:nvGrpSpPr>
+        <p:cNvPr id="1" name=""/>
+        <p:cNvGrpSpPr/>
+        <p:nvPr/>
+      </p:nvGrpSpPr>
+      <p:grpSpPr>
+        <a:xfrm>
+          <a:off x="0" y="0"/>
+          <a:ext cx="0" cy="0"/>
+          <a:chOff x="0" y="0"/>
+          <a:chExt cx="0" cy="0"/>
+        </a:xfrm>
+      </p:grpSpPr>
+      <p:sp>
+        <p:nvSpPr>
+          <p:cNvPr id="2" name="Title 1"/>
+          <p:cNvSpPr>
+            <a:spLocks noGrp="1"/>
+          </p:cNvSpPr>
+          <p:nvPr>
+            <p:ph type="title"/>
+          </p:nvPr>
+        </p:nvSpPr>
+        <p:spPr/>
+        <p:txBody>
+          <a:bodyPr/>
+          <a:lstStyle/>
+          <a:p>
+            <a:r>
+              <a:rPr lang="en-GB" dirty="0" smtClean="0"/>
+              <a:t>Console App</a:t>
+            </a:r>
+            <a:endParaRPr lang="en-GB" dirty="0"/>
+          </a:p>
+        </p:txBody>
+      </p:sp>
+      <p:pic>
+        <p:nvPicPr>
+          <p:cNvPr id="4" name="Console">
+            <a:hlinkClick r:id="" action="ppaction://media"/>
+          </p:cNvPr>
+          <p:cNvPicPr>
+            <a:picLocks noGrp="1" noChangeAspect="1"/>
+          </p:cNvPicPr>
+          <p:nvPr>
+            <p:ph idx="1"/>
+            <a:videoFile r:link="rId2"/>
+            <p:extLst>
+              <p:ext uri="{DAA4B4D4-6D71-4841-9C94-3DE7FCFB9230}">
+                <p14:media xmlns:p14="http://schemas.microsoft.com/office/powerpoint/2010/main" r:embed="rId1"/>
+              </p:ext>
+            </p:extLst>
+          </p:nvPr>
+        </p:nvPicPr>
+        <p:blipFill>
+          <a:blip r:embed="rId5"/>
+          <a:stretch>
+            <a:fillRect/>
+          </a:stretch>
+        </p:blipFill>
+        <p:spPr>
+          <a:xfrm>
+            <a:off x="0" y="-1"/>
+            <a:ext cx="12192000" cy="6857845"/>
+          </a:xfrm>
+        </p:spPr>
+      </p:pic>
+    </p:spTree>
+    <p:extLst>
+      <p:ext uri="{BB962C8B-B14F-4D97-AF65-F5344CB8AC3E}">
+        <p14:creationId xmlns:p14="http://schemas.microsoft.com/office/powerpoint/2010/main" val="585024876"/>
+      </p:ext>
+    </p:extLst>
+  </p:cSld>
+  <p:clrMapOvr>
+    <a:masterClrMapping/>
+  </p:clrMapOvr>
+  <p:timing>
+    <p:tnLst>
+      <p:par>
+        <p:cTn id="1" dur="indefinite" restart="never" nodeType="tmRoot">
+          <p:childTnLst>
+            <p:seq concurrent="1" nextAc="seek">
+              <p:cTn id="2" restart="whenNotActive" fill="hold" evtFilter="cancelBubble" nodeType="interactiveSeq">
+                <p:stCondLst>
+                  <p:cond evt="onClick" delay="0">
+                    <p:tgtEl>
+                      <p:spTgt spid="4"/>
+                    </p:tgtEl>
+                  </p:cond>
+                </p:stCondLst>
+                <p:endSync evt="end" delay="0">
+                  <p:rtn val="all"/>
+                </p:endSync>
+                <p:childTnLst>
+                  <p:par>
+                    <p:cTn id="3" fill="hold">
+                      <p:stCondLst>
+                        <p:cond delay="0"/>
+                      </p:stCondLst>
+                      <p:childTnLst>
+                        <p:par>
+                          <p:cTn id="4" fill="hold">
+                            <p:stCondLst>
+                              <p:cond delay="0"/>
+                            </p:stCondLst>
+                            <p:childTnLst>
+                              <p:par>
+                                <p:cTn id="5" presetID="2" presetClass="mediacall" presetSubtype="0" fill="hold" nodeType="clickEffect">
+                                  <p:stCondLst>
+                                    <p:cond delay="0"/>
+                                  </p:stCondLst>
+                                  <p:childTnLst>
+                                    <p:cmd type="call" cmd="togglePause">
+                                      <p:cBhvr>
+                                        <p:cTn id="6" dur="1" fill="hold"/>
+                                        <p:tgtEl>
+                                          <p:spTgt spid="4"/>
+                                        </p:tgtEl>
+                                      </p:cBhvr>
+                                    </p:cmd>
+                                  </p:childTnLst>
+                                </p:cTn>
+                              </p:par>
+                            </p:childTnLst>
+                          </p:cTn>
+                        </p:par>
+                      </p:childTnLst>
+                    </p:cTn>
+                  </p:par>
+                </p:childTnLst>
+              </p:cTn>
+              <p:nextCondLst>
+                <p:cond evt="onClick" delay="0">
+                  <p:tgtEl>
+                    <p:spTgt spid="4"/>
+                  </p:tgtEl>
+                </p:cond>
+              </p:nextCondLst>
+            </p:seq>
+            <p:video>
+              <p:cMediaNode vol="80000">
+                <p:cTn id="7" fill="hold" display="0">
+                  <p:stCondLst>
+                    <p:cond delay="indefinite"/>
+                  </p:stCondLst>
+                </p:cTn>
+                <p:tgtEl>
+                  <p:spTgt spid="4"/>
+                </p:tgtEl>
+              </p:cMediaNode>
+            </p:video>
+          </p:childTnLst>
+        </p:cTn>
+      </p:par>
+    </p:tnLst>
+  </p:timing>
+</p:sld>
+</file>
+
+<file path=ppt/slides/slide26.xml><?xml version="1.0" encoding="utf-8"?>
+<p:sld xmlns:a="http://schemas.openxmlformats.org/drawingml/2006/main" xmlns:r="http://schemas.openxmlformats.org/officeDocument/2006/relationships" xmlns:p="http://schemas.openxmlformats.org/presentationml/2006/main">
+  <p:cSld>
+    <p:spTree>
+      <p:nvGrpSpPr>
+        <p:cNvPr id="1" name=""/>
+        <p:cNvGrpSpPr/>
+        <p:nvPr/>
+      </p:nvGrpSpPr>
+      <p:grpSpPr>
+        <a:xfrm>
+          <a:off x="0" y="0"/>
+          <a:ext cx="0" cy="0"/>
+          <a:chOff x="0" y="0"/>
+          <a:chExt cx="0" cy="0"/>
+        </a:xfrm>
+      </p:grpSpPr>
+      <p:sp>
+        <p:nvSpPr>
+          <p:cNvPr id="2" name="Title 1"/>
+          <p:cNvSpPr>
+            <a:spLocks noGrp="1"/>
+          </p:cNvSpPr>
+          <p:nvPr>
+            <p:ph type="title"/>
+          </p:nvPr>
+        </p:nvSpPr>
+        <p:spPr/>
+        <p:txBody>
+          <a:bodyPr/>
+          <a:lstStyle/>
+          <a:p>
+            <a:r>
+              <a:rPr lang="en-GB" dirty="0" err="1" smtClean="0"/>
+              <a:t>Appveyor</a:t>
+            </a:r>
+            <a:r>
+              <a:rPr lang="en-GB" dirty="0" smtClean="0"/>
+              <a:t> – </a:t>
+            </a:r>
+            <a:r>
+              <a:rPr lang="en-GB" dirty="0" err="1" smtClean="0"/>
+              <a:t>Continous</a:t>
+            </a:r>
+            <a:r>
+              <a:rPr lang="en-GB" dirty="0" smtClean="0"/>
+              <a:t> Integration / Continuous Delivery</a:t>
+            </a:r>
+            <a:endParaRPr lang="en-GB" dirty="0"/>
+          </a:p>
+        </p:txBody>
+      </p:sp>
+      <p:sp>
+        <p:nvSpPr>
+          <p:cNvPr id="3" name="Content Placeholder 2"/>
+          <p:cNvSpPr>
+            <a:spLocks noGrp="1"/>
+          </p:cNvSpPr>
+          <p:nvPr>
+            <p:ph idx="1"/>
+          </p:nvPr>
+        </p:nvSpPr>
+        <p:spPr/>
+        <p:txBody>
+          <a:bodyPr/>
+          <a:lstStyle/>
+          <a:p>
+            <a:endParaRPr lang="en-GB"/>
+          </a:p>
+        </p:txBody>
+      </p:sp>
+    </p:spTree>
+    <p:extLst>
+      <p:ext uri="{BB962C8B-B14F-4D97-AF65-F5344CB8AC3E}">
+        <p14:creationId xmlns:p14="http://schemas.microsoft.com/office/powerpoint/2010/main" val="2966705714"/>
+      </p:ext>
+    </p:extLst>
+  </p:cSld>
+  <p:clrMapOvr>
+    <a:masterClrMapping/>
+  </p:clrMapOvr>
+</p:sld>
+</file>
+
+<file path=ppt/slides/slide27.xml><?xml version="1.0" encoding="utf-8"?>
+<p:sld xmlns:a="http://schemas.openxmlformats.org/drawingml/2006/main" xmlns:r="http://schemas.openxmlformats.org/officeDocument/2006/relationships" xmlns:p="http://schemas.openxmlformats.org/presentationml/2006/main">
+  <p:cSld>
+    <p:spTree>
+      <p:nvGrpSpPr>
+        <p:cNvPr id="1" name=""/>
+        <p:cNvGrpSpPr/>
+        <p:nvPr/>
+      </p:nvGrpSpPr>
+      <p:grpSpPr>
+        <a:xfrm>
+          <a:off x="0" y="0"/>
+          <a:ext cx="0" cy="0"/>
+          <a:chOff x="0" y="0"/>
+          <a:chExt cx="0" cy="0"/>
+        </a:xfrm>
+      </p:grpSpPr>
+      <p:sp>
+        <p:nvSpPr>
+          <p:cNvPr id="2" name="Title 1"/>
+          <p:cNvSpPr>
+            <a:spLocks noGrp="1"/>
+          </p:cNvSpPr>
+          <p:nvPr>
+            <p:ph type="title"/>
+          </p:nvPr>
+        </p:nvSpPr>
+        <p:spPr/>
+        <p:txBody>
+          <a:bodyPr/>
+          <a:lstStyle/>
+          <a:p>
+            <a:r>
+              <a:rPr lang="en-GB" dirty="0" smtClean="0"/>
+              <a:t>Console App</a:t>
+            </a:r>
+            <a:endParaRPr lang="en-GB" dirty="0"/>
+          </a:p>
+        </p:txBody>
+      </p:sp>
+      <p:pic>
+        <p:nvPicPr>
+          <p:cNvPr id="4" name="Console">
+            <a:hlinkClick r:id="" action="ppaction://media"/>
+          </p:cNvPr>
+          <p:cNvPicPr>
+            <a:picLocks noGrp="1" noChangeAspect="1"/>
+          </p:cNvPicPr>
+          <p:nvPr>
+            <p:ph idx="1"/>
+            <a:videoFile r:link="rId2"/>
+            <p:extLst>
+              <p:ext uri="{DAA4B4D4-6D71-4841-9C94-3DE7FCFB9230}">
+                <p14:media xmlns:p14="http://schemas.microsoft.com/office/powerpoint/2010/main" r:embed="rId1"/>
+              </p:ext>
+            </p:extLst>
+          </p:nvPr>
+        </p:nvPicPr>
+        <p:blipFill>
+          <a:blip r:embed="rId5"/>
+          <a:stretch>
+            <a:fillRect/>
+          </a:stretch>
+        </p:blipFill>
+        <p:spPr>
+          <a:xfrm>
+            <a:off x="0" y="-1"/>
+            <a:ext cx="12192000" cy="6857845"/>
+          </a:xfrm>
+        </p:spPr>
+      </p:pic>
+    </p:spTree>
+    <p:extLst>
+      <p:ext uri="{BB962C8B-B14F-4D97-AF65-F5344CB8AC3E}">
+        <p14:creationId xmlns:p14="http://schemas.microsoft.com/office/powerpoint/2010/main" val="3412266155"/>
+      </p:ext>
+    </p:extLst>
+  </p:cSld>
+  <p:clrMapOvr>
+    <a:masterClrMapping/>
+  </p:clrMapOvr>
+  <p:timing>
+    <p:tnLst>
+      <p:par>
+        <p:cTn id="1" dur="indefinite" restart="never" nodeType="tmRoot">
+          <p:childTnLst>
+            <p:seq concurrent="1" nextAc="seek">
+              <p:cTn id="2" restart="whenNotActive" fill="hold" evtFilter="cancelBubble" nodeType="interactiveSeq">
+                <p:stCondLst>
+                  <p:cond evt="onClick" delay="0">
+                    <p:tgtEl>
+                      <p:spTgt spid="4"/>
+                    </p:tgtEl>
+                  </p:cond>
+                </p:stCondLst>
+                <p:endSync evt="end" delay="0">
+                  <p:rtn val="all"/>
+                </p:endSync>
+                <p:childTnLst>
+                  <p:par>
+                    <p:cTn id="3" fill="hold">
+                      <p:stCondLst>
+                        <p:cond delay="0"/>
+                      </p:stCondLst>
+                      <p:childTnLst>
+                        <p:par>
+                          <p:cTn id="4" fill="hold">
+                            <p:stCondLst>
+                              <p:cond delay="0"/>
+                            </p:stCondLst>
+                            <p:childTnLst>
+                              <p:par>
+                                <p:cTn id="5" presetID="2" presetClass="mediacall" presetSubtype="0" fill="hold" nodeType="clickEffect">
+                                  <p:stCondLst>
+                                    <p:cond delay="0"/>
+                                  </p:stCondLst>
+                                  <p:childTnLst>
+                                    <p:cmd type="call" cmd="togglePause">
+                                      <p:cBhvr>
+                                        <p:cTn id="6" dur="1" fill="hold"/>
+                                        <p:tgtEl>
+                                          <p:spTgt spid="4"/>
+                                        </p:tgtEl>
+                                      </p:cBhvr>
+                                    </p:cmd>
+                                  </p:childTnLst>
+                                </p:cTn>
+                              </p:par>
+                            </p:childTnLst>
+                          </p:cTn>
+                        </p:par>
+                      </p:childTnLst>
+                    </p:cTn>
+                  </p:par>
+                </p:childTnLst>
+              </p:cTn>
+              <p:nextCondLst>
+                <p:cond evt="onClick" delay="0">
+                  <p:tgtEl>
+                    <p:spTgt spid="4"/>
+                  </p:tgtEl>
+                </p:cond>
+              </p:nextCondLst>
+            </p:seq>
+            <p:video>
+              <p:cMediaNode vol="80000">
+                <p:cTn id="7" fill="hold" display="0">
+                  <p:stCondLst>
+                    <p:cond delay="indefinite"/>
+                  </p:stCondLst>
+                </p:cTn>
+                <p:tgtEl>
+                  <p:spTgt spid="4"/>
+                </p:tgtEl>
+              </p:cMediaNode>
+            </p:video>
+          </p:childTnLst>
+        </p:cTn>
+      </p:par>
+    </p:tnLst>
+  </p:timing>
+</p:sld>
+</file>
+
+<file path=ppt/slides/slide28.xml><?xml version="1.0" encoding="utf-8"?>
+<p:sld xmlns:a="http://schemas.openxmlformats.org/drawingml/2006/main" xmlns:r="http://schemas.openxmlformats.org/officeDocument/2006/relationships" xmlns:p="http://schemas.openxmlformats.org/presentationml/2006/main">
+  <p:cSld>
+    <p:spTree>
+      <p:nvGrpSpPr>
+        <p:cNvPr id="1" name=""/>
+        <p:cNvGrpSpPr/>
+        <p:nvPr/>
+      </p:nvGrpSpPr>
+      <p:grpSpPr>
+        <a:xfrm>
+          <a:off x="0" y="0"/>
+          <a:ext cx="0" cy="0"/>
+          <a:chOff x="0" y="0"/>
+          <a:chExt cx="0" cy="0"/>
+        </a:xfrm>
+      </p:grpSpPr>
+      <p:sp>
+        <p:nvSpPr>
+          <p:cNvPr id="2" name="Title 1"/>
+          <p:cNvSpPr>
+            <a:spLocks noGrp="1"/>
+          </p:cNvSpPr>
+          <p:nvPr>
+            <p:ph type="title"/>
+          </p:nvPr>
+        </p:nvSpPr>
+        <p:spPr/>
+        <p:txBody>
+          <a:bodyPr/>
+          <a:lstStyle/>
+          <a:p>
+            <a:r>
+              <a:rPr lang="en-GB" dirty="0" err="1" smtClean="0"/>
+              <a:t>Webdeploy</a:t>
+            </a:r>
+            <a:r>
+              <a:rPr lang="en-GB" dirty="0" smtClean="0"/>
+              <a:t> to EC2 micro VM</a:t>
+            </a:r>
+            <a:endParaRPr lang="en-GB" dirty="0"/>
+          </a:p>
+        </p:txBody>
+      </p:sp>
+      <p:sp>
+        <p:nvSpPr>
+          <p:cNvPr id="3" name="Content Placeholder 2"/>
+          <p:cNvSpPr>
+            <a:spLocks noGrp="1"/>
+          </p:cNvSpPr>
+          <p:nvPr>
+            <p:ph idx="1"/>
+          </p:nvPr>
+        </p:nvSpPr>
+        <p:spPr/>
+        <p:txBody>
+          <a:bodyPr/>
+          <a:lstStyle/>
+          <a:p>
+            <a:endParaRPr lang="en-GB"/>
+          </a:p>
+        </p:txBody>
+      </p:sp>
+    </p:spTree>
+    <p:extLst>
+      <p:ext uri="{BB962C8B-B14F-4D97-AF65-F5344CB8AC3E}">
+        <p14:creationId xmlns:p14="http://schemas.microsoft.com/office/powerpoint/2010/main" val="1248896215"/>
+      </p:ext>
+    </p:extLst>
+  </p:cSld>
+  <p:clrMapOvr>
+    <a:masterClrMapping/>
+  </p:clrMapOvr>
+</p:sld>
+</file>
+
+<file path=ppt/slides/slide29.xml><?xml version="1.0" encoding="utf-8"?>
+<p:sld xmlns:a="http://schemas.openxmlformats.org/drawingml/2006/main" xmlns:r="http://schemas.openxmlformats.org/officeDocument/2006/relationships" xmlns:p="http://schemas.openxmlformats.org/presentationml/2006/main">
+  <p:cSld>
+    <p:spTree>
+      <p:nvGrpSpPr>
+        <p:cNvPr id="1" name=""/>
+        <p:cNvGrpSpPr/>
+        <p:nvPr/>
+      </p:nvGrpSpPr>
+      <p:grpSpPr>
+        <a:xfrm>
+          <a:off x="0" y="0"/>
+          <a:ext cx="0" cy="0"/>
+          <a:chOff x="0" y="0"/>
+          <a:chExt cx="0" cy="0"/>
+        </a:xfrm>
+      </p:grpSpPr>
+      <p:sp>
+        <p:nvSpPr>
+          <p:cNvPr id="2" name="Title 1"/>
+          <p:cNvSpPr>
+            <a:spLocks noGrp="1"/>
+          </p:cNvSpPr>
+          <p:nvPr>
+            <p:ph type="title"/>
+          </p:nvPr>
+        </p:nvSpPr>
+        <p:spPr/>
+        <p:txBody>
+          <a:bodyPr/>
+          <a:lstStyle/>
+          <a:p>
+            <a:r>
+              <a:rPr lang="en-GB" dirty="0" smtClean="0"/>
+              <a:t>Console App</a:t>
+            </a:r>
+            <a:endParaRPr lang="en-GB" dirty="0"/>
+          </a:p>
+        </p:txBody>
+      </p:sp>
+      <p:pic>
+        <p:nvPicPr>
+          <p:cNvPr id="4" name="Console">
+            <a:hlinkClick r:id="" action="ppaction://media"/>
+          </p:cNvPr>
+          <p:cNvPicPr>
+            <a:picLocks noGrp="1" noChangeAspect="1"/>
+          </p:cNvPicPr>
+          <p:nvPr>
+            <p:ph idx="1"/>
+            <a:videoFile r:link="rId2"/>
+            <p:extLst>
+              <p:ext uri="{DAA4B4D4-6D71-4841-9C94-3DE7FCFB9230}">
+                <p14:media xmlns:p14="http://schemas.microsoft.com/office/powerpoint/2010/main" r:embed="rId1"/>
+              </p:ext>
+            </p:extLst>
+          </p:nvPr>
+        </p:nvPicPr>
+        <p:blipFill>
+          <a:blip r:embed="rId5"/>
+          <a:stretch>
+            <a:fillRect/>
+          </a:stretch>
+        </p:blipFill>
+        <p:spPr>
+          <a:xfrm>
+            <a:off x="0" y="-1"/>
+            <a:ext cx="12192000" cy="6857845"/>
+          </a:xfrm>
+        </p:spPr>
+      </p:pic>
+    </p:spTree>
+    <p:extLst>
+      <p:ext uri="{BB962C8B-B14F-4D97-AF65-F5344CB8AC3E}">
+        <p14:creationId xmlns:p14="http://schemas.microsoft.com/office/powerpoint/2010/main" val="3806363470"/>
+      </p:ext>
+    </p:extLst>
+  </p:cSld>
+  <p:clrMapOvr>
+    <a:masterClrMapping/>
+  </p:clrMapOvr>
+  <p:timing>
+    <p:tnLst>
+      <p:par>
+        <p:cTn id="1" dur="indefinite" restart="never" nodeType="tmRoot">
+          <p:childTnLst>
+            <p:seq concurrent="1" nextAc="seek">
+              <p:cTn id="2" restart="whenNotActive" fill="hold" evtFilter="cancelBubble" nodeType="interactiveSeq">
+                <p:stCondLst>
+                  <p:cond evt="onClick" delay="0">
+                    <p:tgtEl>
+                      <p:spTgt spid="4"/>
+                    </p:tgtEl>
+                  </p:cond>
+                </p:stCondLst>
+                <p:endSync evt="end" delay="0">
+                  <p:rtn val="all"/>
+                </p:endSync>
+                <p:childTnLst>
+                  <p:par>
+                    <p:cTn id="3" fill="hold">
+                      <p:stCondLst>
+                        <p:cond delay="0"/>
+                      </p:stCondLst>
+                      <p:childTnLst>
+                        <p:par>
+                          <p:cTn id="4" fill="hold">
+                            <p:stCondLst>
+                              <p:cond delay="0"/>
+                            </p:stCondLst>
+                            <p:childTnLst>
+                              <p:par>
+                                <p:cTn id="5" presetID="2" presetClass="mediacall" presetSubtype="0" fill="hold" nodeType="clickEffect">
+                                  <p:stCondLst>
+                                    <p:cond delay="0"/>
+                                  </p:stCondLst>
+                                  <p:childTnLst>
+                                    <p:cmd type="call" cmd="togglePause">
+                                      <p:cBhvr>
+                                        <p:cTn id="6" dur="1" fill="hold"/>
+                                        <p:tgtEl>
+                                          <p:spTgt spid="4"/>
+                                        </p:tgtEl>
+                                      </p:cBhvr>
+                                    </p:cmd>
+                                  </p:childTnLst>
+                                </p:cTn>
+                              </p:par>
+                            </p:childTnLst>
+                          </p:cTn>
+                        </p:par>
+                      </p:childTnLst>
+                    </p:cTn>
+                  </p:par>
+                </p:childTnLst>
+              </p:cTn>
+              <p:nextCondLst>
+                <p:cond evt="onClick" delay="0">
+                  <p:tgtEl>
+                    <p:spTgt spid="4"/>
+                  </p:tgtEl>
+                </p:cond>
+              </p:nextCondLst>
+            </p:seq>
+            <p:video>
+              <p:cMediaNode vol="80000">
+                <p:cTn id="7" fill="hold" display="0">
+                  <p:stCondLst>
+                    <p:cond delay="indefinite"/>
+                  </p:stCondLst>
+                </p:cTn>
+                <p:tgtEl>
+                  <p:spTgt spid="4"/>
+                </p:tgtEl>
+              </p:cMediaNode>
+            </p:video>
+          </p:childTnLst>
+        </p:cTn>
       </p:par>
     </p:tnLst>
   </p:timing>
@@ -5807,6 +9350,76 @@
           </a:prstGeom>
         </p:spPr>
       </p:pic>
+      <p:sp>
+        <p:nvSpPr>
+          <p:cNvPr id="3" name="TextBox 2"/>
+          <p:cNvSpPr txBox="1"/>
+          <p:nvPr/>
+        </p:nvSpPr>
+        <p:spPr>
+          <a:xfrm>
+            <a:off x="6244389" y="4824663"/>
+            <a:ext cx="3567836" cy="523220"/>
+          </a:xfrm>
+          <a:prstGeom prst="rect">
+            <a:avLst/>
+          </a:prstGeom>
+          <a:noFill/>
+        </p:spPr>
+        <p:txBody>
+          <a:bodyPr wrap="none" rtlCol="0">
+            <a:spAutoFit/>
+          </a:bodyPr>
+          <a:lstStyle/>
+          <a:p>
+            <a:r>
+              <a:rPr lang="en-GB" sz="2800" dirty="0" smtClean="0">
+                <a:solidFill>
+                  <a:schemeClr val="tx1">
+                    <a:lumMod val="65000"/>
+                    <a:lumOff val="35000"/>
+                  </a:schemeClr>
+                </a:solidFill>
+                <a:latin typeface="Montserrat" panose="00000500000000000000" pitchFamily="50" charset="0"/>
+              </a:rPr>
+              <a:t>C# 4.5 </a:t>
+            </a:r>
+            <a:r>
+              <a:rPr lang="en-GB" sz="2800" dirty="0" err="1" smtClean="0">
+                <a:solidFill>
+                  <a:schemeClr val="tx1">
+                    <a:lumMod val="65000"/>
+                    <a:lumOff val="35000"/>
+                  </a:schemeClr>
+                </a:solidFill>
+                <a:latin typeface="Montserrat" panose="00000500000000000000" pitchFamily="50" charset="0"/>
+              </a:rPr>
+              <a:t>Async</a:t>
+            </a:r>
+            <a:r>
+              <a:rPr lang="en-GB" sz="2800" dirty="0" smtClean="0">
+                <a:solidFill>
+                  <a:schemeClr val="tx1">
+                    <a:lumMod val="65000"/>
+                    <a:lumOff val="35000"/>
+                  </a:schemeClr>
+                </a:solidFill>
+                <a:latin typeface="Montserrat" panose="00000500000000000000" pitchFamily="50" charset="0"/>
+              </a:rPr>
+              <a:t> Await</a:t>
+            </a:r>
+            <a:endParaRPr lang="en-GB" sz="2800" dirty="0">
+              <a:solidFill>
+                <a:schemeClr val="tx1">
+                  <a:lumMod val="65000"/>
+                  <a:lumOff val="35000"/>
+                </a:schemeClr>
+              </a:solidFill>
+              <a:latin typeface="Montserrat" panose="00000500000000000000" pitchFamily="50" charset="0"/>
+            </a:endParaRPr>
+          </a:p>
+        </p:txBody>
+      </p:sp>
     </p:spTree>
     <p:extLst>
       <p:ext uri="{BB962C8B-B14F-4D97-AF65-F5344CB8AC3E}">
@@ -5824,6 +9437,752 @@
       </p:par>
     </p:tnLst>
   </p:timing>
+</p:sld>
+</file>
+
+<file path=ppt/slides/slide30.xml><?xml version="1.0" encoding="utf-8"?>
+<p:sld xmlns:a="http://schemas.openxmlformats.org/drawingml/2006/main" xmlns:r="http://schemas.openxmlformats.org/officeDocument/2006/relationships" xmlns:p="http://schemas.openxmlformats.org/presentationml/2006/main">
+  <p:cSld>
+    <p:spTree>
+      <p:nvGrpSpPr>
+        <p:cNvPr id="1" name=""/>
+        <p:cNvGrpSpPr/>
+        <p:nvPr/>
+      </p:nvGrpSpPr>
+      <p:grpSpPr>
+        <a:xfrm>
+          <a:off x="0" y="0"/>
+          <a:ext cx="0" cy="0"/>
+          <a:chOff x="0" y="0"/>
+          <a:chExt cx="0" cy="0"/>
+        </a:xfrm>
+      </p:grpSpPr>
+      <p:sp>
+        <p:nvSpPr>
+          <p:cNvPr id="2" name="Title 1"/>
+          <p:cNvSpPr>
+            <a:spLocks noGrp="1"/>
+          </p:cNvSpPr>
+          <p:nvPr>
+            <p:ph type="title"/>
+          </p:nvPr>
+        </p:nvSpPr>
+        <p:spPr/>
+        <p:txBody>
+          <a:bodyPr/>
+          <a:lstStyle/>
+          <a:p>
+            <a:r>
+              <a:rPr lang="en-GB" dirty="0" smtClean="0"/>
+              <a:t>The Final Product (again)</a:t>
+            </a:r>
+            <a:endParaRPr lang="en-GB" dirty="0"/>
+          </a:p>
+        </p:txBody>
+      </p:sp>
+      <p:sp>
+        <p:nvSpPr>
+          <p:cNvPr id="3" name="Content Placeholder 2"/>
+          <p:cNvSpPr>
+            <a:spLocks noGrp="1"/>
+          </p:cNvSpPr>
+          <p:nvPr>
+            <p:ph idx="1"/>
+          </p:nvPr>
+        </p:nvSpPr>
+        <p:spPr/>
+        <p:txBody>
+          <a:bodyPr>
+            <a:normAutofit/>
+          </a:bodyPr>
+          <a:lstStyle/>
+          <a:p>
+            <a:pPr marL="0" indent="0">
+              <a:buNone/>
+            </a:pPr>
+            <a:r>
+              <a:rPr lang="en-GB" sz="3600" dirty="0" smtClean="0"/>
+              <a:t>Demo in real time (hopefully)</a:t>
+            </a:r>
+            <a:endParaRPr lang="en-GB" sz="3600" dirty="0"/>
+          </a:p>
+        </p:txBody>
+      </p:sp>
+    </p:spTree>
+    <p:extLst>
+      <p:ext uri="{BB962C8B-B14F-4D97-AF65-F5344CB8AC3E}">
+        <p14:creationId xmlns:p14="http://schemas.microsoft.com/office/powerpoint/2010/main" val="1938489661"/>
+      </p:ext>
+    </p:extLst>
+  </p:cSld>
+  <p:clrMapOvr>
+    <a:masterClrMapping/>
+  </p:clrMapOvr>
+</p:sld>
+</file>
+
+<file path=ppt/slides/slide31.xml><?xml version="1.0" encoding="utf-8"?>
+<p:sld xmlns:a="http://schemas.openxmlformats.org/drawingml/2006/main" xmlns:r="http://schemas.openxmlformats.org/officeDocument/2006/relationships" xmlns:p="http://schemas.openxmlformats.org/presentationml/2006/main">
+  <p:cSld>
+    <p:spTree>
+      <p:nvGrpSpPr>
+        <p:cNvPr id="1" name=""/>
+        <p:cNvGrpSpPr/>
+        <p:nvPr/>
+      </p:nvGrpSpPr>
+      <p:grpSpPr>
+        <a:xfrm>
+          <a:off x="0" y="0"/>
+          <a:ext cx="0" cy="0"/>
+          <a:chOff x="0" y="0"/>
+          <a:chExt cx="0" cy="0"/>
+        </a:xfrm>
+      </p:grpSpPr>
+      <p:sp>
+        <p:nvSpPr>
+          <p:cNvPr id="2" name="Title 1"/>
+          <p:cNvSpPr>
+            <a:spLocks noGrp="1"/>
+          </p:cNvSpPr>
+          <p:nvPr>
+            <p:ph type="title"/>
+          </p:nvPr>
+        </p:nvSpPr>
+        <p:spPr/>
+        <p:txBody>
+          <a:bodyPr/>
+          <a:lstStyle/>
+          <a:p>
+            <a:r>
+              <a:rPr lang="en-GB" dirty="0" smtClean="0"/>
+              <a:t>Console App</a:t>
+            </a:r>
+            <a:endParaRPr lang="en-GB" dirty="0"/>
+          </a:p>
+        </p:txBody>
+      </p:sp>
+      <p:pic>
+        <p:nvPicPr>
+          <p:cNvPr id="4" name="Console">
+            <a:hlinkClick r:id="" action="ppaction://media"/>
+          </p:cNvPr>
+          <p:cNvPicPr>
+            <a:picLocks noGrp="1" noChangeAspect="1"/>
+          </p:cNvPicPr>
+          <p:nvPr>
+            <p:ph idx="1"/>
+            <a:videoFile r:link="rId2"/>
+            <p:extLst>
+              <p:ext uri="{DAA4B4D4-6D71-4841-9C94-3DE7FCFB9230}">
+                <p14:media xmlns:p14="http://schemas.microsoft.com/office/powerpoint/2010/main" r:embed="rId1"/>
+              </p:ext>
+            </p:extLst>
+          </p:nvPr>
+        </p:nvPicPr>
+        <p:blipFill>
+          <a:blip r:embed="rId5"/>
+          <a:stretch>
+            <a:fillRect/>
+          </a:stretch>
+        </p:blipFill>
+        <p:spPr>
+          <a:xfrm>
+            <a:off x="0" y="-1"/>
+            <a:ext cx="12192000" cy="6857845"/>
+          </a:xfrm>
+        </p:spPr>
+      </p:pic>
+    </p:spTree>
+    <p:extLst>
+      <p:ext uri="{BB962C8B-B14F-4D97-AF65-F5344CB8AC3E}">
+        <p14:creationId xmlns:p14="http://schemas.microsoft.com/office/powerpoint/2010/main" val="2938334432"/>
+      </p:ext>
+    </p:extLst>
+  </p:cSld>
+  <p:clrMapOvr>
+    <a:masterClrMapping/>
+  </p:clrMapOvr>
+  <p:timing>
+    <p:tnLst>
+      <p:par>
+        <p:cTn id="1" dur="indefinite" restart="never" nodeType="tmRoot">
+          <p:childTnLst>
+            <p:seq concurrent="1" nextAc="seek">
+              <p:cTn id="2" restart="whenNotActive" fill="hold" evtFilter="cancelBubble" nodeType="interactiveSeq">
+                <p:stCondLst>
+                  <p:cond evt="onClick" delay="0">
+                    <p:tgtEl>
+                      <p:spTgt spid="4"/>
+                    </p:tgtEl>
+                  </p:cond>
+                </p:stCondLst>
+                <p:endSync evt="end" delay="0">
+                  <p:rtn val="all"/>
+                </p:endSync>
+                <p:childTnLst>
+                  <p:par>
+                    <p:cTn id="3" fill="hold">
+                      <p:stCondLst>
+                        <p:cond delay="0"/>
+                      </p:stCondLst>
+                      <p:childTnLst>
+                        <p:par>
+                          <p:cTn id="4" fill="hold">
+                            <p:stCondLst>
+                              <p:cond delay="0"/>
+                            </p:stCondLst>
+                            <p:childTnLst>
+                              <p:par>
+                                <p:cTn id="5" presetID="2" presetClass="mediacall" presetSubtype="0" fill="hold" nodeType="clickEffect">
+                                  <p:stCondLst>
+                                    <p:cond delay="0"/>
+                                  </p:stCondLst>
+                                  <p:childTnLst>
+                                    <p:cmd type="call" cmd="togglePause">
+                                      <p:cBhvr>
+                                        <p:cTn id="6" dur="1" fill="hold"/>
+                                        <p:tgtEl>
+                                          <p:spTgt spid="4"/>
+                                        </p:tgtEl>
+                                      </p:cBhvr>
+                                    </p:cmd>
+                                  </p:childTnLst>
+                                </p:cTn>
+                              </p:par>
+                            </p:childTnLst>
+                          </p:cTn>
+                        </p:par>
+                      </p:childTnLst>
+                    </p:cTn>
+                  </p:par>
+                </p:childTnLst>
+              </p:cTn>
+              <p:nextCondLst>
+                <p:cond evt="onClick" delay="0">
+                  <p:tgtEl>
+                    <p:spTgt spid="4"/>
+                  </p:tgtEl>
+                </p:cond>
+              </p:nextCondLst>
+            </p:seq>
+            <p:video>
+              <p:cMediaNode vol="80000">
+                <p:cTn id="7" fill="hold" display="0">
+                  <p:stCondLst>
+                    <p:cond delay="indefinite"/>
+                  </p:stCondLst>
+                </p:cTn>
+                <p:tgtEl>
+                  <p:spTgt spid="4"/>
+                </p:tgtEl>
+              </p:cMediaNode>
+            </p:video>
+          </p:childTnLst>
+        </p:cTn>
+      </p:par>
+    </p:tnLst>
+  </p:timing>
+</p:sld>
+</file>
+
+<file path=ppt/slides/slide32.xml><?xml version="1.0" encoding="utf-8"?>
+<p:sld xmlns:a="http://schemas.openxmlformats.org/drawingml/2006/main" xmlns:r="http://schemas.openxmlformats.org/officeDocument/2006/relationships" xmlns:p="http://schemas.openxmlformats.org/presentationml/2006/main">
+  <p:cSld>
+    <p:spTree>
+      <p:nvGrpSpPr>
+        <p:cNvPr id="1" name=""/>
+        <p:cNvGrpSpPr/>
+        <p:nvPr/>
+      </p:nvGrpSpPr>
+      <p:grpSpPr>
+        <a:xfrm>
+          <a:off x="0" y="0"/>
+          <a:ext cx="0" cy="0"/>
+          <a:chOff x="0" y="0"/>
+          <a:chExt cx="0" cy="0"/>
+        </a:xfrm>
+      </p:grpSpPr>
+      <p:sp>
+        <p:nvSpPr>
+          <p:cNvPr id="2" name="Title 1"/>
+          <p:cNvSpPr>
+            <a:spLocks noGrp="1"/>
+          </p:cNvSpPr>
+          <p:nvPr>
+            <p:ph type="ctrTitle"/>
+          </p:nvPr>
+        </p:nvSpPr>
+        <p:spPr>
+          <a:xfrm>
+            <a:off x="778042" y="156410"/>
+            <a:ext cx="9144000" cy="875047"/>
+          </a:xfrm>
+        </p:spPr>
+        <p:txBody>
+          <a:bodyPr>
+            <a:normAutofit fontScale="90000"/>
+          </a:bodyPr>
+          <a:lstStyle/>
+          <a:p>
+            <a:r>
+              <a:rPr lang="en-GB" dirty="0" smtClean="0"/>
+              <a:t>Summary</a:t>
+            </a:r>
+            <a:endParaRPr lang="en-GB" dirty="0"/>
+          </a:p>
+        </p:txBody>
+      </p:sp>
+      <p:sp>
+        <p:nvSpPr>
+          <p:cNvPr id="3" name="Content Placeholder 2"/>
+          <p:cNvSpPr>
+            <a:spLocks noGrp="1"/>
+          </p:cNvSpPr>
+          <p:nvPr>
+            <p:ph type="subTitle" idx="1"/>
+          </p:nvPr>
+        </p:nvSpPr>
+        <p:spPr>
+          <a:xfrm>
+            <a:off x="1042736" y="1544640"/>
+            <a:ext cx="5466347" cy="3135643"/>
+          </a:xfrm>
+        </p:spPr>
+        <p:txBody>
+          <a:bodyPr>
+            <a:normAutofit fontScale="70000" lnSpcReduction="20000"/>
+          </a:bodyPr>
+          <a:lstStyle/>
+          <a:p>
+            <a:pPr marL="0" indent="0">
+              <a:buNone/>
+            </a:pPr>
+            <a:r>
+              <a:rPr lang="en-GB" sz="5100" dirty="0" smtClean="0">
+                <a:solidFill>
+                  <a:schemeClr val="tx1">
+                    <a:lumMod val="65000"/>
+                    <a:lumOff val="35000"/>
+                  </a:schemeClr>
+                </a:solidFill>
+              </a:rPr>
+              <a:t>Spotify API</a:t>
+            </a:r>
+          </a:p>
+          <a:p>
+            <a:pPr marL="0" indent="0">
+              <a:buNone/>
+            </a:pPr>
+            <a:r>
+              <a:rPr lang="en-GB" sz="5100" dirty="0" smtClean="0">
+                <a:solidFill>
+                  <a:schemeClr val="tx1">
+                    <a:lumMod val="65000"/>
+                    <a:lumOff val="35000"/>
+                  </a:schemeClr>
+                </a:solidFill>
+              </a:rPr>
+              <a:t>OAuth2</a:t>
+            </a:r>
+          </a:p>
+          <a:p>
+            <a:pPr marL="0" indent="0">
+              <a:buNone/>
+            </a:pPr>
+            <a:r>
+              <a:rPr lang="en-GB" sz="5100" dirty="0" smtClean="0">
+                <a:solidFill>
+                  <a:schemeClr val="tx1">
+                    <a:lumMod val="65000"/>
+                    <a:lumOff val="35000"/>
+                  </a:schemeClr>
+                </a:solidFill>
+              </a:rPr>
+              <a:t>ASP.NET MVC</a:t>
+            </a:r>
+          </a:p>
+          <a:p>
+            <a:pPr marL="0" indent="0">
+              <a:buNone/>
+            </a:pPr>
+            <a:r>
+              <a:rPr lang="en-GB" sz="5100" dirty="0" smtClean="0">
+                <a:solidFill>
+                  <a:schemeClr val="tx1">
+                    <a:lumMod val="65000"/>
+                    <a:lumOff val="35000"/>
+                  </a:schemeClr>
+                </a:solidFill>
+              </a:rPr>
+              <a:t>Dapper (ORM)</a:t>
+            </a:r>
+          </a:p>
+          <a:p>
+            <a:pPr marL="0" indent="0">
+              <a:buNone/>
+            </a:pPr>
+            <a:r>
+              <a:rPr lang="en-GB" sz="5100" dirty="0" err="1" smtClean="0">
+                <a:solidFill>
+                  <a:schemeClr val="tx1">
+                    <a:lumMod val="65000"/>
+                    <a:lumOff val="35000"/>
+                  </a:schemeClr>
+                </a:solidFill>
+              </a:rPr>
+              <a:t>MiniProfiler</a:t>
+            </a:r>
+            <a:endParaRPr lang="en-GB" sz="5100" dirty="0">
+              <a:solidFill>
+                <a:schemeClr val="tx1">
+                  <a:lumMod val="65000"/>
+                  <a:lumOff val="35000"/>
+                </a:schemeClr>
+              </a:solidFill>
+            </a:endParaRPr>
+          </a:p>
+          <a:p>
+            <a:pPr marL="0" indent="0">
+              <a:buNone/>
+            </a:pPr>
+            <a:r>
+              <a:rPr lang="en-GB" sz="5100" dirty="0" err="1" smtClean="0">
+                <a:solidFill>
+                  <a:schemeClr val="tx1">
+                    <a:lumMod val="65000"/>
+                    <a:lumOff val="35000"/>
+                  </a:schemeClr>
+                </a:solidFill>
+              </a:rPr>
+              <a:t>Appveyor</a:t>
+            </a:r>
+            <a:endParaRPr lang="en-GB" sz="5100" dirty="0" smtClean="0">
+              <a:solidFill>
+                <a:schemeClr val="tx1">
+                  <a:lumMod val="65000"/>
+                  <a:lumOff val="35000"/>
+                </a:schemeClr>
+              </a:solidFill>
+            </a:endParaRPr>
+          </a:p>
+          <a:p>
+            <a:pPr marL="0" indent="0">
+              <a:buNone/>
+            </a:pPr>
+            <a:endParaRPr lang="en-GB" sz="3600" dirty="0"/>
+          </a:p>
+        </p:txBody>
+      </p:sp>
+      <p:sp>
+        <p:nvSpPr>
+          <p:cNvPr id="4" name="Subtitle 2"/>
+          <p:cNvSpPr txBox="1">
+            <a:spLocks/>
+          </p:cNvSpPr>
+          <p:nvPr/>
+        </p:nvSpPr>
+        <p:spPr>
+          <a:xfrm>
+            <a:off x="5350042" y="4680282"/>
+            <a:ext cx="6787243" cy="1780675"/>
+          </a:xfrm>
+          <a:prstGeom prst="rect">
+            <a:avLst/>
+          </a:prstGeom>
+          <a:solidFill>
+            <a:schemeClr val="accent2">
+              <a:lumMod val="60000"/>
+              <a:lumOff val="40000"/>
+            </a:schemeClr>
+          </a:solidFill>
+        </p:spPr>
+        <p:txBody>
+          <a:bodyPr vert="horz" lIns="91440" tIns="45720" rIns="91440" bIns="45720" rtlCol="0">
+            <a:noAutofit/>
+          </a:bodyPr>
+          <a:lstStyle>
+            <a:lvl1pPr marL="0" indent="0" algn="l" defTabSz="914400" rtl="0" eaLnBrk="1" latinLnBrk="0" hangingPunct="1">
+              <a:lnSpc>
+                <a:spcPct val="90000"/>
+              </a:lnSpc>
+              <a:spcBef>
+                <a:spcPts val="1000"/>
+              </a:spcBef>
+              <a:buFont typeface="Arial" panose="020B0604020202020204" pitchFamily="34" charset="0"/>
+              <a:buNone/>
+              <a:defRPr sz="1800" kern="1200">
+                <a:solidFill>
+                  <a:schemeClr val="tx1"/>
+                </a:solidFill>
+                <a:latin typeface="Montserrat" panose="00000500000000000000" pitchFamily="50" charset="0"/>
+                <a:ea typeface="+mn-ea"/>
+                <a:cs typeface="+mn-cs"/>
+              </a:defRPr>
+            </a:lvl1pPr>
+            <a:lvl2pPr marL="457200" indent="0" algn="ctr" defTabSz="914400" rtl="0" eaLnBrk="1" latinLnBrk="0" hangingPunct="1">
+              <a:lnSpc>
+                <a:spcPct val="90000"/>
+              </a:lnSpc>
+              <a:spcBef>
+                <a:spcPts val="500"/>
+              </a:spcBef>
+              <a:buFont typeface="Arial" panose="020B0604020202020204" pitchFamily="34" charset="0"/>
+              <a:buNone/>
+              <a:defRPr sz="2000" kern="1200">
+                <a:solidFill>
+                  <a:schemeClr val="tx1"/>
+                </a:solidFill>
+                <a:latin typeface="+mn-lt"/>
+                <a:ea typeface="+mn-ea"/>
+                <a:cs typeface="+mn-cs"/>
+              </a:defRPr>
+            </a:lvl2pPr>
+            <a:lvl3pPr marL="914400" indent="0" algn="ctr" defTabSz="914400" rtl="0" eaLnBrk="1" latinLnBrk="0" hangingPunct="1">
+              <a:lnSpc>
+                <a:spcPct val="90000"/>
+              </a:lnSpc>
+              <a:spcBef>
+                <a:spcPts val="500"/>
+              </a:spcBef>
+              <a:buFont typeface="Arial" panose="020B0604020202020204" pitchFamily="34" charset="0"/>
+              <a:buNone/>
+              <a:defRPr sz="1800" kern="1200">
+                <a:solidFill>
+                  <a:schemeClr val="tx1"/>
+                </a:solidFill>
+                <a:latin typeface="+mn-lt"/>
+                <a:ea typeface="+mn-ea"/>
+                <a:cs typeface="+mn-cs"/>
+              </a:defRPr>
+            </a:lvl3pPr>
+            <a:lvl4pPr marL="1371600" indent="0" algn="ctr" defTabSz="914400" rtl="0" eaLnBrk="1" latinLnBrk="0" hangingPunct="1">
+              <a:lnSpc>
+                <a:spcPct val="90000"/>
+              </a:lnSpc>
+              <a:spcBef>
+                <a:spcPts val="500"/>
+              </a:spcBef>
+              <a:buFont typeface="Arial" panose="020B0604020202020204" pitchFamily="34" charset="0"/>
+              <a:buNone/>
+              <a:defRPr sz="1600" kern="1200">
+                <a:solidFill>
+                  <a:schemeClr val="tx1"/>
+                </a:solidFill>
+                <a:latin typeface="+mn-lt"/>
+                <a:ea typeface="+mn-ea"/>
+                <a:cs typeface="+mn-cs"/>
+              </a:defRPr>
+            </a:lvl4pPr>
+            <a:lvl5pPr marL="1828800" indent="0" algn="ctr" defTabSz="914400" rtl="0" eaLnBrk="1" latinLnBrk="0" hangingPunct="1">
+              <a:lnSpc>
+                <a:spcPct val="90000"/>
+              </a:lnSpc>
+              <a:spcBef>
+                <a:spcPts val="500"/>
+              </a:spcBef>
+              <a:buFont typeface="Arial" panose="020B0604020202020204" pitchFamily="34" charset="0"/>
+              <a:buNone/>
+              <a:defRPr sz="1600" kern="1200">
+                <a:solidFill>
+                  <a:schemeClr val="tx1"/>
+                </a:solidFill>
+                <a:latin typeface="+mn-lt"/>
+                <a:ea typeface="+mn-ea"/>
+                <a:cs typeface="+mn-cs"/>
+              </a:defRPr>
+            </a:lvl5pPr>
+            <a:lvl6pPr marL="2286000" indent="0" algn="ctr" defTabSz="914400" rtl="0" eaLnBrk="1" latinLnBrk="0" hangingPunct="1">
+              <a:lnSpc>
+                <a:spcPct val="90000"/>
+              </a:lnSpc>
+              <a:spcBef>
+                <a:spcPts val="500"/>
+              </a:spcBef>
+              <a:buFont typeface="Arial" panose="020B0604020202020204" pitchFamily="34" charset="0"/>
+              <a:buNone/>
+              <a:defRPr sz="1600" kern="1200">
+                <a:solidFill>
+                  <a:schemeClr val="tx1"/>
+                </a:solidFill>
+                <a:latin typeface="+mn-lt"/>
+                <a:ea typeface="+mn-ea"/>
+                <a:cs typeface="+mn-cs"/>
+              </a:defRPr>
+            </a:lvl6pPr>
+            <a:lvl7pPr marL="2743200" indent="0" algn="ctr" defTabSz="914400" rtl="0" eaLnBrk="1" latinLnBrk="0" hangingPunct="1">
+              <a:lnSpc>
+                <a:spcPct val="90000"/>
+              </a:lnSpc>
+              <a:spcBef>
+                <a:spcPts val="500"/>
+              </a:spcBef>
+              <a:buFont typeface="Arial" panose="020B0604020202020204" pitchFamily="34" charset="0"/>
+              <a:buNone/>
+              <a:defRPr sz="1600" kern="1200">
+                <a:solidFill>
+                  <a:schemeClr val="tx1"/>
+                </a:solidFill>
+                <a:latin typeface="+mn-lt"/>
+                <a:ea typeface="+mn-ea"/>
+                <a:cs typeface="+mn-cs"/>
+              </a:defRPr>
+            </a:lvl7pPr>
+            <a:lvl8pPr marL="3200400" indent="0" algn="ctr" defTabSz="914400" rtl="0" eaLnBrk="1" latinLnBrk="0" hangingPunct="1">
+              <a:lnSpc>
+                <a:spcPct val="90000"/>
+              </a:lnSpc>
+              <a:spcBef>
+                <a:spcPts val="500"/>
+              </a:spcBef>
+              <a:buFont typeface="Arial" panose="020B0604020202020204" pitchFamily="34" charset="0"/>
+              <a:buNone/>
+              <a:defRPr sz="1600" kern="1200">
+                <a:solidFill>
+                  <a:schemeClr val="tx1"/>
+                </a:solidFill>
+                <a:latin typeface="+mn-lt"/>
+                <a:ea typeface="+mn-ea"/>
+                <a:cs typeface="+mn-cs"/>
+              </a:defRPr>
+            </a:lvl8pPr>
+            <a:lvl9pPr marL="3657600" indent="0" algn="ctr" defTabSz="914400" rtl="0" eaLnBrk="1" latinLnBrk="0" hangingPunct="1">
+              <a:lnSpc>
+                <a:spcPct val="90000"/>
+              </a:lnSpc>
+              <a:spcBef>
+                <a:spcPts val="500"/>
+              </a:spcBef>
+              <a:buFont typeface="Arial" panose="020B0604020202020204" pitchFamily="34" charset="0"/>
+              <a:buNone/>
+              <a:defRPr sz="1600" kern="1200">
+                <a:solidFill>
+                  <a:schemeClr val="tx1"/>
+                </a:solidFill>
+                <a:latin typeface="+mn-lt"/>
+                <a:ea typeface="+mn-ea"/>
+                <a:cs typeface="+mn-cs"/>
+              </a:defRPr>
+            </a:lvl9pPr>
+          </a:lstStyle>
+          <a:p>
+            <a:r>
+              <a:rPr lang="en-GB" sz="3200" dirty="0" err="1" smtClean="0">
+                <a:solidFill>
+                  <a:schemeClr val="tx1">
+                    <a:lumMod val="65000"/>
+                    <a:lumOff val="35000"/>
+                  </a:schemeClr>
+                </a:solidFill>
+              </a:rPr>
+              <a:t>davemateer</a:t>
+            </a:r>
+            <a:r>
+              <a:rPr lang="en-GB" sz="3200" dirty="0" smtClean="0">
+                <a:solidFill>
+                  <a:schemeClr val="tx1">
+                    <a:lumMod val="65000"/>
+                    <a:lumOff val="35000"/>
+                  </a:schemeClr>
+                </a:solidFill>
+              </a:rPr>
+              <a:t> at gmail.com</a:t>
+            </a:r>
+          </a:p>
+          <a:p>
+            <a:r>
+              <a:rPr lang="en-GB" sz="3200" dirty="0" smtClean="0">
+                <a:solidFill>
+                  <a:schemeClr val="tx1">
+                    <a:lumMod val="65000"/>
+                    <a:lumOff val="35000"/>
+                  </a:schemeClr>
+                </a:solidFill>
+              </a:rPr>
+              <a:t>github.com/</a:t>
+            </a:r>
+            <a:r>
+              <a:rPr lang="en-GB" sz="3200" dirty="0" err="1" smtClean="0">
+                <a:solidFill>
+                  <a:schemeClr val="tx1">
+                    <a:lumMod val="65000"/>
+                    <a:lumOff val="35000"/>
+                  </a:schemeClr>
+                </a:solidFill>
+              </a:rPr>
+              <a:t>djhmateer</a:t>
+            </a:r>
+            <a:endParaRPr lang="en-GB" sz="3200" dirty="0" smtClean="0">
+              <a:solidFill>
+                <a:schemeClr val="tx1">
+                  <a:lumMod val="65000"/>
+                  <a:lumOff val="35000"/>
+                </a:schemeClr>
+              </a:solidFill>
+            </a:endParaRPr>
+          </a:p>
+          <a:p>
+            <a:r>
+              <a:rPr lang="en-GB" sz="3200" dirty="0" smtClean="0">
+                <a:solidFill>
+                  <a:schemeClr val="tx1">
+                    <a:lumMod val="65000"/>
+                    <a:lumOff val="35000"/>
+                  </a:schemeClr>
+                </a:solidFill>
+              </a:rPr>
+              <a:t>www.davestopmusic.com</a:t>
+            </a:r>
+            <a:endParaRPr lang="en-GB" sz="3200" dirty="0">
+              <a:solidFill>
+                <a:schemeClr val="tx1">
+                  <a:lumMod val="65000"/>
+                  <a:lumOff val="35000"/>
+                </a:schemeClr>
+              </a:solidFill>
+            </a:endParaRPr>
+          </a:p>
+        </p:txBody>
+      </p:sp>
+      <p:pic>
+        <p:nvPicPr>
+          <p:cNvPr id="5" name="Picture 4"/>
+          <p:cNvPicPr>
+            <a:picLocks noChangeAspect="1"/>
+          </p:cNvPicPr>
+          <p:nvPr/>
+        </p:nvPicPr>
+        <p:blipFill>
+          <a:blip r:embed="rId2">
+            <a:extLst>
+              <a:ext uri="{28A0092B-C50C-407E-A947-70E740481C1C}">
+                <a14:useLocalDpi xmlns:a14="http://schemas.microsoft.com/office/drawing/2010/main" val="0"/>
+              </a:ext>
+            </a:extLst>
+          </a:blip>
+          <a:stretch>
+            <a:fillRect/>
+          </a:stretch>
+        </p:blipFill>
+        <p:spPr>
+          <a:xfrm>
+            <a:off x="8863263" y="355808"/>
+            <a:ext cx="2571750" cy="476250"/>
+          </a:xfrm>
+          <a:prstGeom prst="rect">
+            <a:avLst/>
+          </a:prstGeom>
+        </p:spPr>
+      </p:pic>
+    </p:spTree>
+    <p:extLst>
+      <p:ext uri="{BB962C8B-B14F-4D97-AF65-F5344CB8AC3E}">
+        <p14:creationId xmlns:p14="http://schemas.microsoft.com/office/powerpoint/2010/main" val="3999716728"/>
+      </p:ext>
+    </p:extLst>
+  </p:cSld>
+  <p:clrMapOvr>
+    <a:masterClrMapping/>
+  </p:clrMapOvr>
 </p:sld>
 </file>
 
@@ -6082,7 +10441,6 @@
               <a:rPr lang="en-GB" sz="5400" dirty="0" smtClean="0"/>
               <a:t>2008, Sweden, 60m (15m paid) Users, 38m tracks</a:t>
             </a:r>
-            <a:endParaRPr lang="en-GB" sz="5400" dirty="0" smtClean="0"/>
           </a:p>
           <a:p>
             <a:pPr marL="0" indent="0">
@@ -6217,109 +10575,6 @@
       </p:grpSpPr>
       <p:sp>
         <p:nvSpPr>
-          <p:cNvPr id="2" name="Title 1"/>
-          <p:cNvSpPr>
-            <a:spLocks noGrp="1"/>
-          </p:cNvSpPr>
-          <p:nvPr>
-            <p:ph type="title"/>
-          </p:nvPr>
-        </p:nvSpPr>
-        <p:spPr/>
-        <p:txBody>
-          <a:bodyPr/>
-          <a:lstStyle/>
-          <a:p>
-            <a:r>
-              <a:rPr lang="en-GB" dirty="0" smtClean="0"/>
-              <a:t>There is a Web API to do stuff</a:t>
-            </a:r>
-            <a:endParaRPr lang="en-GB" dirty="0"/>
-          </a:p>
-        </p:txBody>
-      </p:sp>
-      <p:sp>
-        <p:nvSpPr>
-          <p:cNvPr id="3" name="Content Placeholder 2"/>
-          <p:cNvSpPr>
-            <a:spLocks noGrp="1"/>
-          </p:cNvSpPr>
-          <p:nvPr>
-            <p:ph idx="1"/>
-          </p:nvPr>
-        </p:nvSpPr>
-        <p:spPr/>
-        <p:txBody>
-          <a:bodyPr>
-            <a:normAutofit/>
-          </a:bodyPr>
-          <a:lstStyle/>
-          <a:p>
-            <a:pPr marL="0" indent="0">
-              <a:buNone/>
-            </a:pPr>
-            <a:r>
-              <a:rPr lang="en-GB" sz="4800" dirty="0" smtClean="0"/>
-              <a:t>Explore Spotify catalogue</a:t>
-            </a:r>
-          </a:p>
-          <a:p>
-            <a:pPr marL="0" indent="0">
-              <a:buNone/>
-            </a:pPr>
-            <a:endParaRPr lang="en-GB" sz="4800" dirty="0" smtClean="0"/>
-          </a:p>
-          <a:p>
-            <a:pPr marL="0" indent="0">
-              <a:buNone/>
-            </a:pPr>
-            <a:r>
-              <a:rPr lang="en-GB" sz="4800" dirty="0" smtClean="0"/>
-              <a:t>Create and add tracks to playlists</a:t>
-            </a:r>
-            <a:endParaRPr lang="en-GB" sz="4800" dirty="0"/>
-          </a:p>
-        </p:txBody>
-      </p:sp>
-    </p:spTree>
-    <p:extLst>
-      <p:ext uri="{BB962C8B-B14F-4D97-AF65-F5344CB8AC3E}">
-        <p14:creationId xmlns:p14="http://schemas.microsoft.com/office/powerpoint/2010/main" val="1063986736"/>
-      </p:ext>
-    </p:extLst>
-  </p:cSld>
-  <p:clrMapOvr>
-    <a:masterClrMapping/>
-  </p:clrMapOvr>
-  <p:timing>
-    <p:tnLst>
-      <p:par>
-        <p:cTn id="1" dur="indefinite" restart="never" nodeType="tmRoot"/>
-      </p:par>
-    </p:tnLst>
-  </p:timing>
-</p:sld>
-</file>
-
-<file path=ppt/slides/slide9.xml><?xml version="1.0" encoding="utf-8"?>
-<p:sld xmlns:a="http://schemas.openxmlformats.org/drawingml/2006/main" xmlns:r="http://schemas.openxmlformats.org/officeDocument/2006/relationships" xmlns:p="http://schemas.openxmlformats.org/presentationml/2006/main">
-  <p:cSld>
-    <p:spTree>
-      <p:nvGrpSpPr>
-        <p:cNvPr id="1" name=""/>
-        <p:cNvGrpSpPr/>
-        <p:nvPr/>
-      </p:nvGrpSpPr>
-      <p:grpSpPr>
-        <a:xfrm>
-          <a:off x="0" y="0"/>
-          <a:ext cx="0" cy="0"/>
-          <a:chOff x="0" y="0"/>
-          <a:chExt cx="0" cy="0"/>
-        </a:xfrm>
-      </p:grpSpPr>
-      <p:sp>
-        <p:nvSpPr>
           <p:cNvPr id="3" name="Content Placeholder 2"/>
           <p:cNvSpPr>
             <a:spLocks noGrp="1"/>
@@ -6464,6 +10719,186 @@
     <p:extLst>
       <p:ext uri="{BB962C8B-B14F-4D97-AF65-F5344CB8AC3E}">
         <p14:creationId xmlns:p14="http://schemas.microsoft.com/office/powerpoint/2010/main" val="1789978247"/>
+      </p:ext>
+    </p:extLst>
+  </p:cSld>
+  <p:clrMapOvr>
+    <a:masterClrMapping/>
+  </p:clrMapOvr>
+  <p:timing>
+    <p:tnLst>
+      <p:par>
+        <p:cTn id="1" dur="indefinite" restart="never" nodeType="tmRoot"/>
+      </p:par>
+    </p:tnLst>
+  </p:timing>
+</p:sld>
+</file>
+
+<file path=ppt/slides/slide9.xml><?xml version="1.0" encoding="utf-8"?>
+<p:sld xmlns:a="http://schemas.openxmlformats.org/drawingml/2006/main" xmlns:r="http://schemas.openxmlformats.org/officeDocument/2006/relationships" xmlns:p="http://schemas.openxmlformats.org/presentationml/2006/main">
+  <p:cSld>
+    <p:spTree>
+      <p:nvGrpSpPr>
+        <p:cNvPr id="1" name=""/>
+        <p:cNvGrpSpPr/>
+        <p:nvPr/>
+      </p:nvGrpSpPr>
+      <p:grpSpPr>
+        <a:xfrm>
+          <a:off x="0" y="0"/>
+          <a:ext cx="0" cy="0"/>
+          <a:chOff x="0" y="0"/>
+          <a:chExt cx="0" cy="0"/>
+        </a:xfrm>
+      </p:grpSpPr>
+      <p:sp>
+        <p:nvSpPr>
+          <p:cNvPr id="3" name="Content Placeholder 2"/>
+          <p:cNvSpPr>
+            <a:spLocks noGrp="1"/>
+          </p:cNvSpPr>
+          <p:nvPr>
+            <p:ph idx="1"/>
+          </p:nvPr>
+        </p:nvSpPr>
+        <p:spPr>
+          <a:xfrm>
+            <a:off x="838200" y="2090057"/>
+            <a:ext cx="10515600" cy="3146380"/>
+          </a:xfrm>
+        </p:spPr>
+        <p:txBody>
+          <a:bodyPr>
+            <a:normAutofit/>
+          </a:bodyPr>
+          <a:lstStyle/>
+          <a:p>
+            <a:pPr marL="0" indent="0">
+              <a:buNone/>
+            </a:pPr>
+            <a:r>
+              <a:rPr lang="en-GB" sz="4400" dirty="0"/>
+              <a:t>iframe </a:t>
+            </a:r>
+            <a:r>
+              <a:rPr lang="en-GB" sz="4400" dirty="0" err="1"/>
+              <a:t>src</a:t>
+            </a:r>
+            <a:r>
+              <a:rPr lang="en-GB" sz="4400" dirty="0"/>
+              <a:t>="</a:t>
+            </a:r>
+            <a:r>
+              <a:rPr lang="en-GB" sz="4400" u="sng" dirty="0">
+                <a:hlinkClick r:id="rId3"/>
+              </a:rPr>
+              <a:t>https://embed.spotify.com/?</a:t>
+            </a:r>
+            <a:r>
+              <a:rPr lang="en-GB" sz="4400" u="sng" dirty="0" err="1" smtClean="0">
+                <a:hlinkClick r:id="rId3"/>
+              </a:rPr>
+              <a:t>uri</a:t>
+            </a:r>
+            <a:r>
+              <a:rPr lang="en-GB" sz="4400" u="sng" dirty="0" smtClean="0">
+                <a:hlinkClick r:id="rId3"/>
+              </a:rPr>
+              <a:t>=spotify:user:hoxsd:playlist:0Z7jXtAId643ujM1UPshcte“</a:t>
+            </a:r>
+            <a:endParaRPr lang="en-GB" sz="4400" u="sng" dirty="0" smtClean="0"/>
+          </a:p>
+          <a:p>
+            <a:pPr marL="0" indent="0">
+              <a:buNone/>
+            </a:pPr>
+            <a:endParaRPr lang="en-GB" sz="4400" u="sng" dirty="0"/>
+          </a:p>
+        </p:txBody>
+      </p:sp>
+      <p:sp>
+        <p:nvSpPr>
+          <p:cNvPr id="4" name="Title 3"/>
+          <p:cNvSpPr>
+            <a:spLocks noGrp="1"/>
+          </p:cNvSpPr>
+          <p:nvPr>
+            <p:ph type="title"/>
+          </p:nvPr>
+        </p:nvSpPr>
+        <p:spPr>
+          <a:xfrm>
+            <a:off x="838200" y="365125"/>
+            <a:ext cx="4389424" cy="1460500"/>
+          </a:xfrm>
+        </p:spPr>
+        <p:txBody>
+          <a:bodyPr>
+            <a:normAutofit fontScale="90000"/>
+          </a:bodyPr>
+          <a:lstStyle/>
+          <a:p>
+            <a:r>
+              <a:rPr lang="en-GB" dirty="0" smtClean="0"/>
+              <a:t>Embed Album /</a:t>
+            </a:r>
+            <a:br>
+              <a:rPr lang="en-GB" dirty="0" smtClean="0"/>
+            </a:br>
+            <a:r>
+              <a:rPr lang="en-GB" dirty="0" smtClean="0"/>
+              <a:t>Playlist</a:t>
+            </a:r>
+            <a:endParaRPr lang="en-GB" dirty="0"/>
+          </a:p>
+        </p:txBody>
+      </p:sp>
+      <p:pic>
+        <p:nvPicPr>
+          <p:cNvPr id="5122" name="Picture 2" descr="image"/>
+          <p:cNvPicPr>
+            <a:picLocks noChangeAspect="1" noChangeArrowheads="1"/>
+          </p:cNvPicPr>
+          <p:nvPr/>
+        </p:nvPicPr>
+        <p:blipFill>
+          <a:blip r:embed="rId4">
+            <a:extLst>
+              <a:ext uri="{28A0092B-C50C-407E-A947-70E740481C1C}">
+                <a14:useLocalDpi xmlns:a14="http://schemas.microsoft.com/office/drawing/2010/main" val="0"/>
+              </a:ext>
+            </a:extLst>
+          </a:blip>
+          <a:srcRect/>
+          <a:stretch>
+            <a:fillRect/>
+          </a:stretch>
+        </p:blipFill>
+        <p:spPr bwMode="auto">
+          <a:xfrm>
+            <a:off x="6818811" y="0"/>
+            <a:ext cx="5373189" cy="6828430"/>
+          </a:xfrm>
+          <a:prstGeom prst="rect">
+            <a:avLst/>
+          </a:prstGeom>
+          <a:noFill/>
+          <a:extLst>
+            <a:ext uri="{909E8E84-426E-40DD-AFC4-6F175D3DCCD1}">
+              <a14:hiddenFill xmlns:a14="http://schemas.microsoft.com/office/drawing/2010/main">
+                <a:solidFill>
+                  <a:srgbClr val="FFFFFF"/>
+                </a:solidFill>
+              </a14:hiddenFill>
+            </a:ext>
+          </a:extLst>
+        </p:spPr>
+      </p:pic>
+    </p:spTree>
+    <p:extLst>
+      <p:ext uri="{BB962C8B-B14F-4D97-AF65-F5344CB8AC3E}">
+        <p14:creationId xmlns:p14="http://schemas.microsoft.com/office/powerpoint/2010/main" val="1881090013"/>
       </p:ext>
     </p:extLst>
   </p:cSld>
